--- a/data/images.pptx
+++ b/data/images.pptx
@@ -3333,10 +3333,10 @@
       </p:grpSpPr>
       <p:pic>
         <p:nvPicPr>
-          <p:cNvPr id="6" name="그림 5">
-            <a:extLst>
-              <a:ext uri="{FF2B5EF4-FFF2-40B4-BE49-F238E27FC236}">
-                <a16:creationId xmlns:a16="http://schemas.microsoft.com/office/drawing/2014/main" id="{70D720A2-1E9D-4205-8029-20647D1E3D9D}"/>
+          <p:cNvPr id="5" name="그림 4">
+            <a:extLst>
+              <a:ext uri="{FF2B5EF4-FFF2-40B4-BE49-F238E27FC236}">
+                <a16:creationId xmlns:a16="http://schemas.microsoft.com/office/drawing/2014/main" id="{1266675F-1E1C-4940-87C0-B6FC0085FDFD}"/>
               </a:ext>
             </a:extLst>
           </p:cNvPr>
@@ -3347,54 +3347,30 @@
         </p:nvPicPr>
         <p:blipFill rotWithShape="1">
           <a:blip r:embed="rId2"/>
-          <a:srcRect b="5128"/>
-          <a:stretch/>
-        </p:blipFill>
-        <p:spPr>
-          <a:xfrm>
-            <a:off x="0" y="1533192"/>
-            <a:ext cx="8771792" cy="4681101"/>
-          </a:xfrm>
-          <a:prstGeom prst="rect">
-            <a:avLst/>
-          </a:prstGeom>
-        </p:spPr>
-      </p:pic>
-      <p:pic>
-        <p:nvPicPr>
-          <p:cNvPr id="5" name="그림 4">
-            <a:extLst>
-              <a:ext uri="{FF2B5EF4-FFF2-40B4-BE49-F238E27FC236}">
-                <a16:creationId xmlns:a16="http://schemas.microsoft.com/office/drawing/2014/main" id="{1266675F-1E1C-4940-87C0-B6FC0085FDFD}"/>
-              </a:ext>
-            </a:extLst>
-          </p:cNvPr>
-          <p:cNvPicPr>
-            <a:picLocks noChangeAspect="1"/>
-          </p:cNvPicPr>
-          <p:nvPr/>
-        </p:nvPicPr>
-        <p:blipFill rotWithShape="1">
-          <a:blip r:embed="rId3"/>
           <a:srcRect b="5641"/>
           <a:stretch/>
         </p:blipFill>
         <p:spPr>
           <a:xfrm>
-            <a:off x="4174434" y="201088"/>
-            <a:ext cx="8017566" cy="4255477"/>
+            <a:off x="209103" y="228600"/>
+            <a:ext cx="8819466" cy="4681101"/>
           </a:xfrm>
           <a:prstGeom prst="rect">
             <a:avLst/>
           </a:prstGeom>
+          <a:ln w="19050">
+            <a:solidFill>
+              <a:schemeClr val="accent1"/>
+            </a:solidFill>
+          </a:ln>
         </p:spPr>
       </p:pic>
       <p:sp>
         <p:nvSpPr>
-          <p:cNvPr id="8" name="직사각형 7">
-            <a:extLst>
-              <a:ext uri="{FF2B5EF4-FFF2-40B4-BE49-F238E27FC236}">
-                <a16:creationId xmlns:a16="http://schemas.microsoft.com/office/drawing/2014/main" id="{A25E69C2-6534-47AB-932E-161924EC5CA3}"/>
+          <p:cNvPr id="14" name="화살표: 갈매기형 수장 13">
+            <a:extLst>
+              <a:ext uri="{FF2B5EF4-FFF2-40B4-BE49-F238E27FC236}">
+                <a16:creationId xmlns:a16="http://schemas.microsoft.com/office/drawing/2014/main" id="{AA55FB55-9C66-445C-92A7-EE7DE75337E3}"/>
               </a:ext>
             </a:extLst>
           </p:cNvPr>
@@ -3402,56 +3378,8 @@
           <p:nvPr/>
         </p:nvSpPr>
         <p:spPr>
-          <a:xfrm>
-            <a:off x="96715" y="3363787"/>
-            <a:ext cx="3256085" cy="1971276"/>
-          </a:xfrm>
-          <a:prstGeom prst="rect">
-            <a:avLst/>
-          </a:prstGeom>
-          <a:noFill/>
-          <a:ln w="28575"/>
-        </p:spPr>
-        <p:style>
-          <a:lnRef idx="2">
-            <a:schemeClr val="accent1">
-              <a:shade val="50000"/>
-            </a:schemeClr>
-          </a:lnRef>
-          <a:fillRef idx="1">
-            <a:schemeClr val="accent1"/>
-          </a:fillRef>
-          <a:effectRef idx="0">
-            <a:schemeClr val="accent1"/>
-          </a:effectRef>
-          <a:fontRef idx="minor">
-            <a:schemeClr val="lt1"/>
-          </a:fontRef>
-        </p:style>
-        <p:txBody>
-          <a:bodyPr rtlCol="0" anchor="ctr"/>
-          <a:lstStyle/>
-          <a:p>
-            <a:pPr algn="ctr"/>
-            <a:endParaRPr lang="ko-KR" altLang="en-US"/>
-          </a:p>
-        </p:txBody>
-      </p:sp>
-      <p:sp>
-        <p:nvSpPr>
-          <p:cNvPr id="14" name="화살표: 갈매기형 수장 13">
-            <a:extLst>
-              <a:ext uri="{FF2B5EF4-FFF2-40B4-BE49-F238E27FC236}">
-                <a16:creationId xmlns:a16="http://schemas.microsoft.com/office/drawing/2014/main" id="{AA55FB55-9C66-445C-92A7-EE7DE75337E3}"/>
-              </a:ext>
-            </a:extLst>
-          </p:cNvPr>
-          <p:cNvSpPr/>
-          <p:nvPr/>
-        </p:nvSpPr>
-        <p:spPr>
           <a:xfrm rot="5400000">
-            <a:off x="10993673" y="2043994"/>
+            <a:off x="2432332" y="1758006"/>
             <a:ext cx="197450" cy="460039"/>
           </a:xfrm>
           <a:prstGeom prst="chevron">
@@ -3501,7 +3429,7 @@
         </p:nvSpPr>
         <p:spPr>
           <a:xfrm rot="5400000">
-            <a:off x="10993673" y="2241444"/>
+            <a:off x="2432332" y="1955456"/>
             <a:ext cx="197450" cy="460039"/>
           </a:xfrm>
           <a:prstGeom prst="chevron">
@@ -3551,7 +3479,7 @@
         </p:nvSpPr>
         <p:spPr>
           <a:xfrm>
-            <a:off x="10850780" y="1257201"/>
+            <a:off x="2289439" y="971213"/>
             <a:ext cx="483237" cy="841321"/>
           </a:xfrm>
           <a:prstGeom prst="roundRect">
@@ -3609,7 +3537,7 @@
         </p:nvCxnSpPr>
         <p:spPr>
           <a:xfrm>
-            <a:off x="11092398" y="1392019"/>
+            <a:off x="2531057" y="1106031"/>
             <a:ext cx="0" cy="152400"/>
           </a:xfrm>
           <a:prstGeom prst="line">
@@ -3632,12 +3560,46 @@
           </a:fontRef>
         </p:style>
       </p:cxnSp>
-      <p:sp>
-        <p:nvSpPr>
-          <p:cNvPr id="11" name="화살표: 오른쪽으로 구부러짐 10">
-            <a:extLst>
-              <a:ext uri="{FF2B5EF4-FFF2-40B4-BE49-F238E27FC236}">
-                <a16:creationId xmlns:a16="http://schemas.microsoft.com/office/drawing/2014/main" id="{3C0C1202-9C28-42F0-B500-BFFE92E3B75C}"/>
+      <p:pic>
+        <p:nvPicPr>
+          <p:cNvPr id="6" name="그림 5">
+            <a:extLst>
+              <a:ext uri="{FF2B5EF4-FFF2-40B4-BE49-F238E27FC236}">
+                <a16:creationId xmlns:a16="http://schemas.microsoft.com/office/drawing/2014/main" id="{70D720A2-1E9D-4205-8029-20647D1E3D9D}"/>
+              </a:ext>
+            </a:extLst>
+          </p:cNvPr>
+          <p:cNvPicPr>
+            <a:picLocks noChangeAspect="1"/>
+          </p:cNvPicPr>
+          <p:nvPr/>
+        </p:nvPicPr>
+        <p:blipFill rotWithShape="1">
+          <a:blip r:embed="rId3"/>
+          <a:srcRect b="5128"/>
+          <a:stretch/>
+        </p:blipFill>
+        <p:spPr>
+          <a:xfrm>
+            <a:off x="3270739" y="659423"/>
+            <a:ext cx="8771792" cy="4681101"/>
+          </a:xfrm>
+          <a:prstGeom prst="rect">
+            <a:avLst/>
+          </a:prstGeom>
+          <a:ln w="19050">
+            <a:solidFill>
+              <a:schemeClr val="accent1"/>
+            </a:solidFill>
+          </a:ln>
+        </p:spPr>
+      </p:pic>
+      <p:sp>
+        <p:nvSpPr>
+          <p:cNvPr id="8" name="직사각형 7">
+            <a:extLst>
+              <a:ext uri="{FF2B5EF4-FFF2-40B4-BE49-F238E27FC236}">
+                <a16:creationId xmlns:a16="http://schemas.microsoft.com/office/drawing/2014/main" id="{A25E69C2-6534-47AB-932E-161924EC5CA3}"/>
               </a:ext>
             </a:extLst>
           </p:cNvPr>
@@ -3645,13 +3607,15 @@
           <p:nvPr/>
         </p:nvSpPr>
         <p:spPr>
-          <a:xfrm rot="3252630">
-            <a:off x="3333928" y="466225"/>
-            <a:ext cx="439615" cy="1213437"/>
+          <a:xfrm>
+            <a:off x="3333283" y="2463165"/>
+            <a:ext cx="3256085" cy="1971276"/>
           </a:xfrm>
-          <a:prstGeom prst="curvedRightArrow">
+          <a:prstGeom prst="rect">
             <a:avLst/>
           </a:prstGeom>
+          <a:noFill/>
+          <a:ln w="28575"/>
         </p:spPr>
         <p:style>
           <a:lnRef idx="2">
@@ -3674,11 +3638,7 @@
           <a:lstStyle/>
           <a:p>
             <a:pPr algn="ctr"/>
-            <a:endParaRPr lang="ko-KR" altLang="en-US">
-              <a:solidFill>
-                <a:schemeClr val="tx1"/>
-              </a:solidFill>
-            </a:endParaRPr>
+            <a:endParaRPr lang="ko-KR" altLang="en-US"/>
           </a:p>
         </p:txBody>
       </p:sp>
@@ -3714,10 +3674,10 @@
       </p:grpSpPr>
       <p:pic>
         <p:nvPicPr>
-          <p:cNvPr id="13" name="그림 12">
-            <a:extLst>
-              <a:ext uri="{FF2B5EF4-FFF2-40B4-BE49-F238E27FC236}">
-                <a16:creationId xmlns:a16="http://schemas.microsoft.com/office/drawing/2014/main" id="{0E2BA9AA-6561-4FF3-83C9-78621FCA4A5C}"/>
+          <p:cNvPr id="2" name="그림 1">
+            <a:extLst>
+              <a:ext uri="{FF2B5EF4-FFF2-40B4-BE49-F238E27FC236}">
+                <a16:creationId xmlns:a16="http://schemas.microsoft.com/office/drawing/2014/main" id="{97A6FAE8-0ADF-4813-9C8E-A6F89F7F3DB1}"/>
               </a:ext>
             </a:extLst>
           </p:cNvPr>
@@ -3734,8 +3694,8 @@
         </p:blipFill>
         <p:spPr>
           <a:xfrm>
-            <a:off x="0" y="423672"/>
-            <a:ext cx="12192000" cy="6010656"/>
+            <a:off x="161029" y="856265"/>
+            <a:ext cx="11869941" cy="5145470"/>
           </a:xfrm>
           <a:prstGeom prst="rect">
             <a:avLst/>

--- a/data/images.pptx
+++ b/data/images.pptx
@@ -7,6 +7,10 @@
   <p:sldIdLst>
     <p:sldId id="256" r:id="rId2"/>
     <p:sldId id="257" r:id="rId3"/>
+    <p:sldId id="258" r:id="rId4"/>
+    <p:sldId id="261" r:id="rId5"/>
+    <p:sldId id="260" r:id="rId6"/>
+    <p:sldId id="262" r:id="rId7"/>
   </p:sldIdLst>
   <p:sldSz cx="12192000" cy="6858000"/>
   <p:notesSz cx="6858000" cy="9144000"/>
@@ -3715,6 +3719,2666 @@
 </p:sld>
 </file>
 
+<file path=ppt/slides/slide3.xml><?xml version="1.0" encoding="utf-8"?>
+<p:sld xmlns:a="http://schemas.openxmlformats.org/drawingml/2006/main" xmlns:r="http://schemas.openxmlformats.org/officeDocument/2006/relationships" xmlns:p="http://schemas.openxmlformats.org/presentationml/2006/main">
+  <p:cSld>
+    <p:spTree>
+      <p:nvGrpSpPr>
+        <p:cNvPr id="1" name=""/>
+        <p:cNvGrpSpPr/>
+        <p:nvPr/>
+      </p:nvGrpSpPr>
+      <p:grpSpPr>
+        <a:xfrm>
+          <a:off x="0" y="0"/>
+          <a:ext cx="0" cy="0"/>
+          <a:chOff x="0" y="0"/>
+          <a:chExt cx="0" cy="0"/>
+        </a:xfrm>
+      </p:grpSpPr>
+      <p:sp>
+        <p:nvSpPr>
+          <p:cNvPr id="4" name="부제목 2">
+            <a:extLst>
+              <a:ext uri="{FF2B5EF4-FFF2-40B4-BE49-F238E27FC236}">
+                <a16:creationId xmlns:a16="http://schemas.microsoft.com/office/drawing/2014/main" id="{3E313581-93D7-450C-971C-9F15031589FA}"/>
+              </a:ext>
+            </a:extLst>
+          </p:cNvPr>
+          <p:cNvSpPr txBox="1">
+            <a:spLocks/>
+          </p:cNvSpPr>
+          <p:nvPr/>
+        </p:nvSpPr>
+        <p:spPr>
+          <a:xfrm>
+            <a:off x="2742448" y="3802269"/>
+            <a:ext cx="1296144" cy="602251"/>
+          </a:xfrm>
+          <a:prstGeom prst="rect">
+            <a:avLst/>
+          </a:prstGeom>
+          <a:ln>
+            <a:noFill/>
+          </a:ln>
+        </p:spPr>
+        <p:txBody>
+          <a:bodyPr vert="horz" lIns="91440" tIns="45720" rIns="91440" bIns="45720" rtlCol="0">
+            <a:normAutofit/>
+          </a:bodyPr>
+          <a:lstStyle/>
+          <a:p>
+            <a:pPr marL="228600" indent="-228600">
+              <a:lnSpc>
+                <a:spcPct val="150000"/>
+              </a:lnSpc>
+            </a:pPr>
+            <a:r>
+              <a:rPr lang="ko-KR" altLang="en-US" sz="2000" b="1" spc="-20" dirty="0">
+                <a:latin typeface="나눔고딕" pitchFamily="50" charset="-127"/>
+                <a:ea typeface="나눔고딕" pitchFamily="50" charset="-127"/>
+              </a:rPr>
+              <a:t>내 컴퓨터</a:t>
+            </a:r>
+            <a:endParaRPr lang="en-US" altLang="ko-KR" sz="2000" b="1" spc="-20" dirty="0">
+              <a:latin typeface="나눔고딕" pitchFamily="50" charset="-127"/>
+              <a:ea typeface="나눔고딕" pitchFamily="50" charset="-127"/>
+            </a:endParaRPr>
+          </a:p>
+        </p:txBody>
+      </p:sp>
+      <p:cxnSp>
+        <p:nvCxnSpPr>
+          <p:cNvPr id="5" name="직선 연결선 4">
+            <a:extLst>
+              <a:ext uri="{FF2B5EF4-FFF2-40B4-BE49-F238E27FC236}">
+                <a16:creationId xmlns:a16="http://schemas.microsoft.com/office/drawing/2014/main" id="{CA8CEF84-188D-4B21-9740-B9F797DB4974}"/>
+              </a:ext>
+            </a:extLst>
+          </p:cNvPr>
+          <p:cNvCxnSpPr>
+            <a:cxnSpLocks/>
+            <a:stCxn id="17" idx="1"/>
+            <a:endCxn id="9" idx="0"/>
+          </p:cNvCxnSpPr>
+          <p:nvPr/>
+        </p:nvCxnSpPr>
+        <p:spPr>
+          <a:xfrm>
+            <a:off x="5460912" y="3203473"/>
+            <a:ext cx="15516" cy="877148"/>
+          </a:xfrm>
+          <a:prstGeom prst="line">
+            <a:avLst/>
+          </a:prstGeom>
+          <a:ln w="19050">
+            <a:solidFill>
+              <a:schemeClr val="accent1"/>
+            </a:solidFill>
+            <a:prstDash val="sysDash"/>
+            <a:miter lim="800000"/>
+          </a:ln>
+        </p:spPr>
+        <p:style>
+          <a:lnRef idx="1">
+            <a:schemeClr val="accent1"/>
+          </a:lnRef>
+          <a:fillRef idx="0">
+            <a:schemeClr val="accent1"/>
+          </a:fillRef>
+          <a:effectRef idx="0">
+            <a:schemeClr val="accent1"/>
+          </a:effectRef>
+          <a:fontRef idx="minor">
+            <a:schemeClr val="tx1"/>
+          </a:fontRef>
+        </p:style>
+      </p:cxnSp>
+      <p:cxnSp>
+        <p:nvCxnSpPr>
+          <p:cNvPr id="6" name="직선 연결선 5">
+            <a:extLst>
+              <a:ext uri="{FF2B5EF4-FFF2-40B4-BE49-F238E27FC236}">
+                <a16:creationId xmlns:a16="http://schemas.microsoft.com/office/drawing/2014/main" id="{AE926AFD-0CE7-4934-A749-0D1283BD6A84}"/>
+              </a:ext>
+            </a:extLst>
+          </p:cNvPr>
+          <p:cNvCxnSpPr>
+            <a:cxnSpLocks/>
+          </p:cNvCxnSpPr>
+          <p:nvPr/>
+        </p:nvCxnSpPr>
+        <p:spPr>
+          <a:xfrm flipH="1">
+            <a:off x="3840731" y="2920680"/>
+            <a:ext cx="540063" cy="786671"/>
+          </a:xfrm>
+          <a:prstGeom prst="line">
+            <a:avLst/>
+          </a:prstGeom>
+          <a:ln w="19050">
+            <a:solidFill>
+              <a:schemeClr val="accent1"/>
+            </a:solidFill>
+            <a:prstDash val="sysDash"/>
+            <a:miter lim="800000"/>
+          </a:ln>
+        </p:spPr>
+        <p:style>
+          <a:lnRef idx="1">
+            <a:schemeClr val="accent1"/>
+          </a:lnRef>
+          <a:fillRef idx="0">
+            <a:schemeClr val="accent1"/>
+          </a:fillRef>
+          <a:effectRef idx="0">
+            <a:schemeClr val="accent1"/>
+          </a:effectRef>
+          <a:fontRef idx="minor">
+            <a:schemeClr val="tx1"/>
+          </a:fontRef>
+        </p:style>
+      </p:cxnSp>
+      <p:sp>
+        <p:nvSpPr>
+          <p:cNvPr id="7" name="사각형: 둥근 모서리 6">
+            <a:extLst>
+              <a:ext uri="{FF2B5EF4-FFF2-40B4-BE49-F238E27FC236}">
+                <a16:creationId xmlns:a16="http://schemas.microsoft.com/office/drawing/2014/main" id="{626D8108-1911-43E5-A97D-3DAF759FAF95}"/>
+              </a:ext>
+            </a:extLst>
+          </p:cNvPr>
+          <p:cNvSpPr/>
+          <p:nvPr/>
+        </p:nvSpPr>
+        <p:spPr>
+          <a:xfrm>
+            <a:off x="2652601" y="3707351"/>
+            <a:ext cx="1368152" cy="792088"/>
+          </a:xfrm>
+          <a:prstGeom prst="roundRect">
+            <a:avLst/>
+          </a:prstGeom>
+          <a:noFill/>
+          <a:ln w="57150">
+            <a:solidFill>
+              <a:schemeClr val="accent1"/>
+            </a:solidFill>
+          </a:ln>
+        </p:spPr>
+        <p:style>
+          <a:lnRef idx="2">
+            <a:schemeClr val="accent1">
+              <a:shade val="50000"/>
+            </a:schemeClr>
+          </a:lnRef>
+          <a:fillRef idx="1">
+            <a:schemeClr val="accent1"/>
+          </a:fillRef>
+          <a:effectRef idx="0">
+            <a:schemeClr val="accent1"/>
+          </a:effectRef>
+          <a:fontRef idx="minor">
+            <a:schemeClr val="lt1"/>
+          </a:fontRef>
+        </p:style>
+        <p:txBody>
+          <a:bodyPr rtlCol="0" anchor="ctr"/>
+          <a:lstStyle/>
+          <a:p>
+            <a:pPr algn="ctr"/>
+            <a:endParaRPr lang="ko-KR" altLang="en-US">
+              <a:solidFill>
+                <a:schemeClr val="tx1"/>
+              </a:solidFill>
+            </a:endParaRPr>
+          </a:p>
+        </p:txBody>
+      </p:sp>
+      <p:cxnSp>
+        <p:nvCxnSpPr>
+          <p:cNvPr id="8" name="직선 연결선 7">
+            <a:extLst>
+              <a:ext uri="{FF2B5EF4-FFF2-40B4-BE49-F238E27FC236}">
+                <a16:creationId xmlns:a16="http://schemas.microsoft.com/office/drawing/2014/main" id="{A4C21352-9DB1-464A-A8EA-76C40C805EDF}"/>
+              </a:ext>
+            </a:extLst>
+          </p:cNvPr>
+          <p:cNvCxnSpPr>
+            <a:cxnSpLocks/>
+          </p:cNvCxnSpPr>
+          <p:nvPr/>
+        </p:nvCxnSpPr>
+        <p:spPr>
+          <a:xfrm>
+            <a:off x="2652601" y="4643455"/>
+            <a:ext cx="1368152" cy="0"/>
+          </a:xfrm>
+          <a:prstGeom prst="line">
+            <a:avLst/>
+          </a:prstGeom>
+          <a:ln w="88900" cap="rnd">
+            <a:solidFill>
+              <a:schemeClr val="accent1"/>
+            </a:solidFill>
+            <a:round/>
+          </a:ln>
+        </p:spPr>
+        <p:style>
+          <a:lnRef idx="1">
+            <a:schemeClr val="accent1"/>
+          </a:lnRef>
+          <a:fillRef idx="0">
+            <a:schemeClr val="accent1"/>
+          </a:fillRef>
+          <a:effectRef idx="0">
+            <a:schemeClr val="accent1"/>
+          </a:effectRef>
+          <a:fontRef idx="minor">
+            <a:schemeClr val="tx1"/>
+          </a:fontRef>
+        </p:style>
+      </p:cxnSp>
+      <p:sp>
+        <p:nvSpPr>
+          <p:cNvPr id="9" name="사각형: 둥근 모서리 8">
+            <a:extLst>
+              <a:ext uri="{FF2B5EF4-FFF2-40B4-BE49-F238E27FC236}">
+                <a16:creationId xmlns:a16="http://schemas.microsoft.com/office/drawing/2014/main" id="{ACEB847A-1AFE-45D3-B83B-7ED8A561B7DB}"/>
+              </a:ext>
+            </a:extLst>
+          </p:cNvPr>
+          <p:cNvSpPr/>
+          <p:nvPr/>
+        </p:nvSpPr>
+        <p:spPr>
+          <a:xfrm>
+            <a:off x="4792352" y="4080621"/>
+            <a:ext cx="1368152" cy="792088"/>
+          </a:xfrm>
+          <a:prstGeom prst="roundRect">
+            <a:avLst/>
+          </a:prstGeom>
+          <a:noFill/>
+          <a:ln w="57150">
+            <a:solidFill>
+              <a:schemeClr val="accent1"/>
+            </a:solidFill>
+          </a:ln>
+        </p:spPr>
+        <p:style>
+          <a:lnRef idx="2">
+            <a:schemeClr val="accent1">
+              <a:shade val="50000"/>
+            </a:schemeClr>
+          </a:lnRef>
+          <a:fillRef idx="1">
+            <a:schemeClr val="accent1"/>
+          </a:fillRef>
+          <a:effectRef idx="0">
+            <a:schemeClr val="accent1"/>
+          </a:effectRef>
+          <a:fontRef idx="minor">
+            <a:schemeClr val="lt1"/>
+          </a:fontRef>
+        </p:style>
+        <p:txBody>
+          <a:bodyPr rtlCol="0" anchor="ctr"/>
+          <a:lstStyle/>
+          <a:p>
+            <a:pPr algn="ctr"/>
+            <a:endParaRPr lang="ko-KR" altLang="en-US">
+              <a:solidFill>
+                <a:schemeClr val="tx1"/>
+              </a:solidFill>
+            </a:endParaRPr>
+          </a:p>
+        </p:txBody>
+      </p:sp>
+      <p:cxnSp>
+        <p:nvCxnSpPr>
+          <p:cNvPr id="10" name="직선 연결선 9">
+            <a:extLst>
+              <a:ext uri="{FF2B5EF4-FFF2-40B4-BE49-F238E27FC236}">
+                <a16:creationId xmlns:a16="http://schemas.microsoft.com/office/drawing/2014/main" id="{1582A90C-50F3-4708-820B-61D10A78B040}"/>
+              </a:ext>
+            </a:extLst>
+          </p:cNvPr>
+          <p:cNvCxnSpPr>
+            <a:cxnSpLocks/>
+          </p:cNvCxnSpPr>
+          <p:nvPr/>
+        </p:nvCxnSpPr>
+        <p:spPr>
+          <a:xfrm>
+            <a:off x="4792352" y="5016725"/>
+            <a:ext cx="1368152" cy="0"/>
+          </a:xfrm>
+          <a:prstGeom prst="line">
+            <a:avLst/>
+          </a:prstGeom>
+          <a:ln w="88900" cap="rnd">
+            <a:solidFill>
+              <a:schemeClr val="accent1"/>
+            </a:solidFill>
+            <a:round/>
+          </a:ln>
+        </p:spPr>
+        <p:style>
+          <a:lnRef idx="1">
+            <a:schemeClr val="accent1"/>
+          </a:lnRef>
+          <a:fillRef idx="0">
+            <a:schemeClr val="accent1"/>
+          </a:fillRef>
+          <a:effectRef idx="0">
+            <a:schemeClr val="accent1"/>
+          </a:effectRef>
+          <a:fontRef idx="minor">
+            <a:schemeClr val="tx1"/>
+          </a:fontRef>
+        </p:style>
+      </p:cxnSp>
+      <p:sp>
+        <p:nvSpPr>
+          <p:cNvPr id="11" name="사각형: 둥근 모서리 10">
+            <a:extLst>
+              <a:ext uri="{FF2B5EF4-FFF2-40B4-BE49-F238E27FC236}">
+                <a16:creationId xmlns:a16="http://schemas.microsoft.com/office/drawing/2014/main" id="{73B72AE7-B9AA-4D6E-92E0-2B59997C5B7C}"/>
+              </a:ext>
+            </a:extLst>
+          </p:cNvPr>
+          <p:cNvSpPr/>
+          <p:nvPr/>
+        </p:nvSpPr>
+        <p:spPr>
+          <a:xfrm>
+            <a:off x="6727830" y="3835162"/>
+            <a:ext cx="1368152" cy="792088"/>
+          </a:xfrm>
+          <a:prstGeom prst="roundRect">
+            <a:avLst/>
+          </a:prstGeom>
+          <a:noFill/>
+          <a:ln w="57150">
+            <a:solidFill>
+              <a:schemeClr val="accent1"/>
+            </a:solidFill>
+          </a:ln>
+        </p:spPr>
+        <p:style>
+          <a:lnRef idx="2">
+            <a:schemeClr val="accent1">
+              <a:shade val="50000"/>
+            </a:schemeClr>
+          </a:lnRef>
+          <a:fillRef idx="1">
+            <a:schemeClr val="accent1"/>
+          </a:fillRef>
+          <a:effectRef idx="0">
+            <a:schemeClr val="accent1"/>
+          </a:effectRef>
+          <a:fontRef idx="minor">
+            <a:schemeClr val="lt1"/>
+          </a:fontRef>
+        </p:style>
+        <p:txBody>
+          <a:bodyPr rtlCol="0" anchor="ctr"/>
+          <a:lstStyle/>
+          <a:p>
+            <a:pPr algn="ctr"/>
+            <a:endParaRPr lang="ko-KR" altLang="en-US">
+              <a:solidFill>
+                <a:schemeClr val="tx1"/>
+              </a:solidFill>
+            </a:endParaRPr>
+          </a:p>
+        </p:txBody>
+      </p:sp>
+      <p:cxnSp>
+        <p:nvCxnSpPr>
+          <p:cNvPr id="12" name="직선 연결선 11">
+            <a:extLst>
+              <a:ext uri="{FF2B5EF4-FFF2-40B4-BE49-F238E27FC236}">
+                <a16:creationId xmlns:a16="http://schemas.microsoft.com/office/drawing/2014/main" id="{7B58254F-4E8A-4A3E-A962-96C355B012A5}"/>
+              </a:ext>
+            </a:extLst>
+          </p:cNvPr>
+          <p:cNvCxnSpPr>
+            <a:cxnSpLocks/>
+          </p:cNvCxnSpPr>
+          <p:nvPr/>
+        </p:nvCxnSpPr>
+        <p:spPr>
+          <a:xfrm>
+            <a:off x="6727830" y="4771266"/>
+            <a:ext cx="1368152" cy="0"/>
+          </a:xfrm>
+          <a:prstGeom prst="line">
+            <a:avLst/>
+          </a:prstGeom>
+          <a:ln w="88900" cap="rnd">
+            <a:solidFill>
+              <a:schemeClr val="accent1"/>
+            </a:solidFill>
+            <a:round/>
+          </a:ln>
+        </p:spPr>
+        <p:style>
+          <a:lnRef idx="1">
+            <a:schemeClr val="accent1"/>
+          </a:lnRef>
+          <a:fillRef idx="0">
+            <a:schemeClr val="accent1"/>
+          </a:fillRef>
+          <a:effectRef idx="0">
+            <a:schemeClr val="accent1"/>
+          </a:effectRef>
+          <a:fontRef idx="minor">
+            <a:schemeClr val="tx1"/>
+          </a:fontRef>
+        </p:style>
+      </p:cxnSp>
+      <p:sp>
+        <p:nvSpPr>
+          <p:cNvPr id="13" name="부제목 2">
+            <a:extLst>
+              <a:ext uri="{FF2B5EF4-FFF2-40B4-BE49-F238E27FC236}">
+                <a16:creationId xmlns:a16="http://schemas.microsoft.com/office/drawing/2014/main" id="{FFE2BCFE-5438-4FCC-AE60-2F737598C86F}"/>
+              </a:ext>
+            </a:extLst>
+          </p:cNvPr>
+          <p:cNvSpPr txBox="1">
+            <a:spLocks/>
+          </p:cNvSpPr>
+          <p:nvPr/>
+        </p:nvSpPr>
+        <p:spPr>
+          <a:xfrm>
+            <a:off x="8765221" y="3707351"/>
+            <a:ext cx="1296144" cy="602251"/>
+          </a:xfrm>
+          <a:prstGeom prst="rect">
+            <a:avLst/>
+          </a:prstGeom>
+          <a:ln>
+            <a:noFill/>
+          </a:ln>
+        </p:spPr>
+        <p:txBody>
+          <a:bodyPr vert="horz" lIns="91440" tIns="45720" rIns="91440" bIns="45720" rtlCol="0">
+            <a:normAutofit/>
+          </a:bodyPr>
+          <a:lstStyle/>
+          <a:p>
+            <a:pPr marL="228600" indent="-228600">
+              <a:lnSpc>
+                <a:spcPct val="150000"/>
+              </a:lnSpc>
+            </a:pPr>
+            <a:r>
+              <a:rPr lang="en-US" altLang="ko-KR" sz="2000" b="1" spc="-20" dirty="0">
+                <a:latin typeface="나눔고딕" pitchFamily="50" charset="-127"/>
+                <a:ea typeface="나눔고딕" pitchFamily="50" charset="-127"/>
+              </a:rPr>
+              <a:t>…</a:t>
+            </a:r>
+          </a:p>
+        </p:txBody>
+      </p:sp>
+      <p:sp>
+        <p:nvSpPr>
+          <p:cNvPr id="14" name="부제목 2">
+            <a:extLst>
+              <a:ext uri="{FF2B5EF4-FFF2-40B4-BE49-F238E27FC236}">
+                <a16:creationId xmlns:a16="http://schemas.microsoft.com/office/drawing/2014/main" id="{06700C11-BA43-4FEC-9482-9BCC6AA8D6C1}"/>
+              </a:ext>
+            </a:extLst>
+          </p:cNvPr>
+          <p:cNvSpPr txBox="1">
+            <a:spLocks/>
+          </p:cNvSpPr>
+          <p:nvPr/>
+        </p:nvSpPr>
+        <p:spPr>
+          <a:xfrm>
+            <a:off x="5028864" y="4203603"/>
+            <a:ext cx="1296144" cy="602251"/>
+          </a:xfrm>
+          <a:prstGeom prst="rect">
+            <a:avLst/>
+          </a:prstGeom>
+          <a:ln>
+            <a:noFill/>
+          </a:ln>
+        </p:spPr>
+        <p:txBody>
+          <a:bodyPr vert="horz" lIns="91440" tIns="45720" rIns="91440" bIns="45720" rtlCol="0">
+            <a:normAutofit/>
+          </a:bodyPr>
+          <a:lstStyle/>
+          <a:p>
+            <a:pPr marL="228600" indent="-228600">
+              <a:lnSpc>
+                <a:spcPct val="150000"/>
+              </a:lnSpc>
+            </a:pPr>
+            <a:r>
+              <a:rPr lang="ko-KR" altLang="en-US" sz="2000" b="1" spc="-20" dirty="0">
+                <a:latin typeface="나눔고딕" pitchFamily="50" charset="-127"/>
+                <a:ea typeface="나눔고딕" pitchFamily="50" charset="-127"/>
+              </a:rPr>
+              <a:t>컴퓨터</a:t>
+            </a:r>
+            <a:endParaRPr lang="en-US" altLang="ko-KR" sz="2000" b="1" spc="-20" dirty="0">
+              <a:latin typeface="나눔고딕" pitchFamily="50" charset="-127"/>
+              <a:ea typeface="나눔고딕" pitchFamily="50" charset="-127"/>
+            </a:endParaRPr>
+          </a:p>
+        </p:txBody>
+      </p:sp>
+      <p:sp>
+        <p:nvSpPr>
+          <p:cNvPr id="15" name="부제목 2">
+            <a:extLst>
+              <a:ext uri="{FF2B5EF4-FFF2-40B4-BE49-F238E27FC236}">
+                <a16:creationId xmlns:a16="http://schemas.microsoft.com/office/drawing/2014/main" id="{A5F5913D-67BF-4849-9D61-3892B1EDED99}"/>
+              </a:ext>
+            </a:extLst>
+          </p:cNvPr>
+          <p:cNvSpPr txBox="1">
+            <a:spLocks/>
+          </p:cNvSpPr>
+          <p:nvPr/>
+        </p:nvSpPr>
+        <p:spPr>
+          <a:xfrm>
+            <a:off x="6932103" y="3942111"/>
+            <a:ext cx="1296144" cy="602251"/>
+          </a:xfrm>
+          <a:prstGeom prst="rect">
+            <a:avLst/>
+          </a:prstGeom>
+          <a:ln>
+            <a:noFill/>
+          </a:ln>
+        </p:spPr>
+        <p:txBody>
+          <a:bodyPr vert="horz" lIns="91440" tIns="45720" rIns="91440" bIns="45720" rtlCol="0">
+            <a:normAutofit/>
+          </a:bodyPr>
+          <a:lstStyle/>
+          <a:p>
+            <a:pPr marL="228600" indent="-228600">
+              <a:lnSpc>
+                <a:spcPct val="150000"/>
+              </a:lnSpc>
+            </a:pPr>
+            <a:r>
+              <a:rPr lang="ko-KR" altLang="en-US" sz="2000" b="1" spc="-20" dirty="0">
+                <a:latin typeface="나눔고딕" pitchFamily="50" charset="-127"/>
+                <a:ea typeface="나눔고딕" pitchFamily="50" charset="-127"/>
+              </a:rPr>
+              <a:t>컴퓨터</a:t>
+            </a:r>
+            <a:endParaRPr lang="en-US" altLang="ko-KR" sz="2000" b="1" spc="-20" dirty="0">
+              <a:latin typeface="나눔고딕" pitchFamily="50" charset="-127"/>
+              <a:ea typeface="나눔고딕" pitchFamily="50" charset="-127"/>
+            </a:endParaRPr>
+          </a:p>
+        </p:txBody>
+      </p:sp>
+      <p:cxnSp>
+        <p:nvCxnSpPr>
+          <p:cNvPr id="16" name="직선 연결선 15">
+            <a:extLst>
+              <a:ext uri="{FF2B5EF4-FFF2-40B4-BE49-F238E27FC236}">
+                <a16:creationId xmlns:a16="http://schemas.microsoft.com/office/drawing/2014/main" id="{7E38DEE6-4316-4C77-889D-588C1477DA86}"/>
+              </a:ext>
+            </a:extLst>
+          </p:cNvPr>
+          <p:cNvCxnSpPr>
+            <a:cxnSpLocks/>
+          </p:cNvCxnSpPr>
+          <p:nvPr/>
+        </p:nvCxnSpPr>
+        <p:spPr>
+          <a:xfrm>
+            <a:off x="6469024" y="2920680"/>
+            <a:ext cx="463079" cy="914482"/>
+          </a:xfrm>
+          <a:prstGeom prst="line">
+            <a:avLst/>
+          </a:prstGeom>
+          <a:ln w="19050">
+            <a:solidFill>
+              <a:schemeClr val="accent1"/>
+            </a:solidFill>
+            <a:prstDash val="sysDash"/>
+            <a:miter lim="800000"/>
+          </a:ln>
+        </p:spPr>
+        <p:style>
+          <a:lnRef idx="1">
+            <a:schemeClr val="accent1"/>
+          </a:lnRef>
+          <a:fillRef idx="0">
+            <a:schemeClr val="accent1"/>
+          </a:fillRef>
+          <a:effectRef idx="0">
+            <a:schemeClr val="accent1"/>
+          </a:effectRef>
+          <a:fontRef idx="minor">
+            <a:schemeClr val="tx1"/>
+          </a:fontRef>
+        </p:style>
+      </p:cxnSp>
+      <p:sp>
+        <p:nvSpPr>
+          <p:cNvPr id="17" name="구름 16">
+            <a:extLst>
+              <a:ext uri="{FF2B5EF4-FFF2-40B4-BE49-F238E27FC236}">
+                <a16:creationId xmlns:a16="http://schemas.microsoft.com/office/drawing/2014/main" id="{3D8703AD-505E-448D-ABD2-C168AC9A7EE1}"/>
+              </a:ext>
+            </a:extLst>
+          </p:cNvPr>
+          <p:cNvSpPr/>
+          <p:nvPr/>
+        </p:nvSpPr>
+        <p:spPr>
+          <a:xfrm>
+            <a:off x="3804728" y="1115063"/>
+            <a:ext cx="3312368" cy="2090636"/>
+          </a:xfrm>
+          <a:prstGeom prst="cloud">
+            <a:avLst/>
+          </a:prstGeom>
+          <a:noFill/>
+          <a:ln w="57150">
+            <a:solidFill>
+              <a:schemeClr val="accent1"/>
+            </a:solidFill>
+          </a:ln>
+        </p:spPr>
+        <p:style>
+          <a:lnRef idx="2">
+            <a:schemeClr val="accent1">
+              <a:shade val="50000"/>
+            </a:schemeClr>
+          </a:lnRef>
+          <a:fillRef idx="1">
+            <a:schemeClr val="accent1"/>
+          </a:fillRef>
+          <a:effectRef idx="0">
+            <a:schemeClr val="accent1"/>
+          </a:effectRef>
+          <a:fontRef idx="minor">
+            <a:schemeClr val="lt1"/>
+          </a:fontRef>
+        </p:style>
+        <p:txBody>
+          <a:bodyPr rtlCol="0" anchor="ctr"/>
+          <a:lstStyle/>
+          <a:p>
+            <a:pPr algn="ctr"/>
+            <a:endParaRPr lang="ko-KR" altLang="en-US">
+              <a:solidFill>
+                <a:schemeClr val="tx1"/>
+              </a:solidFill>
+            </a:endParaRPr>
+          </a:p>
+        </p:txBody>
+      </p:sp>
+      <p:sp>
+        <p:nvSpPr>
+          <p:cNvPr id="18" name="부제목 2">
+            <a:extLst>
+              <a:ext uri="{FF2B5EF4-FFF2-40B4-BE49-F238E27FC236}">
+                <a16:creationId xmlns:a16="http://schemas.microsoft.com/office/drawing/2014/main" id="{530751CB-A499-4DAE-BA0F-6A720C288FD9}"/>
+              </a:ext>
+            </a:extLst>
+          </p:cNvPr>
+          <p:cNvSpPr txBox="1">
+            <a:spLocks/>
+          </p:cNvSpPr>
+          <p:nvPr/>
+        </p:nvSpPr>
+        <p:spPr>
+          <a:xfrm>
+            <a:off x="4676582" y="1824935"/>
+            <a:ext cx="1648426" cy="917173"/>
+          </a:xfrm>
+          <a:prstGeom prst="rect">
+            <a:avLst/>
+          </a:prstGeom>
+          <a:ln>
+            <a:noFill/>
+          </a:ln>
+        </p:spPr>
+        <p:txBody>
+          <a:bodyPr vert="horz" lIns="91440" tIns="45720" rIns="91440" bIns="45720" rtlCol="0">
+            <a:normAutofit/>
+          </a:bodyPr>
+          <a:lstStyle/>
+          <a:p>
+            <a:pPr marL="228600" indent="-228600">
+              <a:lnSpc>
+                <a:spcPct val="150000"/>
+              </a:lnSpc>
+            </a:pPr>
+            <a:r>
+              <a:rPr lang="ko-KR" altLang="en-US" sz="2000" b="1" spc="-20" dirty="0">
+                <a:latin typeface="나눔고딕" pitchFamily="50" charset="-127"/>
+                <a:ea typeface="나눔고딕" pitchFamily="50" charset="-127"/>
+              </a:rPr>
+              <a:t>원격 저장소</a:t>
+            </a:r>
+            <a:endParaRPr lang="en-US" altLang="ko-KR" sz="2000" b="1" spc="-20" dirty="0">
+              <a:latin typeface="나눔고딕" pitchFamily="50" charset="-127"/>
+              <a:ea typeface="나눔고딕" pitchFamily="50" charset="-127"/>
+            </a:endParaRPr>
+          </a:p>
+        </p:txBody>
+      </p:sp>
+      <p:sp>
+        <p:nvSpPr>
+          <p:cNvPr id="19" name="부제목 2">
+            <a:extLst>
+              <a:ext uri="{FF2B5EF4-FFF2-40B4-BE49-F238E27FC236}">
+                <a16:creationId xmlns:a16="http://schemas.microsoft.com/office/drawing/2014/main" id="{E004D7A0-E7E0-434B-AF3A-3BD9EB531942}"/>
+              </a:ext>
+            </a:extLst>
+          </p:cNvPr>
+          <p:cNvSpPr txBox="1">
+            <a:spLocks/>
+          </p:cNvSpPr>
+          <p:nvPr/>
+        </p:nvSpPr>
+        <p:spPr>
+          <a:xfrm>
+            <a:off x="2652601" y="4868607"/>
+            <a:ext cx="1973441" cy="539048"/>
+          </a:xfrm>
+          <a:prstGeom prst="rect">
+            <a:avLst/>
+          </a:prstGeom>
+          <a:ln>
+            <a:noFill/>
+          </a:ln>
+        </p:spPr>
+        <p:txBody>
+          <a:bodyPr vert="horz" lIns="91440" tIns="45720" rIns="91440" bIns="45720" rtlCol="0">
+            <a:normAutofit lnSpcReduction="10000"/>
+          </a:bodyPr>
+          <a:lstStyle/>
+          <a:p>
+            <a:pPr marL="228600" indent="-228600">
+              <a:lnSpc>
+                <a:spcPct val="150000"/>
+              </a:lnSpc>
+            </a:pPr>
+            <a:r>
+              <a:rPr lang="en-US" altLang="ko-KR" sz="2000" b="1" spc="-20" dirty="0">
+                <a:latin typeface="나눔고딕" pitchFamily="50" charset="-127"/>
+                <a:ea typeface="나눔고딕" pitchFamily="50" charset="-127"/>
+              </a:rPr>
+              <a:t>= </a:t>
+            </a:r>
+            <a:r>
+              <a:rPr lang="ko-KR" altLang="en-US" sz="2000" b="1" spc="-20" dirty="0">
+                <a:latin typeface="나눔고딕" pitchFamily="50" charset="-127"/>
+                <a:ea typeface="나눔고딕" pitchFamily="50" charset="-127"/>
+              </a:rPr>
+              <a:t>로컬 저장소</a:t>
+            </a:r>
+            <a:endParaRPr lang="en-US" altLang="ko-KR" sz="2000" b="1" spc="-20" dirty="0">
+              <a:latin typeface="나눔고딕" pitchFamily="50" charset="-127"/>
+              <a:ea typeface="나눔고딕" pitchFamily="50" charset="-127"/>
+            </a:endParaRPr>
+          </a:p>
+        </p:txBody>
+      </p:sp>
+    </p:spTree>
+    <p:extLst>
+      <p:ext uri="{BB962C8B-B14F-4D97-AF65-F5344CB8AC3E}">
+        <p14:creationId xmlns:p14="http://schemas.microsoft.com/office/powerpoint/2010/main" val="2323250029"/>
+      </p:ext>
+    </p:extLst>
+  </p:cSld>
+  <p:clrMapOvr>
+    <a:masterClrMapping/>
+  </p:clrMapOvr>
+</p:sld>
+</file>
+
+<file path=ppt/slides/slide4.xml><?xml version="1.0" encoding="utf-8"?>
+<p:sld xmlns:a="http://schemas.openxmlformats.org/drawingml/2006/main" xmlns:r="http://schemas.openxmlformats.org/officeDocument/2006/relationships" xmlns:p="http://schemas.openxmlformats.org/presentationml/2006/main">
+  <p:cSld>
+    <p:spTree>
+      <p:nvGrpSpPr>
+        <p:cNvPr id="1" name=""/>
+        <p:cNvGrpSpPr/>
+        <p:nvPr/>
+      </p:nvGrpSpPr>
+      <p:grpSpPr>
+        <a:xfrm>
+          <a:off x="0" y="0"/>
+          <a:ext cx="0" cy="0"/>
+          <a:chOff x="0" y="0"/>
+          <a:chExt cx="0" cy="0"/>
+        </a:xfrm>
+      </p:grpSpPr>
+      <p:pic>
+        <p:nvPicPr>
+          <p:cNvPr id="4" name="그림 3">
+            <a:extLst>
+              <a:ext uri="{FF2B5EF4-FFF2-40B4-BE49-F238E27FC236}">
+                <a16:creationId xmlns:a16="http://schemas.microsoft.com/office/drawing/2014/main" id="{2084DD62-67AC-459B-B402-FDDACE22B7C5}"/>
+              </a:ext>
+            </a:extLst>
+          </p:cNvPr>
+          <p:cNvPicPr>
+            <a:picLocks noChangeAspect="1"/>
+          </p:cNvPicPr>
+          <p:nvPr/>
+        </p:nvPicPr>
+        <p:blipFill>
+          <a:blip r:embed="rId2"/>
+          <a:stretch>
+            <a:fillRect/>
+          </a:stretch>
+        </p:blipFill>
+        <p:spPr>
+          <a:xfrm>
+            <a:off x="2361876" y="1249491"/>
+            <a:ext cx="7468247" cy="4359018"/>
+          </a:xfrm>
+          <a:prstGeom prst="rect">
+            <a:avLst/>
+          </a:prstGeom>
+        </p:spPr>
+      </p:pic>
+    </p:spTree>
+    <p:extLst>
+      <p:ext uri="{BB962C8B-B14F-4D97-AF65-F5344CB8AC3E}">
+        <p14:creationId xmlns:p14="http://schemas.microsoft.com/office/powerpoint/2010/main" val="3059528255"/>
+      </p:ext>
+    </p:extLst>
+  </p:cSld>
+  <p:clrMapOvr>
+    <a:masterClrMapping/>
+  </p:clrMapOvr>
+</p:sld>
+</file>
+
+<file path=ppt/slides/slide5.xml><?xml version="1.0" encoding="utf-8"?>
+<p:sld xmlns:a="http://schemas.openxmlformats.org/drawingml/2006/main" xmlns:r="http://schemas.openxmlformats.org/officeDocument/2006/relationships" xmlns:p="http://schemas.openxmlformats.org/presentationml/2006/main">
+  <p:cSld>
+    <p:spTree>
+      <p:nvGrpSpPr>
+        <p:cNvPr id="1" name=""/>
+        <p:cNvGrpSpPr/>
+        <p:nvPr/>
+      </p:nvGrpSpPr>
+      <p:grpSpPr>
+        <a:xfrm>
+          <a:off x="0" y="0"/>
+          <a:ext cx="0" cy="0"/>
+          <a:chOff x="0" y="0"/>
+          <a:chExt cx="0" cy="0"/>
+        </a:xfrm>
+      </p:grpSpPr>
+      <p:sp>
+        <p:nvSpPr>
+          <p:cNvPr id="23" name="부제목 2">
+            <a:extLst>
+              <a:ext uri="{FF2B5EF4-FFF2-40B4-BE49-F238E27FC236}">
+                <a16:creationId xmlns:a16="http://schemas.microsoft.com/office/drawing/2014/main" id="{8F1677B2-390F-4E8F-93B4-20958C74434B}"/>
+              </a:ext>
+            </a:extLst>
+          </p:cNvPr>
+          <p:cNvSpPr txBox="1">
+            <a:spLocks/>
+          </p:cNvSpPr>
+          <p:nvPr/>
+        </p:nvSpPr>
+        <p:spPr>
+          <a:xfrm>
+            <a:off x="2452693" y="4367698"/>
+            <a:ext cx="1296144" cy="602251"/>
+          </a:xfrm>
+          <a:prstGeom prst="rect">
+            <a:avLst/>
+          </a:prstGeom>
+        </p:spPr>
+        <p:txBody>
+          <a:bodyPr vert="horz" lIns="91440" tIns="45720" rIns="91440" bIns="45720" rtlCol="0">
+            <a:normAutofit/>
+          </a:bodyPr>
+          <a:lstStyle/>
+          <a:p>
+            <a:pPr marL="228600" indent="-228600">
+              <a:lnSpc>
+                <a:spcPct val="150000"/>
+              </a:lnSpc>
+            </a:pPr>
+            <a:r>
+              <a:rPr lang="ko-KR" altLang="en-US" sz="2000" b="1" spc="-20" dirty="0">
+                <a:latin typeface="나눔고딕" pitchFamily="50" charset="-127"/>
+                <a:ea typeface="나눔고딕" pitchFamily="50" charset="-127"/>
+              </a:rPr>
+              <a:t>내 컴퓨터</a:t>
+            </a:r>
+            <a:endParaRPr lang="en-US" altLang="ko-KR" sz="2000" b="1" spc="-20" dirty="0">
+              <a:latin typeface="나눔고딕" pitchFamily="50" charset="-127"/>
+              <a:ea typeface="나눔고딕" pitchFamily="50" charset="-127"/>
+            </a:endParaRPr>
+          </a:p>
+        </p:txBody>
+      </p:sp>
+      <p:cxnSp>
+        <p:nvCxnSpPr>
+          <p:cNvPr id="24" name="직선 연결선 23">
+            <a:extLst>
+              <a:ext uri="{FF2B5EF4-FFF2-40B4-BE49-F238E27FC236}">
+                <a16:creationId xmlns:a16="http://schemas.microsoft.com/office/drawing/2014/main" id="{CCE02AB9-AA03-4CB1-8A08-C215DF0CF0E4}"/>
+              </a:ext>
+            </a:extLst>
+          </p:cNvPr>
+          <p:cNvCxnSpPr>
+            <a:cxnSpLocks/>
+          </p:cNvCxnSpPr>
+          <p:nvPr/>
+        </p:nvCxnSpPr>
+        <p:spPr>
+          <a:xfrm>
+            <a:off x="3179202" y="2405622"/>
+            <a:ext cx="0" cy="916904"/>
+          </a:xfrm>
+          <a:prstGeom prst="line">
+            <a:avLst/>
+          </a:prstGeom>
+          <a:ln w="19050">
+            <a:solidFill>
+              <a:srgbClr val="2F528F"/>
+            </a:solidFill>
+            <a:prstDash val="solid"/>
+            <a:miter lim="800000"/>
+            <a:headEnd type="triangle" w="lg" len="lg"/>
+          </a:ln>
+        </p:spPr>
+        <p:style>
+          <a:lnRef idx="1">
+            <a:schemeClr val="accent1"/>
+          </a:lnRef>
+          <a:fillRef idx="0">
+            <a:schemeClr val="accent1"/>
+          </a:fillRef>
+          <a:effectRef idx="0">
+            <a:schemeClr val="accent1"/>
+          </a:effectRef>
+          <a:fontRef idx="minor">
+            <a:schemeClr val="tx1"/>
+          </a:fontRef>
+        </p:style>
+      </p:cxnSp>
+      <p:sp>
+        <p:nvSpPr>
+          <p:cNvPr id="25" name="사각형: 둥근 모서리 24">
+            <a:extLst>
+              <a:ext uri="{FF2B5EF4-FFF2-40B4-BE49-F238E27FC236}">
+                <a16:creationId xmlns:a16="http://schemas.microsoft.com/office/drawing/2014/main" id="{4263EAC1-9044-457A-B64A-1EF6D19F1841}"/>
+              </a:ext>
+            </a:extLst>
+          </p:cNvPr>
+          <p:cNvSpPr/>
+          <p:nvPr/>
+        </p:nvSpPr>
+        <p:spPr>
+          <a:xfrm>
+            <a:off x="2362846" y="4272780"/>
+            <a:ext cx="1368152" cy="792088"/>
+          </a:xfrm>
+          <a:prstGeom prst="roundRect">
+            <a:avLst/>
+          </a:prstGeom>
+          <a:noFill/>
+          <a:ln w="57150">
+            <a:solidFill>
+              <a:srgbClr val="2F528F"/>
+            </a:solidFill>
+          </a:ln>
+        </p:spPr>
+        <p:style>
+          <a:lnRef idx="2">
+            <a:schemeClr val="accent1">
+              <a:shade val="50000"/>
+            </a:schemeClr>
+          </a:lnRef>
+          <a:fillRef idx="1">
+            <a:schemeClr val="accent1"/>
+          </a:fillRef>
+          <a:effectRef idx="0">
+            <a:schemeClr val="accent1"/>
+          </a:effectRef>
+          <a:fontRef idx="minor">
+            <a:schemeClr val="lt1"/>
+          </a:fontRef>
+        </p:style>
+        <p:txBody>
+          <a:bodyPr rtlCol="0" anchor="ctr"/>
+          <a:lstStyle/>
+          <a:p>
+            <a:pPr algn="ctr"/>
+            <a:endParaRPr lang="ko-KR" altLang="en-US"/>
+          </a:p>
+        </p:txBody>
+      </p:sp>
+      <p:cxnSp>
+        <p:nvCxnSpPr>
+          <p:cNvPr id="26" name="직선 연결선 25">
+            <a:extLst>
+              <a:ext uri="{FF2B5EF4-FFF2-40B4-BE49-F238E27FC236}">
+                <a16:creationId xmlns:a16="http://schemas.microsoft.com/office/drawing/2014/main" id="{59C6F5B2-5037-4834-B5C9-FC5F4616B422}"/>
+              </a:ext>
+            </a:extLst>
+          </p:cNvPr>
+          <p:cNvCxnSpPr>
+            <a:cxnSpLocks/>
+          </p:cNvCxnSpPr>
+          <p:nvPr/>
+        </p:nvCxnSpPr>
+        <p:spPr>
+          <a:xfrm>
+            <a:off x="2362846" y="5208884"/>
+            <a:ext cx="1368152" cy="0"/>
+          </a:xfrm>
+          <a:prstGeom prst="line">
+            <a:avLst/>
+          </a:prstGeom>
+          <a:ln w="88900" cap="rnd">
+            <a:solidFill>
+              <a:srgbClr val="2F528F"/>
+            </a:solidFill>
+            <a:round/>
+          </a:ln>
+        </p:spPr>
+        <p:style>
+          <a:lnRef idx="1">
+            <a:schemeClr val="accent1"/>
+          </a:lnRef>
+          <a:fillRef idx="0">
+            <a:schemeClr val="accent1"/>
+          </a:fillRef>
+          <a:effectRef idx="0">
+            <a:schemeClr val="accent1"/>
+          </a:effectRef>
+          <a:fontRef idx="minor">
+            <a:schemeClr val="tx1"/>
+          </a:fontRef>
+        </p:style>
+      </p:cxnSp>
+      <p:sp>
+        <p:nvSpPr>
+          <p:cNvPr id="27" name="구름 26">
+            <a:extLst>
+              <a:ext uri="{FF2B5EF4-FFF2-40B4-BE49-F238E27FC236}">
+                <a16:creationId xmlns:a16="http://schemas.microsoft.com/office/drawing/2014/main" id="{950C1667-01B0-4BB2-93E2-1B9A2127FD3F}"/>
+              </a:ext>
+            </a:extLst>
+          </p:cNvPr>
+          <p:cNvSpPr/>
+          <p:nvPr/>
+        </p:nvSpPr>
+        <p:spPr>
+          <a:xfrm>
+            <a:off x="2029727" y="730238"/>
+            <a:ext cx="2107779" cy="1580466"/>
+          </a:xfrm>
+          <a:prstGeom prst="cloud">
+            <a:avLst/>
+          </a:prstGeom>
+          <a:noFill/>
+          <a:ln w="57150">
+            <a:solidFill>
+              <a:srgbClr val="2F528F"/>
+            </a:solidFill>
+          </a:ln>
+        </p:spPr>
+        <p:style>
+          <a:lnRef idx="2">
+            <a:schemeClr val="accent1">
+              <a:shade val="50000"/>
+            </a:schemeClr>
+          </a:lnRef>
+          <a:fillRef idx="1">
+            <a:schemeClr val="accent1"/>
+          </a:fillRef>
+          <a:effectRef idx="0">
+            <a:schemeClr val="accent1"/>
+          </a:effectRef>
+          <a:fontRef idx="minor">
+            <a:schemeClr val="lt1"/>
+          </a:fontRef>
+        </p:style>
+        <p:txBody>
+          <a:bodyPr rtlCol="0" anchor="ctr"/>
+          <a:lstStyle/>
+          <a:p>
+            <a:pPr algn="ctr"/>
+            <a:endParaRPr lang="ko-KR" altLang="en-US"/>
+          </a:p>
+        </p:txBody>
+      </p:sp>
+      <p:sp>
+        <p:nvSpPr>
+          <p:cNvPr id="28" name="부제목 2">
+            <a:extLst>
+              <a:ext uri="{FF2B5EF4-FFF2-40B4-BE49-F238E27FC236}">
+                <a16:creationId xmlns:a16="http://schemas.microsoft.com/office/drawing/2014/main" id="{C58B9C78-C582-4E37-B851-6A8A3B7D0A43}"/>
+              </a:ext>
+            </a:extLst>
+          </p:cNvPr>
+          <p:cNvSpPr txBox="1">
+            <a:spLocks/>
+          </p:cNvSpPr>
+          <p:nvPr/>
+        </p:nvSpPr>
+        <p:spPr>
+          <a:xfrm>
+            <a:off x="2262284" y="1129285"/>
+            <a:ext cx="1892608" cy="917173"/>
+          </a:xfrm>
+          <a:prstGeom prst="rect">
+            <a:avLst/>
+          </a:prstGeom>
+        </p:spPr>
+        <p:txBody>
+          <a:bodyPr vert="horz" lIns="91440" tIns="45720" rIns="91440" bIns="45720" rtlCol="0">
+            <a:normAutofit/>
+          </a:bodyPr>
+          <a:lstStyle/>
+          <a:p>
+            <a:pPr marL="228600" indent="-228600">
+              <a:lnSpc>
+                <a:spcPct val="150000"/>
+              </a:lnSpc>
+            </a:pPr>
+            <a:r>
+              <a:rPr lang="ko-KR" altLang="en-US" sz="2000" b="1" spc="-20" dirty="0">
+                <a:latin typeface="나눔고딕" pitchFamily="50" charset="-127"/>
+                <a:ea typeface="나눔고딕" pitchFamily="50" charset="-127"/>
+              </a:rPr>
+              <a:t>내 원격 저장소</a:t>
+            </a:r>
+            <a:endParaRPr lang="en-US" altLang="ko-KR" sz="2000" b="1" spc="-20" dirty="0">
+              <a:latin typeface="나눔고딕" pitchFamily="50" charset="-127"/>
+              <a:ea typeface="나눔고딕" pitchFamily="50" charset="-127"/>
+            </a:endParaRPr>
+          </a:p>
+        </p:txBody>
+      </p:sp>
+      <p:sp>
+        <p:nvSpPr>
+          <p:cNvPr id="29" name="부제목 2">
+            <a:extLst>
+              <a:ext uri="{FF2B5EF4-FFF2-40B4-BE49-F238E27FC236}">
+                <a16:creationId xmlns:a16="http://schemas.microsoft.com/office/drawing/2014/main" id="{1C5E6F61-E597-44B2-9586-1D8CE4F9C6B5}"/>
+              </a:ext>
+            </a:extLst>
+          </p:cNvPr>
+          <p:cNvSpPr txBox="1">
+            <a:spLocks/>
+          </p:cNvSpPr>
+          <p:nvPr/>
+        </p:nvSpPr>
+        <p:spPr>
+          <a:xfrm>
+            <a:off x="2362846" y="5434036"/>
+            <a:ext cx="1973441" cy="539048"/>
+          </a:xfrm>
+          <a:prstGeom prst="rect">
+            <a:avLst/>
+          </a:prstGeom>
+        </p:spPr>
+        <p:txBody>
+          <a:bodyPr vert="horz" lIns="91440" tIns="45720" rIns="91440" bIns="45720" rtlCol="0">
+            <a:normAutofit lnSpcReduction="10000"/>
+          </a:bodyPr>
+          <a:lstStyle/>
+          <a:p>
+            <a:pPr marL="228600" indent="-228600">
+              <a:lnSpc>
+                <a:spcPct val="150000"/>
+              </a:lnSpc>
+            </a:pPr>
+            <a:r>
+              <a:rPr lang="en-US" altLang="ko-KR" sz="2000" b="1" spc="-20" dirty="0">
+                <a:latin typeface="나눔고딕" pitchFamily="50" charset="-127"/>
+                <a:ea typeface="나눔고딕" pitchFamily="50" charset="-127"/>
+              </a:rPr>
+              <a:t>= </a:t>
+            </a:r>
+            <a:r>
+              <a:rPr lang="ko-KR" altLang="en-US" sz="2000" b="1" spc="-20" dirty="0">
+                <a:latin typeface="나눔고딕" pitchFamily="50" charset="-127"/>
+                <a:ea typeface="나눔고딕" pitchFamily="50" charset="-127"/>
+              </a:rPr>
+              <a:t>로컬 저장소</a:t>
+            </a:r>
+            <a:endParaRPr lang="en-US" altLang="ko-KR" sz="2000" b="1" spc="-20" dirty="0">
+              <a:latin typeface="나눔고딕" pitchFamily="50" charset="-127"/>
+              <a:ea typeface="나눔고딕" pitchFamily="50" charset="-127"/>
+            </a:endParaRPr>
+          </a:p>
+        </p:txBody>
+      </p:sp>
+      <p:sp>
+        <p:nvSpPr>
+          <p:cNvPr id="30" name="부제목 2">
+            <a:extLst>
+              <a:ext uri="{FF2B5EF4-FFF2-40B4-BE49-F238E27FC236}">
+                <a16:creationId xmlns:a16="http://schemas.microsoft.com/office/drawing/2014/main" id="{2A17E79E-9CAF-4EDD-B0D6-1F8E3597B091}"/>
+              </a:ext>
+            </a:extLst>
+          </p:cNvPr>
+          <p:cNvSpPr txBox="1">
+            <a:spLocks/>
+          </p:cNvSpPr>
+          <p:nvPr/>
+        </p:nvSpPr>
+        <p:spPr>
+          <a:xfrm>
+            <a:off x="6423436" y="4386714"/>
+            <a:ext cx="1296144" cy="602251"/>
+          </a:xfrm>
+          <a:prstGeom prst="rect">
+            <a:avLst/>
+          </a:prstGeom>
+        </p:spPr>
+        <p:txBody>
+          <a:bodyPr vert="horz" lIns="91440" tIns="45720" rIns="91440" bIns="45720" rtlCol="0">
+            <a:normAutofit/>
+          </a:bodyPr>
+          <a:lstStyle/>
+          <a:p>
+            <a:pPr marL="228600" indent="-228600">
+              <a:lnSpc>
+                <a:spcPct val="150000"/>
+              </a:lnSpc>
+            </a:pPr>
+            <a:r>
+              <a:rPr lang="ko-KR" altLang="en-US" sz="2000" b="1" spc="-20" dirty="0">
+                <a:latin typeface="나눔고딕" pitchFamily="50" charset="-127"/>
+                <a:ea typeface="나눔고딕" pitchFamily="50" charset="-127"/>
+              </a:rPr>
+              <a:t>컴퓨터</a:t>
+            </a:r>
+            <a:endParaRPr lang="en-US" altLang="ko-KR" sz="2000" b="1" spc="-20" dirty="0">
+              <a:latin typeface="나눔고딕" pitchFamily="50" charset="-127"/>
+              <a:ea typeface="나눔고딕" pitchFamily="50" charset="-127"/>
+            </a:endParaRPr>
+          </a:p>
+        </p:txBody>
+      </p:sp>
+      <p:sp>
+        <p:nvSpPr>
+          <p:cNvPr id="31" name="사각형: 둥근 모서리 30">
+            <a:extLst>
+              <a:ext uri="{FF2B5EF4-FFF2-40B4-BE49-F238E27FC236}">
+                <a16:creationId xmlns:a16="http://schemas.microsoft.com/office/drawing/2014/main" id="{1F3FAED0-1A52-45E2-B52F-BF49069E06B9}"/>
+              </a:ext>
+            </a:extLst>
+          </p:cNvPr>
+          <p:cNvSpPr/>
+          <p:nvPr/>
+        </p:nvSpPr>
+        <p:spPr>
+          <a:xfrm>
+            <a:off x="6226958" y="4272780"/>
+            <a:ext cx="1368152" cy="792088"/>
+          </a:xfrm>
+          <a:prstGeom prst="roundRect">
+            <a:avLst/>
+          </a:prstGeom>
+          <a:noFill/>
+          <a:ln w="57150">
+            <a:solidFill>
+              <a:srgbClr val="2F528F"/>
+            </a:solidFill>
+          </a:ln>
+        </p:spPr>
+        <p:style>
+          <a:lnRef idx="2">
+            <a:schemeClr val="accent1">
+              <a:shade val="50000"/>
+            </a:schemeClr>
+          </a:lnRef>
+          <a:fillRef idx="1">
+            <a:schemeClr val="accent1"/>
+          </a:fillRef>
+          <a:effectRef idx="0">
+            <a:schemeClr val="accent1"/>
+          </a:effectRef>
+          <a:fontRef idx="minor">
+            <a:schemeClr val="lt1"/>
+          </a:fontRef>
+        </p:style>
+        <p:txBody>
+          <a:bodyPr rtlCol="0" anchor="ctr"/>
+          <a:lstStyle/>
+          <a:p>
+            <a:pPr algn="ctr"/>
+            <a:endParaRPr lang="ko-KR" altLang="en-US"/>
+          </a:p>
+        </p:txBody>
+      </p:sp>
+      <p:cxnSp>
+        <p:nvCxnSpPr>
+          <p:cNvPr id="32" name="직선 연결선 31">
+            <a:extLst>
+              <a:ext uri="{FF2B5EF4-FFF2-40B4-BE49-F238E27FC236}">
+                <a16:creationId xmlns:a16="http://schemas.microsoft.com/office/drawing/2014/main" id="{470804DB-E064-425A-B9E5-1C040135DD0B}"/>
+              </a:ext>
+            </a:extLst>
+          </p:cNvPr>
+          <p:cNvCxnSpPr>
+            <a:cxnSpLocks/>
+          </p:cNvCxnSpPr>
+          <p:nvPr/>
+        </p:nvCxnSpPr>
+        <p:spPr>
+          <a:xfrm>
+            <a:off x="6226958" y="5208884"/>
+            <a:ext cx="1368152" cy="0"/>
+          </a:xfrm>
+          <a:prstGeom prst="line">
+            <a:avLst/>
+          </a:prstGeom>
+          <a:ln w="88900" cap="rnd">
+            <a:solidFill>
+              <a:srgbClr val="2F528F"/>
+            </a:solidFill>
+            <a:round/>
+          </a:ln>
+        </p:spPr>
+        <p:style>
+          <a:lnRef idx="1">
+            <a:schemeClr val="accent1"/>
+          </a:lnRef>
+          <a:fillRef idx="0">
+            <a:schemeClr val="accent1"/>
+          </a:fillRef>
+          <a:effectRef idx="0">
+            <a:schemeClr val="accent1"/>
+          </a:effectRef>
+          <a:fontRef idx="minor">
+            <a:schemeClr val="tx1"/>
+          </a:fontRef>
+        </p:style>
+      </p:cxnSp>
+      <p:sp>
+        <p:nvSpPr>
+          <p:cNvPr id="33" name="구름 32">
+            <a:extLst>
+              <a:ext uri="{FF2B5EF4-FFF2-40B4-BE49-F238E27FC236}">
+                <a16:creationId xmlns:a16="http://schemas.microsoft.com/office/drawing/2014/main" id="{2F8699E0-8B5C-4B3C-BDE6-0EC3FB22CA69}"/>
+              </a:ext>
+            </a:extLst>
+          </p:cNvPr>
+          <p:cNvSpPr/>
+          <p:nvPr/>
+        </p:nvSpPr>
+        <p:spPr>
+          <a:xfrm>
+            <a:off x="5856164" y="697596"/>
+            <a:ext cx="2107779" cy="1580466"/>
+          </a:xfrm>
+          <a:prstGeom prst="cloud">
+            <a:avLst/>
+          </a:prstGeom>
+          <a:noFill/>
+          <a:ln w="57150">
+            <a:solidFill>
+              <a:srgbClr val="2F528F"/>
+            </a:solidFill>
+          </a:ln>
+        </p:spPr>
+        <p:style>
+          <a:lnRef idx="2">
+            <a:schemeClr val="accent1">
+              <a:shade val="50000"/>
+            </a:schemeClr>
+          </a:lnRef>
+          <a:fillRef idx="1">
+            <a:schemeClr val="accent1"/>
+          </a:fillRef>
+          <a:effectRef idx="0">
+            <a:schemeClr val="accent1"/>
+          </a:effectRef>
+          <a:fontRef idx="minor">
+            <a:schemeClr val="lt1"/>
+          </a:fontRef>
+        </p:style>
+        <p:txBody>
+          <a:bodyPr rtlCol="0" anchor="ctr"/>
+          <a:lstStyle/>
+          <a:p>
+            <a:pPr algn="ctr"/>
+            <a:endParaRPr lang="ko-KR" altLang="en-US"/>
+          </a:p>
+        </p:txBody>
+      </p:sp>
+      <p:sp>
+        <p:nvSpPr>
+          <p:cNvPr id="34" name="부제목 2">
+            <a:extLst>
+              <a:ext uri="{FF2B5EF4-FFF2-40B4-BE49-F238E27FC236}">
+                <a16:creationId xmlns:a16="http://schemas.microsoft.com/office/drawing/2014/main" id="{4AD76C5D-8D8C-4436-BACD-F836B14A2C6C}"/>
+              </a:ext>
+            </a:extLst>
+          </p:cNvPr>
+          <p:cNvSpPr txBox="1">
+            <a:spLocks/>
+          </p:cNvSpPr>
+          <p:nvPr/>
+        </p:nvSpPr>
+        <p:spPr>
+          <a:xfrm>
+            <a:off x="6149456" y="1200659"/>
+            <a:ext cx="1648426" cy="917173"/>
+          </a:xfrm>
+          <a:prstGeom prst="rect">
+            <a:avLst/>
+          </a:prstGeom>
+        </p:spPr>
+        <p:txBody>
+          <a:bodyPr vert="horz" lIns="91440" tIns="45720" rIns="91440" bIns="45720" rtlCol="0">
+            <a:normAutofit/>
+          </a:bodyPr>
+          <a:lstStyle/>
+          <a:p>
+            <a:pPr marL="228600" indent="-228600">
+              <a:lnSpc>
+                <a:spcPct val="150000"/>
+              </a:lnSpc>
+            </a:pPr>
+            <a:r>
+              <a:rPr lang="ko-KR" altLang="en-US" sz="2000" b="1" spc="-20" dirty="0">
+                <a:latin typeface="나눔고딕" pitchFamily="50" charset="-127"/>
+                <a:ea typeface="나눔고딕" pitchFamily="50" charset="-127"/>
+              </a:rPr>
+              <a:t>원격 저장소</a:t>
+            </a:r>
+            <a:endParaRPr lang="en-US" altLang="ko-KR" sz="2000" b="1" spc="-20" dirty="0">
+              <a:latin typeface="나눔고딕" pitchFamily="50" charset="-127"/>
+              <a:ea typeface="나눔고딕" pitchFamily="50" charset="-127"/>
+            </a:endParaRPr>
+          </a:p>
+        </p:txBody>
+      </p:sp>
+      <p:cxnSp>
+        <p:nvCxnSpPr>
+          <p:cNvPr id="35" name="직선 연결선 34">
+            <a:extLst>
+              <a:ext uri="{FF2B5EF4-FFF2-40B4-BE49-F238E27FC236}">
+                <a16:creationId xmlns:a16="http://schemas.microsoft.com/office/drawing/2014/main" id="{648A02B3-ECDC-4E85-9A6D-9B13252FC2A5}"/>
+              </a:ext>
+            </a:extLst>
+          </p:cNvPr>
+          <p:cNvCxnSpPr>
+            <a:cxnSpLocks/>
+          </p:cNvCxnSpPr>
+          <p:nvPr/>
+        </p:nvCxnSpPr>
+        <p:spPr>
+          <a:xfrm>
+            <a:off x="3046922" y="2405622"/>
+            <a:ext cx="0" cy="916904"/>
+          </a:xfrm>
+          <a:prstGeom prst="line">
+            <a:avLst/>
+          </a:prstGeom>
+          <a:ln w="19050">
+            <a:solidFill>
+              <a:srgbClr val="2F528F"/>
+            </a:solidFill>
+            <a:prstDash val="solid"/>
+            <a:miter lim="800000"/>
+            <a:tailEnd type="triangle" w="lg" len="lg"/>
+          </a:ln>
+        </p:spPr>
+        <p:style>
+          <a:lnRef idx="1">
+            <a:schemeClr val="accent1"/>
+          </a:lnRef>
+          <a:fillRef idx="0">
+            <a:schemeClr val="accent1"/>
+          </a:fillRef>
+          <a:effectRef idx="0">
+            <a:schemeClr val="accent1"/>
+          </a:effectRef>
+          <a:fontRef idx="minor">
+            <a:schemeClr val="tx1"/>
+          </a:fontRef>
+        </p:style>
+      </p:cxnSp>
+      <p:cxnSp>
+        <p:nvCxnSpPr>
+          <p:cNvPr id="36" name="직선 연결선 35">
+            <a:extLst>
+              <a:ext uri="{FF2B5EF4-FFF2-40B4-BE49-F238E27FC236}">
+                <a16:creationId xmlns:a16="http://schemas.microsoft.com/office/drawing/2014/main" id="{C9AD56AC-D832-47C9-836A-D9F8DA2FAA8A}"/>
+              </a:ext>
+            </a:extLst>
+          </p:cNvPr>
+          <p:cNvCxnSpPr>
+            <a:cxnSpLocks/>
+          </p:cNvCxnSpPr>
+          <p:nvPr/>
+        </p:nvCxnSpPr>
+        <p:spPr>
+          <a:xfrm>
+            <a:off x="6982461" y="2417352"/>
+            <a:ext cx="0" cy="916904"/>
+          </a:xfrm>
+          <a:prstGeom prst="line">
+            <a:avLst/>
+          </a:prstGeom>
+          <a:ln w="19050">
+            <a:solidFill>
+              <a:srgbClr val="2F528F"/>
+            </a:solidFill>
+            <a:prstDash val="solid"/>
+            <a:miter lim="800000"/>
+            <a:headEnd type="triangle" w="lg" len="lg"/>
+          </a:ln>
+        </p:spPr>
+        <p:style>
+          <a:lnRef idx="1">
+            <a:schemeClr val="accent1"/>
+          </a:lnRef>
+          <a:fillRef idx="0">
+            <a:schemeClr val="accent1"/>
+          </a:fillRef>
+          <a:effectRef idx="0">
+            <a:schemeClr val="accent1"/>
+          </a:effectRef>
+          <a:fontRef idx="minor">
+            <a:schemeClr val="tx1"/>
+          </a:fontRef>
+        </p:style>
+      </p:cxnSp>
+      <p:cxnSp>
+        <p:nvCxnSpPr>
+          <p:cNvPr id="37" name="직선 연결선 36">
+            <a:extLst>
+              <a:ext uri="{FF2B5EF4-FFF2-40B4-BE49-F238E27FC236}">
+                <a16:creationId xmlns:a16="http://schemas.microsoft.com/office/drawing/2014/main" id="{7B751E48-E1E0-4C50-9F40-A9A0420639DB}"/>
+              </a:ext>
+            </a:extLst>
+          </p:cNvPr>
+          <p:cNvCxnSpPr>
+            <a:cxnSpLocks/>
+          </p:cNvCxnSpPr>
+          <p:nvPr/>
+        </p:nvCxnSpPr>
+        <p:spPr>
+          <a:xfrm>
+            <a:off x="6823804" y="2417352"/>
+            <a:ext cx="0" cy="916904"/>
+          </a:xfrm>
+          <a:prstGeom prst="line">
+            <a:avLst/>
+          </a:prstGeom>
+          <a:ln w="19050">
+            <a:solidFill>
+              <a:srgbClr val="2F528F"/>
+            </a:solidFill>
+            <a:prstDash val="solid"/>
+            <a:miter lim="800000"/>
+            <a:tailEnd type="triangle" w="lg" len="lg"/>
+          </a:ln>
+        </p:spPr>
+        <p:style>
+          <a:lnRef idx="1">
+            <a:schemeClr val="accent1"/>
+          </a:lnRef>
+          <a:fillRef idx="0">
+            <a:schemeClr val="accent1"/>
+          </a:fillRef>
+          <a:effectRef idx="0">
+            <a:schemeClr val="accent1"/>
+          </a:effectRef>
+          <a:fontRef idx="minor">
+            <a:schemeClr val="tx1"/>
+          </a:fontRef>
+        </p:style>
+      </p:cxnSp>
+      <p:cxnSp>
+        <p:nvCxnSpPr>
+          <p:cNvPr id="38" name="직선 연결선 37">
+            <a:extLst>
+              <a:ext uri="{FF2B5EF4-FFF2-40B4-BE49-F238E27FC236}">
+                <a16:creationId xmlns:a16="http://schemas.microsoft.com/office/drawing/2014/main" id="{2D9CAA30-DDFF-48CF-8651-37F788AE1074}"/>
+              </a:ext>
+            </a:extLst>
+          </p:cNvPr>
+          <p:cNvCxnSpPr>
+            <a:cxnSpLocks/>
+          </p:cNvCxnSpPr>
+          <p:nvPr/>
+        </p:nvCxnSpPr>
+        <p:spPr>
+          <a:xfrm flipV="1">
+            <a:off x="3888447" y="2214198"/>
+            <a:ext cx="2239712" cy="1324282"/>
+          </a:xfrm>
+          <a:prstGeom prst="line">
+            <a:avLst/>
+          </a:prstGeom>
+          <a:ln w="19050">
+            <a:solidFill>
+              <a:srgbClr val="2F528F"/>
+            </a:solidFill>
+            <a:prstDash val="solid"/>
+            <a:miter lim="800000"/>
+            <a:headEnd type="triangle" w="lg" len="lg"/>
+          </a:ln>
+        </p:spPr>
+        <p:style>
+          <a:lnRef idx="1">
+            <a:schemeClr val="accent1"/>
+          </a:lnRef>
+          <a:fillRef idx="0">
+            <a:schemeClr val="accent1"/>
+          </a:fillRef>
+          <a:effectRef idx="0">
+            <a:schemeClr val="accent1"/>
+          </a:effectRef>
+          <a:fontRef idx="minor">
+            <a:schemeClr val="tx1"/>
+          </a:fontRef>
+        </p:style>
+      </p:cxnSp>
+      <p:cxnSp>
+        <p:nvCxnSpPr>
+          <p:cNvPr id="39" name="직선 연결선 38">
+            <a:extLst>
+              <a:ext uri="{FF2B5EF4-FFF2-40B4-BE49-F238E27FC236}">
+                <a16:creationId xmlns:a16="http://schemas.microsoft.com/office/drawing/2014/main" id="{E1AACA09-E48E-40DF-B54F-7FF69871AC33}"/>
+              </a:ext>
+            </a:extLst>
+          </p:cNvPr>
+          <p:cNvCxnSpPr>
+            <a:cxnSpLocks/>
+          </p:cNvCxnSpPr>
+          <p:nvPr/>
+        </p:nvCxnSpPr>
+        <p:spPr>
+          <a:xfrm flipH="1" flipV="1">
+            <a:off x="4207758" y="1520471"/>
+            <a:ext cx="1576398" cy="1856"/>
+          </a:xfrm>
+          <a:prstGeom prst="line">
+            <a:avLst/>
+          </a:prstGeom>
+          <a:ln w="19050">
+            <a:solidFill>
+              <a:srgbClr val="2F528F"/>
+            </a:solidFill>
+            <a:prstDash val="sysDash"/>
+            <a:miter lim="800000"/>
+            <a:headEnd type="triangle" w="lg" len="lg"/>
+          </a:ln>
+        </p:spPr>
+        <p:style>
+          <a:lnRef idx="1">
+            <a:schemeClr val="accent1"/>
+          </a:lnRef>
+          <a:fillRef idx="0">
+            <a:schemeClr val="accent1"/>
+          </a:fillRef>
+          <a:effectRef idx="0">
+            <a:schemeClr val="accent1"/>
+          </a:effectRef>
+          <a:fontRef idx="minor">
+            <a:schemeClr val="tx1"/>
+          </a:fontRef>
+        </p:style>
+      </p:cxnSp>
+      <p:cxnSp>
+        <p:nvCxnSpPr>
+          <p:cNvPr id="40" name="직선 연결선 39">
+            <a:extLst>
+              <a:ext uri="{FF2B5EF4-FFF2-40B4-BE49-F238E27FC236}">
+                <a16:creationId xmlns:a16="http://schemas.microsoft.com/office/drawing/2014/main" id="{359DB667-D44D-4B96-A354-A41B699D7BD2}"/>
+              </a:ext>
+            </a:extLst>
+          </p:cNvPr>
+          <p:cNvCxnSpPr>
+            <a:cxnSpLocks/>
+          </p:cNvCxnSpPr>
+          <p:nvPr/>
+        </p:nvCxnSpPr>
+        <p:spPr>
+          <a:xfrm flipH="1">
+            <a:off x="4209514" y="1378310"/>
+            <a:ext cx="1574642" cy="0"/>
+          </a:xfrm>
+          <a:prstGeom prst="line">
+            <a:avLst/>
+          </a:prstGeom>
+          <a:ln w="19050">
+            <a:solidFill>
+              <a:srgbClr val="2F528F"/>
+            </a:solidFill>
+            <a:prstDash val="solid"/>
+            <a:miter lim="800000"/>
+            <a:tailEnd type="triangle" w="lg" len="lg"/>
+          </a:ln>
+        </p:spPr>
+        <p:style>
+          <a:lnRef idx="1">
+            <a:schemeClr val="accent1"/>
+          </a:lnRef>
+          <a:fillRef idx="0">
+            <a:schemeClr val="accent1"/>
+          </a:fillRef>
+          <a:effectRef idx="0">
+            <a:schemeClr val="accent1"/>
+          </a:effectRef>
+          <a:fontRef idx="minor">
+            <a:schemeClr val="tx1"/>
+          </a:fontRef>
+        </p:style>
+      </p:cxnSp>
+      <p:grpSp>
+        <p:nvGrpSpPr>
+          <p:cNvPr id="49" name="그룹 48">
+            <a:extLst>
+              <a:ext uri="{FF2B5EF4-FFF2-40B4-BE49-F238E27FC236}">
+                <a16:creationId xmlns:a16="http://schemas.microsoft.com/office/drawing/2014/main" id="{19BDAA35-5068-4EF0-8F58-5339CDA63921}"/>
+              </a:ext>
+            </a:extLst>
+          </p:cNvPr>
+          <p:cNvGrpSpPr/>
+          <p:nvPr/>
+        </p:nvGrpSpPr>
+        <p:grpSpPr>
+          <a:xfrm>
+            <a:off x="2810393" y="3538480"/>
+            <a:ext cx="803525" cy="600975"/>
+            <a:chOff x="1409202" y="3335805"/>
+            <a:chExt cx="1368152" cy="976786"/>
+          </a:xfrm>
+        </p:grpSpPr>
+        <p:sp>
+          <p:nvSpPr>
+            <p:cNvPr id="48" name="사각형: 위쪽 모서리의 한쪽은 둥글고 다른 한쪽은 잘림 47">
+              <a:extLst>
+                <a:ext uri="{FF2B5EF4-FFF2-40B4-BE49-F238E27FC236}">
+                  <a16:creationId xmlns:a16="http://schemas.microsoft.com/office/drawing/2014/main" id="{F334BA4E-3559-408E-8DED-1CFB2CDBFC55}"/>
+                </a:ext>
+              </a:extLst>
+            </p:cNvPr>
+            <p:cNvSpPr/>
+            <p:nvPr/>
+          </p:nvSpPr>
+          <p:spPr>
+            <a:xfrm>
+              <a:off x="1409202" y="3335805"/>
+              <a:ext cx="637206" cy="364790"/>
+            </a:xfrm>
+            <a:prstGeom prst="snipRoundRect">
+              <a:avLst>
+                <a:gd name="adj1" fmla="val 16667"/>
+                <a:gd name="adj2" fmla="val 50000"/>
+              </a:avLst>
+            </a:prstGeom>
+            <a:solidFill>
+              <a:schemeClr val="bg1"/>
+            </a:solidFill>
+            <a:ln w="57150"/>
+          </p:spPr>
+          <p:style>
+            <a:lnRef idx="2">
+              <a:schemeClr val="accent1">
+                <a:shade val="50000"/>
+              </a:schemeClr>
+            </a:lnRef>
+            <a:fillRef idx="1">
+              <a:schemeClr val="accent1"/>
+            </a:fillRef>
+            <a:effectRef idx="0">
+              <a:schemeClr val="accent1"/>
+            </a:effectRef>
+            <a:fontRef idx="minor">
+              <a:schemeClr val="lt1"/>
+            </a:fontRef>
+          </p:style>
+          <p:txBody>
+            <a:bodyPr rtlCol="0" anchor="ctr"/>
+            <a:lstStyle/>
+            <a:p>
+              <a:pPr algn="ctr"/>
+              <a:endParaRPr lang="ko-KR" altLang="en-US"/>
+            </a:p>
+          </p:txBody>
+        </p:sp>
+        <p:sp>
+          <p:nvSpPr>
+            <p:cNvPr id="47" name="사각형: 둥근 모서리 46">
+              <a:extLst>
+                <a:ext uri="{FF2B5EF4-FFF2-40B4-BE49-F238E27FC236}">
+                  <a16:creationId xmlns:a16="http://schemas.microsoft.com/office/drawing/2014/main" id="{9073E78B-6E28-424F-B8F3-A61BB10F22AA}"/>
+                </a:ext>
+              </a:extLst>
+            </p:cNvPr>
+            <p:cNvSpPr/>
+            <p:nvPr/>
+          </p:nvSpPr>
+          <p:spPr>
+            <a:xfrm>
+              <a:off x="1409202" y="3552505"/>
+              <a:ext cx="1368152" cy="760086"/>
+            </a:xfrm>
+            <a:prstGeom prst="roundRect">
+              <a:avLst/>
+            </a:prstGeom>
+            <a:solidFill>
+              <a:schemeClr val="bg1"/>
+            </a:solidFill>
+            <a:ln w="57150">
+              <a:solidFill>
+                <a:srgbClr val="2F528F"/>
+              </a:solidFill>
+            </a:ln>
+          </p:spPr>
+          <p:style>
+            <a:lnRef idx="2">
+              <a:schemeClr val="accent1">
+                <a:shade val="50000"/>
+              </a:schemeClr>
+            </a:lnRef>
+            <a:fillRef idx="1">
+              <a:schemeClr val="accent1"/>
+            </a:fillRef>
+            <a:effectRef idx="0">
+              <a:schemeClr val="accent1"/>
+            </a:effectRef>
+            <a:fontRef idx="minor">
+              <a:schemeClr val="lt1"/>
+            </a:fontRef>
+          </p:style>
+          <p:txBody>
+            <a:bodyPr rtlCol="0" anchor="ctr"/>
+            <a:lstStyle/>
+            <a:p>
+              <a:pPr algn="ctr"/>
+              <a:endParaRPr lang="ko-KR" altLang="en-US"/>
+            </a:p>
+          </p:txBody>
+        </p:sp>
+      </p:grpSp>
+      <p:sp>
+        <p:nvSpPr>
+          <p:cNvPr id="50" name="부제목 2">
+            <a:extLst>
+              <a:ext uri="{FF2B5EF4-FFF2-40B4-BE49-F238E27FC236}">
+                <a16:creationId xmlns:a16="http://schemas.microsoft.com/office/drawing/2014/main" id="{6F866F0D-D22C-4EDB-B7C5-817A44DFEDFB}"/>
+              </a:ext>
+            </a:extLst>
+          </p:cNvPr>
+          <p:cNvSpPr txBox="1">
+            <a:spLocks/>
+          </p:cNvSpPr>
+          <p:nvPr/>
+        </p:nvSpPr>
+        <p:spPr>
+          <a:xfrm>
+            <a:off x="916503" y="2385267"/>
+            <a:ext cx="2111872" cy="884049"/>
+          </a:xfrm>
+          <a:prstGeom prst="rect">
+            <a:avLst/>
+          </a:prstGeom>
+          <a:ln>
+            <a:noFill/>
+          </a:ln>
+        </p:spPr>
+        <p:txBody>
+          <a:bodyPr vert="horz" lIns="91440" tIns="45720" rIns="91440" bIns="45720" rtlCol="0">
+            <a:normAutofit/>
+          </a:bodyPr>
+          <a:lstStyle/>
+          <a:p>
+            <a:pPr marL="228600" indent="-228600">
+              <a:lnSpc>
+                <a:spcPct val="150000"/>
+              </a:lnSpc>
+            </a:pPr>
+            <a:r>
+              <a:rPr lang="ko-KR" altLang="en-US" sz="1600" b="1" spc="-20" dirty="0">
+                <a:latin typeface="나눔고딕" pitchFamily="50" charset="-127"/>
+                <a:ea typeface="나눔고딕" pitchFamily="50" charset="-127"/>
+              </a:rPr>
+              <a:t>새 폴더 생성   </a:t>
+            </a:r>
+            <a:r>
+              <a:rPr lang="en-US" altLang="ko-KR" sz="1600" b="1" spc="-20" dirty="0">
+                <a:latin typeface="나눔고딕" pitchFamily="50" charset="-127"/>
+                <a:ea typeface="나눔고딕" pitchFamily="50" charset="-127"/>
+              </a:rPr>
+              <a:t>: clone</a:t>
+            </a:r>
+          </a:p>
+          <a:p>
+            <a:pPr marL="228600" indent="-228600">
+              <a:lnSpc>
+                <a:spcPct val="150000"/>
+              </a:lnSpc>
+            </a:pPr>
+            <a:r>
+              <a:rPr lang="ko-KR" altLang="en-US" sz="1600" b="1" spc="-20" dirty="0">
+                <a:latin typeface="나눔고딕" pitchFamily="50" charset="-127"/>
+                <a:ea typeface="나눔고딕" pitchFamily="50" charset="-127"/>
+              </a:rPr>
+              <a:t>기존 업데이트</a:t>
+            </a:r>
+            <a:r>
+              <a:rPr lang="en-US" altLang="ko-KR" sz="1600" b="1" spc="-20" dirty="0">
+                <a:latin typeface="나눔고딕" pitchFamily="50" charset="-127"/>
+                <a:ea typeface="나눔고딕" pitchFamily="50" charset="-127"/>
+              </a:rPr>
+              <a:t>: pull</a:t>
+            </a:r>
+          </a:p>
+        </p:txBody>
+      </p:sp>
+      <p:sp>
+        <p:nvSpPr>
+          <p:cNvPr id="51" name="부제목 2">
+            <a:extLst>
+              <a:ext uri="{FF2B5EF4-FFF2-40B4-BE49-F238E27FC236}">
+                <a16:creationId xmlns:a16="http://schemas.microsoft.com/office/drawing/2014/main" id="{F6248BE3-4641-48E6-B66E-0BAF959179E7}"/>
+              </a:ext>
+            </a:extLst>
+          </p:cNvPr>
+          <p:cNvSpPr txBox="1">
+            <a:spLocks/>
+          </p:cNvSpPr>
+          <p:nvPr/>
+        </p:nvSpPr>
+        <p:spPr>
+          <a:xfrm>
+            <a:off x="2860556" y="3636106"/>
+            <a:ext cx="377867" cy="539048"/>
+          </a:xfrm>
+          <a:prstGeom prst="rect">
+            <a:avLst/>
+          </a:prstGeom>
+          <a:ln>
+            <a:noFill/>
+          </a:ln>
+        </p:spPr>
+        <p:txBody>
+          <a:bodyPr vert="horz" lIns="91440" tIns="45720" rIns="91440" bIns="45720" rtlCol="0">
+            <a:normAutofit lnSpcReduction="10000"/>
+          </a:bodyPr>
+          <a:lstStyle/>
+          <a:p>
+            <a:pPr marL="228600" indent="-228600">
+              <a:lnSpc>
+                <a:spcPct val="150000"/>
+              </a:lnSpc>
+            </a:pPr>
+            <a:r>
+              <a:rPr lang="en-US" altLang="ko-KR" sz="2000" b="1" spc="-20" dirty="0">
+                <a:solidFill>
+                  <a:srgbClr val="2F528F"/>
+                </a:solidFill>
+                <a:latin typeface="나눔고딕" pitchFamily="50" charset="-127"/>
+                <a:ea typeface="나눔고딕" pitchFamily="50" charset="-127"/>
+              </a:rPr>
+              <a:t>*</a:t>
+            </a:r>
+          </a:p>
+        </p:txBody>
+      </p:sp>
+      <p:sp>
+        <p:nvSpPr>
+          <p:cNvPr id="60" name="직사각형 59">
+            <a:extLst>
+              <a:ext uri="{FF2B5EF4-FFF2-40B4-BE49-F238E27FC236}">
+                <a16:creationId xmlns:a16="http://schemas.microsoft.com/office/drawing/2014/main" id="{A99CC433-FFFA-4E47-BDF6-6D723185310D}"/>
+              </a:ext>
+            </a:extLst>
+          </p:cNvPr>
+          <p:cNvSpPr/>
+          <p:nvPr/>
+        </p:nvSpPr>
+        <p:spPr>
+          <a:xfrm>
+            <a:off x="3274241" y="2543218"/>
+            <a:ext cx="690574" cy="459357"/>
+          </a:xfrm>
+          <a:prstGeom prst="rect">
+            <a:avLst/>
+          </a:prstGeom>
+        </p:spPr>
+        <p:txBody>
+          <a:bodyPr wrap="none">
+            <a:spAutoFit/>
+          </a:bodyPr>
+          <a:lstStyle/>
+          <a:p>
+            <a:pPr marL="228600" indent="-228600">
+              <a:lnSpc>
+                <a:spcPct val="150000"/>
+              </a:lnSpc>
+            </a:pPr>
+            <a:r>
+              <a:rPr lang="en-US" altLang="ko-KR" b="1" spc="-20" dirty="0">
+                <a:latin typeface="나눔고딕" pitchFamily="50" charset="-127"/>
+                <a:ea typeface="나눔고딕" pitchFamily="50" charset="-127"/>
+              </a:rPr>
+              <a:t>push</a:t>
+            </a:r>
+          </a:p>
+        </p:txBody>
+      </p:sp>
+      <p:sp>
+        <p:nvSpPr>
+          <p:cNvPr id="62" name="부제목 2">
+            <a:extLst>
+              <a:ext uri="{FF2B5EF4-FFF2-40B4-BE49-F238E27FC236}">
+                <a16:creationId xmlns:a16="http://schemas.microsoft.com/office/drawing/2014/main" id="{157FF47E-02A2-4AF3-8670-68D9C51273F6}"/>
+              </a:ext>
+            </a:extLst>
+          </p:cNvPr>
+          <p:cNvSpPr txBox="1">
+            <a:spLocks/>
+          </p:cNvSpPr>
+          <p:nvPr/>
+        </p:nvSpPr>
+        <p:spPr>
+          <a:xfrm>
+            <a:off x="4016287" y="3502665"/>
+            <a:ext cx="2111872" cy="884049"/>
+          </a:xfrm>
+          <a:prstGeom prst="rect">
+            <a:avLst/>
+          </a:prstGeom>
+          <a:ln>
+            <a:noFill/>
+          </a:ln>
+        </p:spPr>
+        <p:txBody>
+          <a:bodyPr vert="horz" lIns="91440" tIns="45720" rIns="91440" bIns="45720" rtlCol="0">
+            <a:normAutofit/>
+          </a:bodyPr>
+          <a:lstStyle/>
+          <a:p>
+            <a:pPr marL="228600" indent="-228600">
+              <a:lnSpc>
+                <a:spcPct val="150000"/>
+              </a:lnSpc>
+            </a:pPr>
+            <a:r>
+              <a:rPr lang="ko-KR" altLang="en-US" sz="1600" b="1" spc="-20" dirty="0">
+                <a:latin typeface="나눔고딕" pitchFamily="50" charset="-127"/>
+                <a:ea typeface="나눔고딕" pitchFamily="50" charset="-127"/>
+              </a:rPr>
+              <a:t>가져오기 </a:t>
+            </a:r>
+            <a:r>
+              <a:rPr lang="en-US" altLang="ko-KR" sz="1600" b="1" spc="-20" dirty="0">
+                <a:latin typeface="나눔고딕" pitchFamily="50" charset="-127"/>
+                <a:ea typeface="나눔고딕" pitchFamily="50" charset="-127"/>
+              </a:rPr>
+              <a:t>: </a:t>
+            </a:r>
+            <a:r>
+              <a:rPr lang="ko-KR" altLang="en-US" sz="1600" b="1" spc="-20" dirty="0">
+                <a:latin typeface="나눔고딕" pitchFamily="50" charset="-127"/>
+                <a:ea typeface="나눔고딕" pitchFamily="50" charset="-127"/>
+              </a:rPr>
+              <a:t> 가능</a:t>
+            </a:r>
+            <a:endParaRPr lang="en-US" altLang="ko-KR" sz="1600" b="1" spc="-20" dirty="0">
+              <a:latin typeface="나눔고딕" pitchFamily="50" charset="-127"/>
+              <a:ea typeface="나눔고딕" pitchFamily="50" charset="-127"/>
+            </a:endParaRPr>
+          </a:p>
+          <a:p>
+            <a:pPr marL="228600" indent="-228600">
+              <a:lnSpc>
+                <a:spcPct val="150000"/>
+              </a:lnSpc>
+            </a:pPr>
+            <a:r>
+              <a:rPr lang="ko-KR" altLang="en-US" sz="1600" b="1" spc="-20" dirty="0">
+                <a:latin typeface="나눔고딕" pitchFamily="50" charset="-127"/>
+                <a:ea typeface="나눔고딕" pitchFamily="50" charset="-127"/>
+              </a:rPr>
+              <a:t>반영 </a:t>
+            </a:r>
+            <a:r>
+              <a:rPr lang="en-US" altLang="ko-KR" sz="1600" b="1" spc="-20" dirty="0">
+                <a:latin typeface="나눔고딕" pitchFamily="50" charset="-127"/>
+                <a:ea typeface="나눔고딕" pitchFamily="50" charset="-127"/>
+              </a:rPr>
+              <a:t>: </a:t>
+            </a:r>
+            <a:r>
+              <a:rPr lang="ko-KR" altLang="en-US" sz="1600" b="1" spc="-20" dirty="0">
+                <a:latin typeface="나눔고딕" pitchFamily="50" charset="-127"/>
+                <a:ea typeface="나눔고딕" pitchFamily="50" charset="-127"/>
+              </a:rPr>
+              <a:t>허락 받아야 함</a:t>
+            </a:r>
+            <a:endParaRPr lang="en-US" altLang="ko-KR" sz="1600" b="1" spc="-20" dirty="0">
+              <a:latin typeface="나눔고딕" pitchFamily="50" charset="-127"/>
+              <a:ea typeface="나눔고딕" pitchFamily="50" charset="-127"/>
+            </a:endParaRPr>
+          </a:p>
+        </p:txBody>
+      </p:sp>
+      <p:grpSp>
+        <p:nvGrpSpPr>
+          <p:cNvPr id="63" name="그룹 62">
+            <a:extLst>
+              <a:ext uri="{FF2B5EF4-FFF2-40B4-BE49-F238E27FC236}">
+                <a16:creationId xmlns:a16="http://schemas.microsoft.com/office/drawing/2014/main" id="{5043641F-2D7D-4B1A-A871-BFBAFA754A6C}"/>
+              </a:ext>
+            </a:extLst>
+          </p:cNvPr>
+          <p:cNvGrpSpPr/>
+          <p:nvPr/>
+        </p:nvGrpSpPr>
+        <p:grpSpPr>
+          <a:xfrm>
+            <a:off x="6485440" y="3516745"/>
+            <a:ext cx="803525" cy="600975"/>
+            <a:chOff x="1409202" y="3335805"/>
+            <a:chExt cx="1368152" cy="976786"/>
+          </a:xfrm>
+        </p:grpSpPr>
+        <p:sp>
+          <p:nvSpPr>
+            <p:cNvPr id="64" name="사각형: 위쪽 모서리의 한쪽은 둥글고 다른 한쪽은 잘림 63">
+              <a:extLst>
+                <a:ext uri="{FF2B5EF4-FFF2-40B4-BE49-F238E27FC236}">
+                  <a16:creationId xmlns:a16="http://schemas.microsoft.com/office/drawing/2014/main" id="{22955CB3-1AF4-4C41-AFE2-C8E165935B46}"/>
+                </a:ext>
+              </a:extLst>
+            </p:cNvPr>
+            <p:cNvSpPr/>
+            <p:nvPr/>
+          </p:nvSpPr>
+          <p:spPr>
+            <a:xfrm>
+              <a:off x="1409202" y="3335805"/>
+              <a:ext cx="637206" cy="364790"/>
+            </a:xfrm>
+            <a:prstGeom prst="snipRoundRect">
+              <a:avLst>
+                <a:gd name="adj1" fmla="val 16667"/>
+                <a:gd name="adj2" fmla="val 50000"/>
+              </a:avLst>
+            </a:prstGeom>
+            <a:solidFill>
+              <a:schemeClr val="bg1"/>
+            </a:solidFill>
+            <a:ln w="57150"/>
+          </p:spPr>
+          <p:style>
+            <a:lnRef idx="2">
+              <a:schemeClr val="accent1">
+                <a:shade val="50000"/>
+              </a:schemeClr>
+            </a:lnRef>
+            <a:fillRef idx="1">
+              <a:schemeClr val="accent1"/>
+            </a:fillRef>
+            <a:effectRef idx="0">
+              <a:schemeClr val="accent1"/>
+            </a:effectRef>
+            <a:fontRef idx="minor">
+              <a:schemeClr val="lt1"/>
+            </a:fontRef>
+          </p:style>
+          <p:txBody>
+            <a:bodyPr rtlCol="0" anchor="ctr"/>
+            <a:lstStyle/>
+            <a:p>
+              <a:pPr algn="ctr"/>
+              <a:endParaRPr lang="ko-KR" altLang="en-US"/>
+            </a:p>
+          </p:txBody>
+        </p:sp>
+        <p:sp>
+          <p:nvSpPr>
+            <p:cNvPr id="65" name="사각형: 둥근 모서리 64">
+              <a:extLst>
+                <a:ext uri="{FF2B5EF4-FFF2-40B4-BE49-F238E27FC236}">
+                  <a16:creationId xmlns:a16="http://schemas.microsoft.com/office/drawing/2014/main" id="{4631D381-2618-4463-BD69-834744BC794A}"/>
+                </a:ext>
+              </a:extLst>
+            </p:cNvPr>
+            <p:cNvSpPr/>
+            <p:nvPr/>
+          </p:nvSpPr>
+          <p:spPr>
+            <a:xfrm>
+              <a:off x="1409202" y="3552505"/>
+              <a:ext cx="1368152" cy="760086"/>
+            </a:xfrm>
+            <a:prstGeom prst="roundRect">
+              <a:avLst/>
+            </a:prstGeom>
+            <a:solidFill>
+              <a:schemeClr val="bg1"/>
+            </a:solidFill>
+            <a:ln w="57150">
+              <a:solidFill>
+                <a:srgbClr val="2F528F"/>
+              </a:solidFill>
+            </a:ln>
+          </p:spPr>
+          <p:style>
+            <a:lnRef idx="2">
+              <a:schemeClr val="accent1">
+                <a:shade val="50000"/>
+              </a:schemeClr>
+            </a:lnRef>
+            <a:fillRef idx="1">
+              <a:schemeClr val="accent1"/>
+            </a:fillRef>
+            <a:effectRef idx="0">
+              <a:schemeClr val="accent1"/>
+            </a:effectRef>
+            <a:fontRef idx="minor">
+              <a:schemeClr val="lt1"/>
+            </a:fontRef>
+          </p:style>
+          <p:txBody>
+            <a:bodyPr rtlCol="0" anchor="ctr"/>
+            <a:lstStyle/>
+            <a:p>
+              <a:pPr algn="ctr"/>
+              <a:endParaRPr lang="ko-KR" altLang="en-US"/>
+            </a:p>
+          </p:txBody>
+        </p:sp>
+      </p:grpSp>
+      <p:sp>
+        <p:nvSpPr>
+          <p:cNvPr id="66" name="부제목 2">
+            <a:extLst>
+              <a:ext uri="{FF2B5EF4-FFF2-40B4-BE49-F238E27FC236}">
+                <a16:creationId xmlns:a16="http://schemas.microsoft.com/office/drawing/2014/main" id="{43CDE915-50D7-4838-9D7C-65B187FB2E1B}"/>
+              </a:ext>
+            </a:extLst>
+          </p:cNvPr>
+          <p:cNvSpPr txBox="1">
+            <a:spLocks/>
+          </p:cNvSpPr>
+          <p:nvPr/>
+        </p:nvSpPr>
+        <p:spPr>
+          <a:xfrm>
+            <a:off x="6535603" y="3614371"/>
+            <a:ext cx="377867" cy="539048"/>
+          </a:xfrm>
+          <a:prstGeom prst="rect">
+            <a:avLst/>
+          </a:prstGeom>
+          <a:ln>
+            <a:noFill/>
+          </a:ln>
+        </p:spPr>
+        <p:txBody>
+          <a:bodyPr vert="horz" lIns="91440" tIns="45720" rIns="91440" bIns="45720" rtlCol="0">
+            <a:normAutofit lnSpcReduction="10000"/>
+          </a:bodyPr>
+          <a:lstStyle/>
+          <a:p>
+            <a:pPr marL="228600" indent="-228600">
+              <a:lnSpc>
+                <a:spcPct val="150000"/>
+              </a:lnSpc>
+            </a:pPr>
+            <a:r>
+              <a:rPr lang="en-US" altLang="ko-KR" sz="2000" b="1" spc="-20" dirty="0">
+                <a:solidFill>
+                  <a:srgbClr val="2F528F"/>
+                </a:solidFill>
+                <a:latin typeface="나눔고딕" pitchFamily="50" charset="-127"/>
+                <a:ea typeface="나눔고딕" pitchFamily="50" charset="-127"/>
+              </a:rPr>
+              <a:t>*</a:t>
+            </a:r>
+          </a:p>
+        </p:txBody>
+      </p:sp>
+      <p:sp>
+        <p:nvSpPr>
+          <p:cNvPr id="67" name="부제목 2">
+            <a:extLst>
+              <a:ext uri="{FF2B5EF4-FFF2-40B4-BE49-F238E27FC236}">
+                <a16:creationId xmlns:a16="http://schemas.microsoft.com/office/drawing/2014/main" id="{4C6F7849-6C2E-4586-85F6-061225022EA2}"/>
+              </a:ext>
+            </a:extLst>
+          </p:cNvPr>
+          <p:cNvSpPr txBox="1">
+            <a:spLocks/>
+          </p:cNvSpPr>
+          <p:nvPr/>
+        </p:nvSpPr>
+        <p:spPr>
+          <a:xfrm>
+            <a:off x="8129051" y="4181989"/>
+            <a:ext cx="3510500" cy="1575920"/>
+          </a:xfrm>
+          <a:prstGeom prst="rect">
+            <a:avLst/>
+          </a:prstGeom>
+          <a:ln>
+            <a:noFill/>
+          </a:ln>
+        </p:spPr>
+        <p:txBody>
+          <a:bodyPr vert="horz" lIns="91440" tIns="45720" rIns="91440" bIns="45720" rtlCol="0">
+            <a:normAutofit/>
+          </a:bodyPr>
+          <a:lstStyle/>
+          <a:p>
+            <a:pPr marL="228600" indent="-228600">
+              <a:lnSpc>
+                <a:spcPct val="150000"/>
+              </a:lnSpc>
+            </a:pPr>
+            <a:r>
+              <a:rPr lang="en-US" altLang="ko-KR" sz="1600" b="1" spc="-20" dirty="0">
+                <a:latin typeface="나눔고딕" pitchFamily="50" charset="-127"/>
+                <a:ea typeface="나눔고딕" pitchFamily="50" charset="-127"/>
+              </a:rPr>
+              <a:t>pull : fetch + merge</a:t>
+            </a:r>
+          </a:p>
+          <a:p>
+            <a:pPr marL="228600" indent="-228600">
+              <a:lnSpc>
+                <a:spcPct val="150000"/>
+              </a:lnSpc>
+            </a:pPr>
+            <a:r>
+              <a:rPr lang="en-US" altLang="ko-KR" sz="1600" b="1" spc="-20" dirty="0">
+                <a:latin typeface="나눔고딕" pitchFamily="50" charset="-127"/>
+                <a:ea typeface="나눔고딕" pitchFamily="50" charset="-127"/>
+              </a:rPr>
+              <a:t>fetch : </a:t>
+            </a:r>
+            <a:r>
+              <a:rPr lang="ko-KR" altLang="en-US" sz="1600" b="1" spc="-20" dirty="0">
+                <a:latin typeface="나눔고딕" pitchFamily="50" charset="-127"/>
+                <a:ea typeface="나눔고딕" pitchFamily="50" charset="-127"/>
+              </a:rPr>
+              <a:t>변경 사항을 가져오기</a:t>
+            </a:r>
+            <a:endParaRPr lang="en-US" altLang="ko-KR" sz="1600" b="1" spc="-20" dirty="0">
+              <a:latin typeface="나눔고딕" pitchFamily="50" charset="-127"/>
+              <a:ea typeface="나눔고딕" pitchFamily="50" charset="-127"/>
+            </a:endParaRPr>
+          </a:p>
+          <a:p>
+            <a:pPr marL="228600" indent="-228600">
+              <a:lnSpc>
+                <a:spcPct val="150000"/>
+              </a:lnSpc>
+            </a:pPr>
+            <a:r>
+              <a:rPr lang="en-US" altLang="ko-KR" sz="1600" b="1" spc="-20" dirty="0">
+                <a:latin typeface="나눔고딕" pitchFamily="50" charset="-127"/>
+                <a:ea typeface="나눔고딕" pitchFamily="50" charset="-127"/>
+              </a:rPr>
+              <a:t>merge : </a:t>
+            </a:r>
+            <a:r>
+              <a:rPr lang="ko-KR" altLang="en-US" sz="1600" b="1" spc="-20" dirty="0">
+                <a:latin typeface="나눔고딕" pitchFamily="50" charset="-127"/>
+                <a:ea typeface="나눔고딕" pitchFamily="50" charset="-127"/>
+              </a:rPr>
+              <a:t>합치기</a:t>
+            </a:r>
+            <a:endParaRPr lang="en-US" altLang="ko-KR" sz="1600" b="1" spc="-20" dirty="0">
+              <a:latin typeface="나눔고딕" pitchFamily="50" charset="-127"/>
+              <a:ea typeface="나눔고딕" pitchFamily="50" charset="-127"/>
+            </a:endParaRPr>
+          </a:p>
+          <a:p>
+            <a:pPr marL="228600" indent="-228600">
+              <a:lnSpc>
+                <a:spcPct val="150000"/>
+              </a:lnSpc>
+            </a:pPr>
+            <a:endParaRPr lang="en-US" altLang="ko-KR" sz="1600" b="1" spc="-20" dirty="0">
+              <a:latin typeface="나눔고딕" pitchFamily="50" charset="-127"/>
+              <a:ea typeface="나눔고딕" pitchFamily="50" charset="-127"/>
+            </a:endParaRPr>
+          </a:p>
+        </p:txBody>
+      </p:sp>
+      <p:sp>
+        <p:nvSpPr>
+          <p:cNvPr id="68" name="부제목 2">
+            <a:extLst>
+              <a:ext uri="{FF2B5EF4-FFF2-40B4-BE49-F238E27FC236}">
+                <a16:creationId xmlns:a16="http://schemas.microsoft.com/office/drawing/2014/main" id="{A21E04B0-06C7-449C-8777-B16A1D53E23C}"/>
+              </a:ext>
+            </a:extLst>
+          </p:cNvPr>
+          <p:cNvSpPr txBox="1">
+            <a:spLocks/>
+          </p:cNvSpPr>
+          <p:nvPr/>
+        </p:nvSpPr>
+        <p:spPr>
+          <a:xfrm>
+            <a:off x="4631752" y="818914"/>
+            <a:ext cx="1296144" cy="602251"/>
+          </a:xfrm>
+          <a:prstGeom prst="rect">
+            <a:avLst/>
+          </a:prstGeom>
+        </p:spPr>
+        <p:txBody>
+          <a:bodyPr vert="horz" lIns="91440" tIns="45720" rIns="91440" bIns="45720" rtlCol="0">
+            <a:normAutofit/>
+          </a:bodyPr>
+          <a:lstStyle/>
+          <a:p>
+            <a:pPr marL="228600" indent="-228600">
+              <a:lnSpc>
+                <a:spcPct val="150000"/>
+              </a:lnSpc>
+            </a:pPr>
+            <a:r>
+              <a:rPr lang="en-US" altLang="ko-KR" sz="2000" b="1" spc="-20" dirty="0">
+                <a:latin typeface="나눔고딕" pitchFamily="50" charset="-127"/>
+                <a:ea typeface="나눔고딕" pitchFamily="50" charset="-127"/>
+              </a:rPr>
+              <a:t>fork</a:t>
+            </a:r>
+          </a:p>
+        </p:txBody>
+      </p:sp>
+      <p:sp>
+        <p:nvSpPr>
+          <p:cNvPr id="69" name="부제목 2">
+            <a:extLst>
+              <a:ext uri="{FF2B5EF4-FFF2-40B4-BE49-F238E27FC236}">
+                <a16:creationId xmlns:a16="http://schemas.microsoft.com/office/drawing/2014/main" id="{8505810E-EF04-41C6-8F25-5564305097A9}"/>
+              </a:ext>
+            </a:extLst>
+          </p:cNvPr>
+          <p:cNvSpPr txBox="1">
+            <a:spLocks/>
+          </p:cNvSpPr>
+          <p:nvPr/>
+        </p:nvSpPr>
+        <p:spPr>
+          <a:xfrm>
+            <a:off x="4172514" y="1389085"/>
+            <a:ext cx="2151312" cy="615969"/>
+          </a:xfrm>
+          <a:prstGeom prst="rect">
+            <a:avLst/>
+          </a:prstGeom>
+        </p:spPr>
+        <p:txBody>
+          <a:bodyPr vert="horz" lIns="91440" tIns="45720" rIns="91440" bIns="45720" rtlCol="0">
+            <a:normAutofit/>
+          </a:bodyPr>
+          <a:lstStyle/>
+          <a:p>
+            <a:pPr marL="228600" indent="-228600">
+              <a:lnSpc>
+                <a:spcPct val="150000"/>
+              </a:lnSpc>
+            </a:pPr>
+            <a:r>
+              <a:rPr lang="en-US" altLang="ko-KR" sz="2000" b="1" spc="-20" dirty="0">
+                <a:latin typeface="나눔고딕" pitchFamily="50" charset="-127"/>
+                <a:ea typeface="나눔고딕" pitchFamily="50" charset="-127"/>
+              </a:rPr>
+              <a:t>pull request</a:t>
+            </a:r>
+          </a:p>
+        </p:txBody>
+      </p:sp>
+      <p:cxnSp>
+        <p:nvCxnSpPr>
+          <p:cNvPr id="70" name="직선 연결선 69">
+            <a:extLst>
+              <a:ext uri="{FF2B5EF4-FFF2-40B4-BE49-F238E27FC236}">
+                <a16:creationId xmlns:a16="http://schemas.microsoft.com/office/drawing/2014/main" id="{3F6745A5-DC9E-43FA-AD3C-D388803FC565}"/>
+              </a:ext>
+            </a:extLst>
+          </p:cNvPr>
+          <p:cNvCxnSpPr>
+            <a:cxnSpLocks/>
+          </p:cNvCxnSpPr>
+          <p:nvPr/>
+        </p:nvCxnSpPr>
+        <p:spPr>
+          <a:xfrm flipV="1">
+            <a:off x="4040847" y="2366598"/>
+            <a:ext cx="2239712" cy="1324282"/>
+          </a:xfrm>
+          <a:prstGeom prst="line">
+            <a:avLst/>
+          </a:prstGeom>
+          <a:ln w="19050">
+            <a:solidFill>
+              <a:srgbClr val="2F528F"/>
+            </a:solidFill>
+            <a:prstDash val="sysDash"/>
+            <a:miter lim="800000"/>
+            <a:headEnd type="none" w="lg" len="lg"/>
+            <a:tailEnd type="triangle" w="lg" len="lg"/>
+          </a:ln>
+        </p:spPr>
+        <p:style>
+          <a:lnRef idx="1">
+            <a:schemeClr val="accent1"/>
+          </a:lnRef>
+          <a:fillRef idx="0">
+            <a:schemeClr val="accent1"/>
+          </a:fillRef>
+          <a:effectRef idx="0">
+            <a:schemeClr val="accent1"/>
+          </a:effectRef>
+          <a:fontRef idx="minor">
+            <a:schemeClr val="tx1"/>
+          </a:fontRef>
+        </p:style>
+      </p:cxnSp>
+    </p:spTree>
+    <p:extLst>
+      <p:ext uri="{BB962C8B-B14F-4D97-AF65-F5344CB8AC3E}">
+        <p14:creationId xmlns:p14="http://schemas.microsoft.com/office/powerpoint/2010/main" val="2829688309"/>
+      </p:ext>
+    </p:extLst>
+  </p:cSld>
+  <p:clrMapOvr>
+    <a:masterClrMapping/>
+  </p:clrMapOvr>
+</p:sld>
+</file>
+
+<file path=ppt/slides/slide6.xml><?xml version="1.0" encoding="utf-8"?>
+<p:sld xmlns:a="http://schemas.openxmlformats.org/drawingml/2006/main" xmlns:r="http://schemas.openxmlformats.org/officeDocument/2006/relationships" xmlns:p="http://schemas.openxmlformats.org/presentationml/2006/main">
+  <p:cSld>
+    <p:spTree>
+      <p:nvGrpSpPr>
+        <p:cNvPr id="1" name=""/>
+        <p:cNvGrpSpPr/>
+        <p:nvPr/>
+      </p:nvGrpSpPr>
+      <p:grpSpPr>
+        <a:xfrm>
+          <a:off x="0" y="0"/>
+          <a:ext cx="0" cy="0"/>
+          <a:chOff x="0" y="0"/>
+          <a:chExt cx="0" cy="0"/>
+        </a:xfrm>
+      </p:grpSpPr>
+      <p:pic>
+        <p:nvPicPr>
+          <p:cNvPr id="4" name="그림 3">
+            <a:extLst>
+              <a:ext uri="{FF2B5EF4-FFF2-40B4-BE49-F238E27FC236}">
+                <a16:creationId xmlns:a16="http://schemas.microsoft.com/office/drawing/2014/main" id="{F420B96F-C679-4923-B78D-16555C21E49C}"/>
+              </a:ext>
+            </a:extLst>
+          </p:cNvPr>
+          <p:cNvPicPr>
+            <a:picLocks noChangeAspect="1"/>
+          </p:cNvPicPr>
+          <p:nvPr/>
+        </p:nvPicPr>
+        <p:blipFill>
+          <a:blip r:embed="rId2"/>
+          <a:stretch>
+            <a:fillRect/>
+          </a:stretch>
+        </p:blipFill>
+        <p:spPr>
+          <a:xfrm>
+            <a:off x="718862" y="755672"/>
+            <a:ext cx="10754276" cy="5346655"/>
+          </a:xfrm>
+          <a:prstGeom prst="rect">
+            <a:avLst/>
+          </a:prstGeom>
+        </p:spPr>
+      </p:pic>
+    </p:spTree>
+    <p:extLst>
+      <p:ext uri="{BB962C8B-B14F-4D97-AF65-F5344CB8AC3E}">
+        <p14:creationId xmlns:p14="http://schemas.microsoft.com/office/powerpoint/2010/main" val="1796208675"/>
+      </p:ext>
+    </p:extLst>
+  </p:cSld>
+  <p:clrMapOvr>
+    <a:masterClrMapping/>
+  </p:clrMapOvr>
+</p:sld>
+</file>
+
 <file path=ppt/theme/theme1.xml><?xml version="1.0" encoding="utf-8"?>
 <a:theme xmlns:a="http://schemas.openxmlformats.org/drawingml/2006/main" name="Office 테마">
   <a:themeElements>

--- a/data/images.pptx
+++ b/data/images.pptx
@@ -11,6 +11,8 @@
     <p:sldId id="261" r:id="rId5"/>
     <p:sldId id="260" r:id="rId6"/>
     <p:sldId id="262" r:id="rId7"/>
+    <p:sldId id="263" r:id="rId8"/>
+    <p:sldId id="264" r:id="rId9"/>
   </p:sldIdLst>
   <p:sldSz cx="12192000" cy="6858000"/>
   <p:notesSz cx="6858000" cy="9144000"/>
@@ -6379,6 +6381,1117 @@
 </p:sld>
 </file>
 
+<file path=ppt/slides/slide7.xml><?xml version="1.0" encoding="utf-8"?>
+<p:sld xmlns:a="http://schemas.openxmlformats.org/drawingml/2006/main" xmlns:r="http://schemas.openxmlformats.org/officeDocument/2006/relationships" xmlns:p="http://schemas.openxmlformats.org/presentationml/2006/main">
+  <p:cSld>
+    <p:spTree>
+      <p:nvGrpSpPr>
+        <p:cNvPr id="1" name=""/>
+        <p:cNvGrpSpPr/>
+        <p:nvPr/>
+      </p:nvGrpSpPr>
+      <p:grpSpPr>
+        <a:xfrm>
+          <a:off x="0" y="0"/>
+          <a:ext cx="0" cy="0"/>
+          <a:chOff x="0" y="0"/>
+          <a:chExt cx="0" cy="0"/>
+        </a:xfrm>
+      </p:grpSpPr>
+      <p:sp>
+        <p:nvSpPr>
+          <p:cNvPr id="4" name="타원 3">
+            <a:extLst>
+              <a:ext uri="{FF2B5EF4-FFF2-40B4-BE49-F238E27FC236}">
+                <a16:creationId xmlns:a16="http://schemas.microsoft.com/office/drawing/2014/main" id="{789904B7-6B11-4ECF-AC3F-189D37080E8D}"/>
+              </a:ext>
+            </a:extLst>
+          </p:cNvPr>
+          <p:cNvSpPr/>
+          <p:nvPr/>
+        </p:nvSpPr>
+        <p:spPr>
+          <a:xfrm>
+            <a:off x="2681655" y="2004647"/>
+            <a:ext cx="237392" cy="237392"/>
+          </a:xfrm>
+          <a:prstGeom prst="ellipse">
+            <a:avLst/>
+          </a:prstGeom>
+          <a:noFill/>
+          <a:ln w="57150"/>
+        </p:spPr>
+        <p:style>
+          <a:lnRef idx="2">
+            <a:schemeClr val="accent1">
+              <a:shade val="50000"/>
+            </a:schemeClr>
+          </a:lnRef>
+          <a:fillRef idx="1">
+            <a:schemeClr val="accent1"/>
+          </a:fillRef>
+          <a:effectRef idx="0">
+            <a:schemeClr val="accent1"/>
+          </a:effectRef>
+          <a:fontRef idx="minor">
+            <a:schemeClr val="lt1"/>
+          </a:fontRef>
+        </p:style>
+        <p:txBody>
+          <a:bodyPr rtlCol="0" anchor="ctr"/>
+          <a:lstStyle/>
+          <a:p>
+            <a:pPr algn="ctr"/>
+            <a:endParaRPr lang="ko-KR" altLang="en-US"/>
+          </a:p>
+        </p:txBody>
+      </p:sp>
+      <p:sp>
+        <p:nvSpPr>
+          <p:cNvPr id="5" name="타원 4">
+            <a:extLst>
+              <a:ext uri="{FF2B5EF4-FFF2-40B4-BE49-F238E27FC236}">
+                <a16:creationId xmlns:a16="http://schemas.microsoft.com/office/drawing/2014/main" id="{B93F6E44-4948-47BF-B94C-2FA2F8A5E025}"/>
+              </a:ext>
+            </a:extLst>
+          </p:cNvPr>
+          <p:cNvSpPr/>
+          <p:nvPr/>
+        </p:nvSpPr>
+        <p:spPr>
+          <a:xfrm>
+            <a:off x="7076343" y="2004647"/>
+            <a:ext cx="237392" cy="237392"/>
+          </a:xfrm>
+          <a:prstGeom prst="ellipse">
+            <a:avLst/>
+          </a:prstGeom>
+          <a:noFill/>
+          <a:ln w="57150"/>
+        </p:spPr>
+        <p:style>
+          <a:lnRef idx="2">
+            <a:schemeClr val="accent1">
+              <a:shade val="50000"/>
+            </a:schemeClr>
+          </a:lnRef>
+          <a:fillRef idx="1">
+            <a:schemeClr val="accent1"/>
+          </a:fillRef>
+          <a:effectRef idx="0">
+            <a:schemeClr val="accent1"/>
+          </a:effectRef>
+          <a:fontRef idx="minor">
+            <a:schemeClr val="lt1"/>
+          </a:fontRef>
+        </p:style>
+        <p:txBody>
+          <a:bodyPr rtlCol="0" anchor="ctr"/>
+          <a:lstStyle/>
+          <a:p>
+            <a:pPr algn="ctr"/>
+            <a:endParaRPr lang="ko-KR" altLang="en-US"/>
+          </a:p>
+        </p:txBody>
+      </p:sp>
+      <p:sp>
+        <p:nvSpPr>
+          <p:cNvPr id="6" name="타원 5">
+            <a:extLst>
+              <a:ext uri="{FF2B5EF4-FFF2-40B4-BE49-F238E27FC236}">
+                <a16:creationId xmlns:a16="http://schemas.microsoft.com/office/drawing/2014/main" id="{7FD3F2AD-F3DF-4D94-90B7-D5D211D9B1BA}"/>
+              </a:ext>
+            </a:extLst>
+          </p:cNvPr>
+          <p:cNvSpPr/>
+          <p:nvPr/>
+        </p:nvSpPr>
+        <p:spPr>
+          <a:xfrm>
+            <a:off x="9818078" y="2004647"/>
+            <a:ext cx="237392" cy="237392"/>
+          </a:xfrm>
+          <a:prstGeom prst="ellipse">
+            <a:avLst/>
+          </a:prstGeom>
+          <a:noFill/>
+          <a:ln w="57150"/>
+        </p:spPr>
+        <p:style>
+          <a:lnRef idx="2">
+            <a:schemeClr val="accent1">
+              <a:shade val="50000"/>
+            </a:schemeClr>
+          </a:lnRef>
+          <a:fillRef idx="1">
+            <a:schemeClr val="accent1"/>
+          </a:fillRef>
+          <a:effectRef idx="0">
+            <a:schemeClr val="accent1"/>
+          </a:effectRef>
+          <a:fontRef idx="minor">
+            <a:schemeClr val="lt1"/>
+          </a:fontRef>
+        </p:style>
+        <p:txBody>
+          <a:bodyPr rtlCol="0" anchor="ctr"/>
+          <a:lstStyle/>
+          <a:p>
+            <a:pPr algn="ctr"/>
+            <a:endParaRPr lang="ko-KR" altLang="en-US"/>
+          </a:p>
+        </p:txBody>
+      </p:sp>
+      <p:sp>
+        <p:nvSpPr>
+          <p:cNvPr id="7" name="TextBox 6">
+            <a:extLst>
+              <a:ext uri="{FF2B5EF4-FFF2-40B4-BE49-F238E27FC236}">
+                <a16:creationId xmlns:a16="http://schemas.microsoft.com/office/drawing/2014/main" id="{359839BC-BDAF-4969-816C-C384C1DBD8C6}"/>
+              </a:ext>
+            </a:extLst>
+          </p:cNvPr>
+          <p:cNvSpPr txBox="1"/>
+          <p:nvPr/>
+        </p:nvSpPr>
+        <p:spPr>
+          <a:xfrm>
+            <a:off x="2145324" y="1305615"/>
+            <a:ext cx="1310054" cy="646331"/>
+          </a:xfrm>
+          <a:prstGeom prst="rect">
+            <a:avLst/>
+          </a:prstGeom>
+          <a:noFill/>
+        </p:spPr>
+        <p:txBody>
+          <a:bodyPr wrap="square" rtlCol="0">
+            <a:spAutoFit/>
+          </a:bodyPr>
+          <a:lstStyle/>
+          <a:p>
+            <a:pPr algn="ctr"/>
+            <a:r>
+              <a:rPr lang="ko-KR" altLang="en-US" dirty="0"/>
+              <a:t>최초 </a:t>
+            </a:r>
+            <a:r>
+              <a:rPr lang="en-US" altLang="ko-KR" dirty="0"/>
+              <a:t>commit</a:t>
+            </a:r>
+            <a:endParaRPr lang="ko-KR" altLang="en-US" dirty="0"/>
+          </a:p>
+        </p:txBody>
+      </p:sp>
+      <p:sp>
+        <p:nvSpPr>
+          <p:cNvPr id="8" name="TextBox 7">
+            <a:extLst>
+              <a:ext uri="{FF2B5EF4-FFF2-40B4-BE49-F238E27FC236}">
+                <a16:creationId xmlns:a16="http://schemas.microsoft.com/office/drawing/2014/main" id="{83F55D79-F461-4CB2-AE65-46CB4073CB2B}"/>
+              </a:ext>
+            </a:extLst>
+          </p:cNvPr>
+          <p:cNvSpPr txBox="1"/>
+          <p:nvPr/>
+        </p:nvSpPr>
+        <p:spPr>
+          <a:xfrm>
+            <a:off x="6540012" y="1305615"/>
+            <a:ext cx="1310054" cy="646331"/>
+          </a:xfrm>
+          <a:prstGeom prst="rect">
+            <a:avLst/>
+          </a:prstGeom>
+          <a:noFill/>
+        </p:spPr>
+        <p:txBody>
+          <a:bodyPr wrap="square" rtlCol="0">
+            <a:spAutoFit/>
+          </a:bodyPr>
+          <a:lstStyle/>
+          <a:p>
+            <a:pPr algn="ctr"/>
+            <a:r>
+              <a:rPr lang="ko-KR" altLang="en-US" dirty="0"/>
+              <a:t>다음 </a:t>
+            </a:r>
+            <a:r>
+              <a:rPr lang="en-US" altLang="ko-KR" dirty="0"/>
+              <a:t>commit</a:t>
+            </a:r>
+            <a:endParaRPr lang="ko-KR" altLang="en-US" dirty="0"/>
+          </a:p>
+        </p:txBody>
+      </p:sp>
+      <p:sp>
+        <p:nvSpPr>
+          <p:cNvPr id="9" name="TextBox 8">
+            <a:extLst>
+              <a:ext uri="{FF2B5EF4-FFF2-40B4-BE49-F238E27FC236}">
+                <a16:creationId xmlns:a16="http://schemas.microsoft.com/office/drawing/2014/main" id="{5DBB64CD-6DB9-4F25-8717-686481E6BFAD}"/>
+              </a:ext>
+            </a:extLst>
+          </p:cNvPr>
+          <p:cNvSpPr txBox="1"/>
+          <p:nvPr/>
+        </p:nvSpPr>
+        <p:spPr>
+          <a:xfrm>
+            <a:off x="9139605" y="1331890"/>
+            <a:ext cx="1594338" cy="646331"/>
+          </a:xfrm>
+          <a:prstGeom prst="rect">
+            <a:avLst/>
+          </a:prstGeom>
+          <a:noFill/>
+        </p:spPr>
+        <p:txBody>
+          <a:bodyPr wrap="square" rtlCol="0">
+            <a:spAutoFit/>
+          </a:bodyPr>
+          <a:lstStyle/>
+          <a:p>
+            <a:pPr algn="ctr"/>
+            <a:r>
+              <a:rPr lang="ko-KR" altLang="en-US" dirty="0"/>
+              <a:t>그 다음 </a:t>
+            </a:r>
+            <a:r>
+              <a:rPr lang="en-US" altLang="ko-KR" dirty="0"/>
+              <a:t>commit</a:t>
+            </a:r>
+            <a:endParaRPr lang="ko-KR" altLang="en-US" dirty="0"/>
+          </a:p>
+        </p:txBody>
+      </p:sp>
+      <p:cxnSp>
+        <p:nvCxnSpPr>
+          <p:cNvPr id="11" name="직선 화살표 연결선 10">
+            <a:extLst>
+              <a:ext uri="{FF2B5EF4-FFF2-40B4-BE49-F238E27FC236}">
+                <a16:creationId xmlns:a16="http://schemas.microsoft.com/office/drawing/2014/main" id="{C147898D-2F15-491A-B25E-C701FC2CE991}"/>
+              </a:ext>
+            </a:extLst>
+          </p:cNvPr>
+          <p:cNvCxnSpPr>
+            <a:stCxn id="4" idx="6"/>
+            <a:endCxn id="5" idx="2"/>
+          </p:cNvCxnSpPr>
+          <p:nvPr/>
+        </p:nvCxnSpPr>
+        <p:spPr>
+          <a:xfrm>
+            <a:off x="2919047" y="2123343"/>
+            <a:ext cx="4157296" cy="0"/>
+          </a:xfrm>
+          <a:prstGeom prst="straightConnector1">
+            <a:avLst/>
+          </a:prstGeom>
+          <a:ln w="57150">
+            <a:solidFill>
+              <a:srgbClr val="2F528F"/>
+            </a:solidFill>
+            <a:tailEnd type="triangle"/>
+          </a:ln>
+        </p:spPr>
+        <p:style>
+          <a:lnRef idx="1">
+            <a:schemeClr val="accent1"/>
+          </a:lnRef>
+          <a:fillRef idx="0">
+            <a:schemeClr val="accent1"/>
+          </a:fillRef>
+          <a:effectRef idx="0">
+            <a:schemeClr val="accent1"/>
+          </a:effectRef>
+          <a:fontRef idx="minor">
+            <a:schemeClr val="tx1"/>
+          </a:fontRef>
+        </p:style>
+      </p:cxnSp>
+      <p:cxnSp>
+        <p:nvCxnSpPr>
+          <p:cNvPr id="12" name="직선 화살표 연결선 11">
+            <a:extLst>
+              <a:ext uri="{FF2B5EF4-FFF2-40B4-BE49-F238E27FC236}">
+                <a16:creationId xmlns:a16="http://schemas.microsoft.com/office/drawing/2014/main" id="{630918F4-B5E8-41D5-82D3-69A551C8EA8A}"/>
+              </a:ext>
+            </a:extLst>
+          </p:cNvPr>
+          <p:cNvCxnSpPr>
+            <a:cxnSpLocks/>
+            <a:stCxn id="5" idx="6"/>
+            <a:endCxn id="6" idx="2"/>
+          </p:cNvCxnSpPr>
+          <p:nvPr/>
+        </p:nvCxnSpPr>
+        <p:spPr>
+          <a:xfrm>
+            <a:off x="7313735" y="2123343"/>
+            <a:ext cx="2504343" cy="0"/>
+          </a:xfrm>
+          <a:prstGeom prst="straightConnector1">
+            <a:avLst/>
+          </a:prstGeom>
+          <a:ln w="57150">
+            <a:solidFill>
+              <a:srgbClr val="2F528F"/>
+            </a:solidFill>
+            <a:tailEnd type="triangle"/>
+          </a:ln>
+        </p:spPr>
+        <p:style>
+          <a:lnRef idx="1">
+            <a:schemeClr val="accent1"/>
+          </a:lnRef>
+          <a:fillRef idx="0">
+            <a:schemeClr val="accent1"/>
+          </a:fillRef>
+          <a:effectRef idx="0">
+            <a:schemeClr val="accent1"/>
+          </a:effectRef>
+          <a:fontRef idx="minor">
+            <a:schemeClr val="tx1"/>
+          </a:fontRef>
+        </p:style>
+      </p:cxnSp>
+      <p:sp>
+        <p:nvSpPr>
+          <p:cNvPr id="19" name="사각형: 잘린 한쪽 모서리 18">
+            <a:extLst>
+              <a:ext uri="{FF2B5EF4-FFF2-40B4-BE49-F238E27FC236}">
+                <a16:creationId xmlns:a16="http://schemas.microsoft.com/office/drawing/2014/main" id="{CEE977B4-95D8-42D9-803E-73F09B3B87A2}"/>
+              </a:ext>
+            </a:extLst>
+          </p:cNvPr>
+          <p:cNvSpPr/>
+          <p:nvPr/>
+        </p:nvSpPr>
+        <p:spPr>
+          <a:xfrm>
+            <a:off x="2224455" y="2690447"/>
+            <a:ext cx="1151792" cy="923191"/>
+          </a:xfrm>
+          <a:prstGeom prst="snip1Rect">
+            <a:avLst>
+              <a:gd name="adj" fmla="val 31929"/>
+            </a:avLst>
+          </a:prstGeom>
+          <a:noFill/>
+          <a:ln w="57150"/>
+        </p:spPr>
+        <p:style>
+          <a:lnRef idx="2">
+            <a:schemeClr val="accent1">
+              <a:shade val="50000"/>
+            </a:schemeClr>
+          </a:lnRef>
+          <a:fillRef idx="1">
+            <a:schemeClr val="accent1"/>
+          </a:fillRef>
+          <a:effectRef idx="0">
+            <a:schemeClr val="accent1"/>
+          </a:effectRef>
+          <a:fontRef idx="minor">
+            <a:schemeClr val="lt1"/>
+          </a:fontRef>
+        </p:style>
+        <p:txBody>
+          <a:bodyPr rtlCol="0" anchor="ctr"/>
+          <a:lstStyle/>
+          <a:p>
+            <a:pPr algn="ctr"/>
+            <a:endParaRPr lang="ko-KR" altLang="en-US"/>
+          </a:p>
+        </p:txBody>
+      </p:sp>
+      <p:sp>
+        <p:nvSpPr>
+          <p:cNvPr id="20" name="TextBox 19">
+            <a:extLst>
+              <a:ext uri="{FF2B5EF4-FFF2-40B4-BE49-F238E27FC236}">
+                <a16:creationId xmlns:a16="http://schemas.microsoft.com/office/drawing/2014/main" id="{4E04EE78-93AB-4FB9-8873-632A7D1C3A54}"/>
+              </a:ext>
+            </a:extLst>
+          </p:cNvPr>
+          <p:cNvSpPr txBox="1"/>
+          <p:nvPr/>
+        </p:nvSpPr>
+        <p:spPr>
+          <a:xfrm>
+            <a:off x="2272716" y="2822250"/>
+            <a:ext cx="646331" cy="369332"/>
+          </a:xfrm>
+          <a:prstGeom prst="rect">
+            <a:avLst/>
+          </a:prstGeom>
+          <a:noFill/>
+        </p:spPr>
+        <p:txBody>
+          <a:bodyPr wrap="none" rtlCol="0">
+            <a:spAutoFit/>
+          </a:bodyPr>
+          <a:lstStyle/>
+          <a:p>
+            <a:r>
+              <a:rPr lang="ko-KR" altLang="en-US" dirty="0"/>
+              <a:t>안녕</a:t>
+            </a:r>
+          </a:p>
+        </p:txBody>
+      </p:sp>
+      <p:sp>
+        <p:nvSpPr>
+          <p:cNvPr id="22" name="사각형: 잘린 한쪽 모서리 21">
+            <a:extLst>
+              <a:ext uri="{FF2B5EF4-FFF2-40B4-BE49-F238E27FC236}">
+                <a16:creationId xmlns:a16="http://schemas.microsoft.com/office/drawing/2014/main" id="{B58C9BD7-8263-4FAB-897E-6ADC982E1F4D}"/>
+              </a:ext>
+            </a:extLst>
+          </p:cNvPr>
+          <p:cNvSpPr/>
+          <p:nvPr/>
+        </p:nvSpPr>
+        <p:spPr>
+          <a:xfrm>
+            <a:off x="4425465" y="2690447"/>
+            <a:ext cx="1151792" cy="923191"/>
+          </a:xfrm>
+          <a:prstGeom prst="snip1Rect">
+            <a:avLst>
+              <a:gd name="adj" fmla="val 31929"/>
+            </a:avLst>
+          </a:prstGeom>
+          <a:noFill/>
+          <a:ln w="57150"/>
+        </p:spPr>
+        <p:style>
+          <a:lnRef idx="2">
+            <a:schemeClr val="accent1">
+              <a:shade val="50000"/>
+            </a:schemeClr>
+          </a:lnRef>
+          <a:fillRef idx="1">
+            <a:schemeClr val="accent1"/>
+          </a:fillRef>
+          <a:effectRef idx="0">
+            <a:schemeClr val="accent1"/>
+          </a:effectRef>
+          <a:fontRef idx="minor">
+            <a:schemeClr val="lt1"/>
+          </a:fontRef>
+        </p:style>
+        <p:txBody>
+          <a:bodyPr rtlCol="0" anchor="ctr"/>
+          <a:lstStyle/>
+          <a:p>
+            <a:pPr algn="ctr"/>
+            <a:endParaRPr lang="ko-KR" altLang="en-US"/>
+          </a:p>
+        </p:txBody>
+      </p:sp>
+      <p:sp>
+        <p:nvSpPr>
+          <p:cNvPr id="23" name="TextBox 22">
+            <a:extLst>
+              <a:ext uri="{FF2B5EF4-FFF2-40B4-BE49-F238E27FC236}">
+                <a16:creationId xmlns:a16="http://schemas.microsoft.com/office/drawing/2014/main" id="{0F12CFF0-C66B-41D3-9AFE-62CDAECCBE47}"/>
+              </a:ext>
+            </a:extLst>
+          </p:cNvPr>
+          <p:cNvSpPr txBox="1"/>
+          <p:nvPr/>
+        </p:nvSpPr>
+        <p:spPr>
+          <a:xfrm>
+            <a:off x="4473726" y="2822250"/>
+            <a:ext cx="877163" cy="646331"/>
+          </a:xfrm>
+          <a:prstGeom prst="rect">
+            <a:avLst/>
+          </a:prstGeom>
+          <a:noFill/>
+        </p:spPr>
+        <p:txBody>
+          <a:bodyPr wrap="none" rtlCol="0">
+            <a:spAutoFit/>
+          </a:bodyPr>
+          <a:lstStyle/>
+          <a:p>
+            <a:r>
+              <a:rPr lang="ko-KR" altLang="en-US" dirty="0"/>
+              <a:t>안녕</a:t>
+            </a:r>
+            <a:endParaRPr lang="en-US" altLang="ko-KR" dirty="0"/>
+          </a:p>
+          <a:p>
+            <a:r>
+              <a:rPr lang="ko-KR" altLang="en-US" dirty="0"/>
+              <a:t>뭐하니</a:t>
+            </a:r>
+          </a:p>
+        </p:txBody>
+      </p:sp>
+      <p:cxnSp>
+        <p:nvCxnSpPr>
+          <p:cNvPr id="24" name="직선 화살표 연결선 23">
+            <a:extLst>
+              <a:ext uri="{FF2B5EF4-FFF2-40B4-BE49-F238E27FC236}">
+                <a16:creationId xmlns:a16="http://schemas.microsoft.com/office/drawing/2014/main" id="{683E0925-61EF-4CFE-BFD8-A4EA263D77CC}"/>
+              </a:ext>
+            </a:extLst>
+          </p:cNvPr>
+          <p:cNvCxnSpPr>
+            <a:cxnSpLocks/>
+            <a:stCxn id="19" idx="0"/>
+            <a:endCxn id="22" idx="2"/>
+          </p:cNvCxnSpPr>
+          <p:nvPr/>
+        </p:nvCxnSpPr>
+        <p:spPr>
+          <a:xfrm>
+            <a:off x="3376247" y="3152043"/>
+            <a:ext cx="1049218" cy="0"/>
+          </a:xfrm>
+          <a:prstGeom prst="straightConnector1">
+            <a:avLst/>
+          </a:prstGeom>
+          <a:ln w="57150">
+            <a:solidFill>
+              <a:srgbClr val="2F528F"/>
+            </a:solidFill>
+            <a:tailEnd type="triangle"/>
+          </a:ln>
+        </p:spPr>
+        <p:style>
+          <a:lnRef idx="1">
+            <a:schemeClr val="accent1"/>
+          </a:lnRef>
+          <a:fillRef idx="0">
+            <a:schemeClr val="accent1"/>
+          </a:fillRef>
+          <a:effectRef idx="0">
+            <a:schemeClr val="accent1"/>
+          </a:effectRef>
+          <a:fontRef idx="minor">
+            <a:schemeClr val="tx1"/>
+          </a:fontRef>
+        </p:style>
+      </p:cxnSp>
+      <p:sp>
+        <p:nvSpPr>
+          <p:cNvPr id="27" name="TextBox 26">
+            <a:extLst>
+              <a:ext uri="{FF2B5EF4-FFF2-40B4-BE49-F238E27FC236}">
+                <a16:creationId xmlns:a16="http://schemas.microsoft.com/office/drawing/2014/main" id="{0CF4562D-C883-44C2-B1E0-1B5D09DD3D46}"/>
+              </a:ext>
+            </a:extLst>
+          </p:cNvPr>
+          <p:cNvSpPr txBox="1"/>
+          <p:nvPr/>
+        </p:nvSpPr>
+        <p:spPr>
+          <a:xfrm>
+            <a:off x="3552766" y="2736579"/>
+            <a:ext cx="646331" cy="369332"/>
+          </a:xfrm>
+          <a:prstGeom prst="rect">
+            <a:avLst/>
+          </a:prstGeom>
+          <a:noFill/>
+        </p:spPr>
+        <p:txBody>
+          <a:bodyPr wrap="none" rtlCol="0">
+            <a:spAutoFit/>
+          </a:bodyPr>
+          <a:lstStyle/>
+          <a:p>
+            <a:r>
+              <a:rPr lang="ko-KR" altLang="en-US" dirty="0"/>
+              <a:t>변경</a:t>
+            </a:r>
+          </a:p>
+        </p:txBody>
+      </p:sp>
+      <p:sp>
+        <p:nvSpPr>
+          <p:cNvPr id="28" name="TextBox 27">
+            <a:extLst>
+              <a:ext uri="{FF2B5EF4-FFF2-40B4-BE49-F238E27FC236}">
+                <a16:creationId xmlns:a16="http://schemas.microsoft.com/office/drawing/2014/main" id="{B5EC3C2C-8E77-4F24-9D3F-6BE7E64E0042}"/>
+              </a:ext>
+            </a:extLst>
+          </p:cNvPr>
+          <p:cNvSpPr txBox="1"/>
+          <p:nvPr/>
+        </p:nvSpPr>
+        <p:spPr>
+          <a:xfrm>
+            <a:off x="4317432" y="2255147"/>
+            <a:ext cx="1189749" cy="369332"/>
+          </a:xfrm>
+          <a:prstGeom prst="rect">
+            <a:avLst/>
+          </a:prstGeom>
+          <a:noFill/>
+        </p:spPr>
+        <p:txBody>
+          <a:bodyPr wrap="none" rtlCol="0">
+            <a:spAutoFit/>
+          </a:bodyPr>
+          <a:lstStyle/>
+          <a:p>
+            <a:r>
+              <a:rPr lang="ko-KR" altLang="en-US" dirty="0"/>
+              <a:t>파일 저장</a:t>
+            </a:r>
+          </a:p>
+        </p:txBody>
+      </p:sp>
+      <p:sp>
+        <p:nvSpPr>
+          <p:cNvPr id="29" name="TextBox 28">
+            <a:extLst>
+              <a:ext uri="{FF2B5EF4-FFF2-40B4-BE49-F238E27FC236}">
+                <a16:creationId xmlns:a16="http://schemas.microsoft.com/office/drawing/2014/main" id="{503DA587-69BF-4C07-BE0F-BD0402BB7DA6}"/>
+              </a:ext>
+            </a:extLst>
+          </p:cNvPr>
+          <p:cNvSpPr txBox="1"/>
+          <p:nvPr/>
+        </p:nvSpPr>
+        <p:spPr>
+          <a:xfrm>
+            <a:off x="2157986" y="3662049"/>
+            <a:ext cx="1047338" cy="369332"/>
+          </a:xfrm>
+          <a:prstGeom prst="rect">
+            <a:avLst/>
+          </a:prstGeom>
+          <a:noFill/>
+        </p:spPr>
+        <p:txBody>
+          <a:bodyPr wrap="none" rtlCol="0">
+            <a:spAutoFit/>
+          </a:bodyPr>
+          <a:lstStyle/>
+          <a:p>
+            <a:r>
+              <a:rPr lang="en-US" altLang="ko-KR" dirty="0"/>
+              <a:t>Hello.txt</a:t>
+            </a:r>
+            <a:endParaRPr lang="ko-KR" altLang="en-US" dirty="0"/>
+          </a:p>
+        </p:txBody>
+      </p:sp>
+      <p:sp>
+        <p:nvSpPr>
+          <p:cNvPr id="30" name="TextBox 29">
+            <a:extLst>
+              <a:ext uri="{FF2B5EF4-FFF2-40B4-BE49-F238E27FC236}">
+                <a16:creationId xmlns:a16="http://schemas.microsoft.com/office/drawing/2014/main" id="{D8D5309F-CF7C-4F69-B7EF-BFDE0CFEB41F}"/>
+              </a:ext>
+            </a:extLst>
+          </p:cNvPr>
+          <p:cNvSpPr txBox="1"/>
+          <p:nvPr/>
+        </p:nvSpPr>
+        <p:spPr>
+          <a:xfrm>
+            <a:off x="4317432" y="3679606"/>
+            <a:ext cx="1047338" cy="369332"/>
+          </a:xfrm>
+          <a:prstGeom prst="rect">
+            <a:avLst/>
+          </a:prstGeom>
+          <a:noFill/>
+        </p:spPr>
+        <p:txBody>
+          <a:bodyPr wrap="none" rtlCol="0">
+            <a:spAutoFit/>
+          </a:bodyPr>
+          <a:lstStyle/>
+          <a:p>
+            <a:r>
+              <a:rPr lang="en-US" altLang="ko-KR" dirty="0"/>
+              <a:t>Hello.txt</a:t>
+            </a:r>
+            <a:endParaRPr lang="ko-KR" altLang="en-US" dirty="0"/>
+          </a:p>
+        </p:txBody>
+      </p:sp>
+      <p:sp>
+        <p:nvSpPr>
+          <p:cNvPr id="32" name="원통형 31">
+            <a:extLst>
+              <a:ext uri="{FF2B5EF4-FFF2-40B4-BE49-F238E27FC236}">
+                <a16:creationId xmlns:a16="http://schemas.microsoft.com/office/drawing/2014/main" id="{6345733C-D8DF-45EE-B974-2A9A03CA9198}"/>
+              </a:ext>
+            </a:extLst>
+          </p:cNvPr>
+          <p:cNvSpPr/>
+          <p:nvPr/>
+        </p:nvSpPr>
+        <p:spPr>
+          <a:xfrm>
+            <a:off x="6188319" y="2624478"/>
+            <a:ext cx="2146789" cy="2519021"/>
+          </a:xfrm>
+          <a:prstGeom prst="can">
+            <a:avLst>
+              <a:gd name="adj" fmla="val 14761"/>
+            </a:avLst>
+          </a:prstGeom>
+          <a:solidFill>
+            <a:schemeClr val="bg1"/>
+          </a:solidFill>
+          <a:ln w="57150"/>
+        </p:spPr>
+        <p:style>
+          <a:lnRef idx="2">
+            <a:schemeClr val="accent1">
+              <a:shade val="50000"/>
+            </a:schemeClr>
+          </a:lnRef>
+          <a:fillRef idx="1">
+            <a:schemeClr val="accent1"/>
+          </a:fillRef>
+          <a:effectRef idx="0">
+            <a:schemeClr val="accent1"/>
+          </a:effectRef>
+          <a:fontRef idx="minor">
+            <a:schemeClr val="lt1"/>
+          </a:fontRef>
+        </p:style>
+        <p:txBody>
+          <a:bodyPr rtlCol="0" anchor="ctr"/>
+          <a:lstStyle/>
+          <a:p>
+            <a:r>
+              <a:rPr lang="en-US" altLang="ko-KR" dirty="0">
+                <a:solidFill>
+                  <a:schemeClr val="tx1"/>
+                </a:solidFill>
+              </a:rPr>
+              <a:t>Hello.txt</a:t>
+            </a:r>
+            <a:r>
+              <a:rPr lang="ko-KR" altLang="en-US" dirty="0">
+                <a:solidFill>
+                  <a:schemeClr val="tx1"/>
+                </a:solidFill>
+              </a:rPr>
+              <a:t>는 </a:t>
+            </a:r>
+            <a:r>
+              <a:rPr lang="ko-KR" altLang="en-US" dirty="0" err="1">
+                <a:solidFill>
+                  <a:schemeClr val="tx1"/>
+                </a:solidFill>
+              </a:rPr>
+              <a:t>뭐하니가</a:t>
+            </a:r>
+            <a:r>
+              <a:rPr lang="ko-KR" altLang="en-US" dirty="0">
+                <a:solidFill>
+                  <a:schemeClr val="tx1"/>
+                </a:solidFill>
+              </a:rPr>
+              <a:t> 달라졌음</a:t>
+            </a:r>
+            <a:r>
+              <a:rPr lang="en-US" altLang="ko-KR" dirty="0">
+                <a:solidFill>
+                  <a:schemeClr val="tx1"/>
+                </a:solidFill>
+              </a:rPr>
+              <a:t>.</a:t>
+            </a:r>
+          </a:p>
+          <a:p>
+            <a:endParaRPr lang="en-US" altLang="ko-KR" sz="400" dirty="0">
+              <a:solidFill>
+                <a:schemeClr val="tx1"/>
+              </a:solidFill>
+            </a:endParaRPr>
+          </a:p>
+          <a:p>
+            <a:r>
+              <a:rPr lang="en-US" altLang="ko-KR" dirty="0">
+                <a:solidFill>
+                  <a:schemeClr val="tx1"/>
+                </a:solidFill>
+              </a:rPr>
+              <a:t>Olleh.txt </a:t>
+            </a:r>
+            <a:r>
+              <a:rPr lang="ko-KR" altLang="en-US" dirty="0">
+                <a:solidFill>
+                  <a:schemeClr val="tx1"/>
+                </a:solidFill>
+              </a:rPr>
+              <a:t>라는 파일이 새로 생겼음</a:t>
+            </a:r>
+            <a:r>
+              <a:rPr lang="en-US" altLang="ko-KR" dirty="0">
+                <a:solidFill>
+                  <a:schemeClr val="tx1"/>
+                </a:solidFill>
+              </a:rPr>
+              <a:t>.</a:t>
+            </a:r>
+          </a:p>
+          <a:p>
+            <a:endParaRPr lang="en-US" altLang="ko-KR" sz="400" dirty="0">
+              <a:solidFill>
+                <a:schemeClr val="tx1"/>
+              </a:solidFill>
+            </a:endParaRPr>
+          </a:p>
+          <a:p>
+            <a:r>
+              <a:rPr lang="en-US" altLang="ko-KR" dirty="0">
+                <a:solidFill>
+                  <a:schemeClr val="tx1"/>
+                </a:solidFill>
+              </a:rPr>
+              <a:t>Olleh.txt</a:t>
+            </a:r>
+            <a:r>
+              <a:rPr lang="ko-KR" altLang="en-US" dirty="0">
+                <a:solidFill>
+                  <a:schemeClr val="tx1"/>
+                </a:solidFill>
+              </a:rPr>
+              <a:t>는 </a:t>
+            </a:r>
+            <a:r>
+              <a:rPr lang="ko-KR" altLang="en-US" dirty="0" err="1">
+                <a:solidFill>
+                  <a:schemeClr val="tx1"/>
+                </a:solidFill>
+              </a:rPr>
+              <a:t>신난다라고</a:t>
+            </a:r>
+            <a:r>
+              <a:rPr lang="ko-KR" altLang="en-US" dirty="0">
+                <a:solidFill>
+                  <a:schemeClr val="tx1"/>
+                </a:solidFill>
+              </a:rPr>
+              <a:t> 되어 있음</a:t>
+            </a:r>
+            <a:r>
+              <a:rPr lang="en-US" altLang="ko-KR" dirty="0">
+                <a:solidFill>
+                  <a:schemeClr val="tx1"/>
+                </a:solidFill>
+              </a:rPr>
+              <a:t>.</a:t>
+            </a:r>
+            <a:endParaRPr lang="ko-KR" altLang="en-US" dirty="0">
+              <a:solidFill>
+                <a:schemeClr val="tx1"/>
+              </a:solidFill>
+            </a:endParaRPr>
+          </a:p>
+        </p:txBody>
+      </p:sp>
+      <p:sp>
+        <p:nvSpPr>
+          <p:cNvPr id="35" name="사각형: 잘린 한쪽 모서리 34">
+            <a:extLst>
+              <a:ext uri="{FF2B5EF4-FFF2-40B4-BE49-F238E27FC236}">
+                <a16:creationId xmlns:a16="http://schemas.microsoft.com/office/drawing/2014/main" id="{CEFD1B04-0B45-4874-936A-E037AC2CCC8B}"/>
+              </a:ext>
+            </a:extLst>
+          </p:cNvPr>
+          <p:cNvSpPr/>
+          <p:nvPr/>
+        </p:nvSpPr>
+        <p:spPr>
+          <a:xfrm>
+            <a:off x="4418135" y="4123590"/>
+            <a:ext cx="1151792" cy="923191"/>
+          </a:xfrm>
+          <a:prstGeom prst="snip1Rect">
+            <a:avLst>
+              <a:gd name="adj" fmla="val 31929"/>
+            </a:avLst>
+          </a:prstGeom>
+          <a:noFill/>
+          <a:ln w="57150"/>
+        </p:spPr>
+        <p:style>
+          <a:lnRef idx="2">
+            <a:schemeClr val="accent1">
+              <a:shade val="50000"/>
+            </a:schemeClr>
+          </a:lnRef>
+          <a:fillRef idx="1">
+            <a:schemeClr val="accent1"/>
+          </a:fillRef>
+          <a:effectRef idx="0">
+            <a:schemeClr val="accent1"/>
+          </a:effectRef>
+          <a:fontRef idx="minor">
+            <a:schemeClr val="lt1"/>
+          </a:fontRef>
+        </p:style>
+        <p:txBody>
+          <a:bodyPr rtlCol="0" anchor="ctr"/>
+          <a:lstStyle/>
+          <a:p>
+            <a:pPr algn="ctr"/>
+            <a:endParaRPr lang="ko-KR" altLang="en-US"/>
+          </a:p>
+        </p:txBody>
+      </p:sp>
+      <p:sp>
+        <p:nvSpPr>
+          <p:cNvPr id="36" name="TextBox 35">
+            <a:extLst>
+              <a:ext uri="{FF2B5EF4-FFF2-40B4-BE49-F238E27FC236}">
+                <a16:creationId xmlns:a16="http://schemas.microsoft.com/office/drawing/2014/main" id="{D6BBCAAF-010D-44D0-899B-01F4D184119C}"/>
+              </a:ext>
+            </a:extLst>
+          </p:cNvPr>
+          <p:cNvSpPr txBox="1"/>
+          <p:nvPr/>
+        </p:nvSpPr>
+        <p:spPr>
+          <a:xfrm>
+            <a:off x="4331257" y="5121433"/>
+            <a:ext cx="1053750" cy="369332"/>
+          </a:xfrm>
+          <a:prstGeom prst="rect">
+            <a:avLst/>
+          </a:prstGeom>
+          <a:noFill/>
+        </p:spPr>
+        <p:txBody>
+          <a:bodyPr wrap="none" rtlCol="0">
+            <a:spAutoFit/>
+          </a:bodyPr>
+          <a:lstStyle/>
+          <a:p>
+            <a:r>
+              <a:rPr lang="en-US" altLang="ko-KR" dirty="0"/>
+              <a:t>Olleh.txt</a:t>
+            </a:r>
+            <a:endParaRPr lang="ko-KR" altLang="en-US" dirty="0"/>
+          </a:p>
+        </p:txBody>
+      </p:sp>
+      <p:sp>
+        <p:nvSpPr>
+          <p:cNvPr id="37" name="TextBox 36">
+            <a:extLst>
+              <a:ext uri="{FF2B5EF4-FFF2-40B4-BE49-F238E27FC236}">
+                <a16:creationId xmlns:a16="http://schemas.microsoft.com/office/drawing/2014/main" id="{1CFB35B6-CA71-4BB3-80A3-384632452338}"/>
+              </a:ext>
+            </a:extLst>
+          </p:cNvPr>
+          <p:cNvSpPr txBox="1"/>
+          <p:nvPr/>
+        </p:nvSpPr>
+        <p:spPr>
+          <a:xfrm>
+            <a:off x="4473593" y="4262018"/>
+            <a:ext cx="877163" cy="369332"/>
+          </a:xfrm>
+          <a:prstGeom prst="rect">
+            <a:avLst/>
+          </a:prstGeom>
+          <a:noFill/>
+        </p:spPr>
+        <p:txBody>
+          <a:bodyPr wrap="none" rtlCol="0">
+            <a:spAutoFit/>
+          </a:bodyPr>
+          <a:lstStyle/>
+          <a:p>
+            <a:r>
+              <a:rPr lang="ko-KR" altLang="en-US" dirty="0"/>
+              <a:t>신난다</a:t>
+            </a:r>
+          </a:p>
+        </p:txBody>
+      </p:sp>
+    </p:spTree>
+    <p:extLst>
+      <p:ext uri="{BB962C8B-B14F-4D97-AF65-F5344CB8AC3E}">
+        <p14:creationId xmlns:p14="http://schemas.microsoft.com/office/powerpoint/2010/main" val="2829638421"/>
+      </p:ext>
+    </p:extLst>
+  </p:cSld>
+  <p:clrMapOvr>
+    <a:masterClrMapping/>
+  </p:clrMapOvr>
+</p:sld>
+</file>
+
+<file path=ppt/slides/slide8.xml><?xml version="1.0" encoding="utf-8"?>
+<p:sld xmlns:a="http://schemas.openxmlformats.org/drawingml/2006/main" xmlns:r="http://schemas.openxmlformats.org/officeDocument/2006/relationships" xmlns:p="http://schemas.openxmlformats.org/presentationml/2006/main">
+  <p:cSld>
+    <p:spTree>
+      <p:nvGrpSpPr>
+        <p:cNvPr id="1" name=""/>
+        <p:cNvGrpSpPr/>
+        <p:nvPr/>
+      </p:nvGrpSpPr>
+      <p:grpSpPr>
+        <a:xfrm>
+          <a:off x="0" y="0"/>
+          <a:ext cx="0" cy="0"/>
+          <a:chOff x="0" y="0"/>
+          <a:chExt cx="0" cy="0"/>
+        </a:xfrm>
+      </p:grpSpPr>
+      <p:pic>
+        <p:nvPicPr>
+          <p:cNvPr id="4" name="그림 3">
+            <a:extLst>
+              <a:ext uri="{FF2B5EF4-FFF2-40B4-BE49-F238E27FC236}">
+                <a16:creationId xmlns:a16="http://schemas.microsoft.com/office/drawing/2014/main" id="{0569464E-7F0C-4C60-9BFA-911920F37B78}"/>
+              </a:ext>
+            </a:extLst>
+          </p:cNvPr>
+          <p:cNvPicPr>
+            <a:picLocks noChangeAspect="1"/>
+          </p:cNvPicPr>
+          <p:nvPr/>
+        </p:nvPicPr>
+        <p:blipFill>
+          <a:blip r:embed="rId2"/>
+          <a:stretch>
+            <a:fillRect/>
+          </a:stretch>
+        </p:blipFill>
+        <p:spPr>
+          <a:xfrm>
+            <a:off x="1782706" y="1273877"/>
+            <a:ext cx="8626588" cy="4310246"/>
+          </a:xfrm>
+          <a:prstGeom prst="rect">
+            <a:avLst/>
+          </a:prstGeom>
+        </p:spPr>
+      </p:pic>
+    </p:spTree>
+    <p:extLst>
+      <p:ext uri="{BB962C8B-B14F-4D97-AF65-F5344CB8AC3E}">
+        <p14:creationId xmlns:p14="http://schemas.microsoft.com/office/powerpoint/2010/main" val="1529762586"/>
+      </p:ext>
+    </p:extLst>
+  </p:cSld>
+  <p:clrMapOvr>
+    <a:masterClrMapping/>
+  </p:clrMapOvr>
+</p:sld>
+</file>
+
 <file path=ppt/theme/theme1.xml><?xml version="1.0" encoding="utf-8"?>
 <a:theme xmlns:a="http://schemas.openxmlformats.org/drawingml/2006/main" name="Office 테마">
   <a:themeElements>

--- a/data/images.pptx
+++ b/data/images.pptx
@@ -6770,8 +6770,8 @@
         </p:nvSpPr>
         <p:spPr>
           <a:xfrm>
-            <a:off x="2224455" y="2690447"/>
-            <a:ext cx="1151792" cy="923191"/>
+            <a:off x="2224455" y="2690448"/>
+            <a:ext cx="1151792" cy="691188"/>
           </a:xfrm>
           <a:prstGeom prst="snip1Rect">
             <a:avLst>
@@ -6802,7 +6802,7 @@
           <a:lstStyle/>
           <a:p>
             <a:pPr algn="ctr"/>
-            <a:endParaRPr lang="ko-KR" altLang="en-US"/>
+            <a:endParaRPr lang="ko-KR" altLang="en-US" sz="1400"/>
           </a:p>
         </p:txBody>
       </p:sp>
@@ -6821,7 +6821,7 @@
         <p:spPr>
           <a:xfrm>
             <a:off x="2272716" y="2822250"/>
-            <a:ext cx="646331" cy="369332"/>
+            <a:ext cx="543739" cy="307777"/>
           </a:xfrm>
           <a:prstGeom prst="rect">
             <a:avLst/>
@@ -6835,7 +6835,7 @@
           <a:lstStyle/>
           <a:p>
             <a:r>
-              <a:rPr lang="ko-KR" altLang="en-US" dirty="0"/>
+              <a:rPr lang="ko-KR" altLang="en-US" sz="1400" dirty="0"/>
               <a:t>안녕</a:t>
             </a:r>
           </a:p>
@@ -6855,8 +6855,8 @@
         </p:nvSpPr>
         <p:spPr>
           <a:xfrm>
-            <a:off x="4425465" y="2690447"/>
-            <a:ext cx="1151792" cy="923191"/>
+            <a:off x="4425465" y="2690448"/>
+            <a:ext cx="1151792" cy="691188"/>
           </a:xfrm>
           <a:prstGeom prst="snip1Rect">
             <a:avLst>
@@ -6887,7 +6887,7 @@
           <a:lstStyle/>
           <a:p>
             <a:pPr algn="ctr"/>
-            <a:endParaRPr lang="ko-KR" altLang="en-US"/>
+            <a:endParaRPr lang="ko-KR" altLang="en-US" sz="1400"/>
           </a:p>
         </p:txBody>
       </p:sp>
@@ -6906,7 +6906,7 @@
         <p:spPr>
           <a:xfrm>
             <a:off x="4473726" y="2822250"/>
-            <a:ext cx="877163" cy="646331"/>
+            <a:ext cx="723275" cy="523220"/>
           </a:xfrm>
           <a:prstGeom prst="rect">
             <a:avLst/>
@@ -6920,14 +6920,14 @@
           <a:lstStyle/>
           <a:p>
             <a:r>
-              <a:rPr lang="ko-KR" altLang="en-US" dirty="0"/>
+              <a:rPr lang="ko-KR" altLang="en-US" sz="1400" dirty="0"/>
               <a:t>안녕</a:t>
             </a:r>
-            <a:endParaRPr lang="en-US" altLang="ko-KR" dirty="0"/>
-          </a:p>
-          <a:p>
-            <a:r>
-              <a:rPr lang="ko-KR" altLang="en-US" dirty="0"/>
+            <a:endParaRPr lang="en-US" altLang="ko-KR" sz="1400" dirty="0"/>
+          </a:p>
+          <a:p>
+            <a:r>
+              <a:rPr lang="ko-KR" altLang="en-US" sz="1400" dirty="0"/>
               <a:t>뭐하니</a:t>
             </a:r>
           </a:p>
@@ -6951,7 +6951,7 @@
         </p:nvCxnSpPr>
         <p:spPr>
           <a:xfrm>
-            <a:off x="3376247" y="3152043"/>
+            <a:off x="3376247" y="3036042"/>
             <a:ext cx="1049218" cy="0"/>
           </a:xfrm>
           <a:prstGeom prst="straightConnector1">
@@ -6994,7 +6994,7 @@
         <p:spPr>
           <a:xfrm>
             <a:off x="3552766" y="2736579"/>
-            <a:ext cx="646331" cy="369332"/>
+            <a:ext cx="543739" cy="307777"/>
           </a:xfrm>
           <a:prstGeom prst="rect">
             <a:avLst/>
@@ -7008,7 +7008,7 @@
           <a:lstStyle/>
           <a:p>
             <a:r>
-              <a:rPr lang="ko-KR" altLang="en-US" dirty="0"/>
+              <a:rPr lang="ko-KR" altLang="en-US" sz="1400" dirty="0"/>
               <a:t>변경</a:t>
             </a:r>
           </a:p>
@@ -7029,7 +7029,7 @@
         <p:spPr>
           <a:xfrm>
             <a:off x="4317432" y="2255147"/>
-            <a:ext cx="1189749" cy="369332"/>
+            <a:ext cx="965329" cy="307777"/>
           </a:xfrm>
           <a:prstGeom prst="rect">
             <a:avLst/>
@@ -7043,7 +7043,7 @@
           <a:lstStyle/>
           <a:p>
             <a:r>
-              <a:rPr lang="ko-KR" altLang="en-US" dirty="0"/>
+              <a:rPr lang="ko-KR" altLang="en-US" sz="1400" dirty="0"/>
               <a:t>파일 저장</a:t>
             </a:r>
           </a:p>
@@ -7063,8 +7063,8 @@
         </p:nvSpPr>
         <p:spPr>
           <a:xfrm>
-            <a:off x="2157986" y="3662049"/>
-            <a:ext cx="1047338" cy="369332"/>
+            <a:off x="2157986" y="3398281"/>
+            <a:ext cx="859018" cy="307777"/>
           </a:xfrm>
           <a:prstGeom prst="rect">
             <a:avLst/>
@@ -7078,10 +7078,10 @@
           <a:lstStyle/>
           <a:p>
             <a:r>
-              <a:rPr lang="en-US" altLang="ko-KR" dirty="0"/>
+              <a:rPr lang="en-US" altLang="ko-KR" sz="1400" dirty="0"/>
               <a:t>Hello.txt</a:t>
             </a:r>
-            <a:endParaRPr lang="ko-KR" altLang="en-US" dirty="0"/>
+            <a:endParaRPr lang="ko-KR" altLang="en-US" sz="1400" dirty="0"/>
           </a:p>
         </p:txBody>
       </p:sp>
@@ -7099,8 +7099,8 @@
         </p:nvSpPr>
         <p:spPr>
           <a:xfrm>
-            <a:off x="4317432" y="3679606"/>
-            <a:ext cx="1047338" cy="369332"/>
+            <a:off x="4317432" y="3415838"/>
+            <a:ext cx="859018" cy="307777"/>
           </a:xfrm>
           <a:prstGeom prst="rect">
             <a:avLst/>
@@ -7114,10 +7114,10 @@
           <a:lstStyle/>
           <a:p>
             <a:r>
-              <a:rPr lang="en-US" altLang="ko-KR" dirty="0"/>
+              <a:rPr lang="en-US" altLang="ko-KR" sz="1400" dirty="0"/>
               <a:t>Hello.txt</a:t>
             </a:r>
-            <a:endParaRPr lang="ko-KR" altLang="en-US" dirty="0"/>
+            <a:endParaRPr lang="ko-KR" altLang="en-US" sz="1400" dirty="0"/>
           </a:p>
         </p:txBody>
       </p:sp>
@@ -7135,8 +7135,8 @@
         </p:nvSpPr>
         <p:spPr>
           <a:xfrm>
-            <a:off x="6188319" y="2624478"/>
-            <a:ext cx="2146789" cy="2519021"/>
+            <a:off x="6188319" y="2624479"/>
+            <a:ext cx="2146789" cy="1885976"/>
           </a:xfrm>
           <a:prstGeom prst="can">
             <a:avLst>
@@ -7169,7 +7169,7 @@
           <a:lstStyle/>
           <a:p>
             <a:r>
-              <a:rPr lang="en-US" altLang="ko-KR" dirty="0">
+              <a:rPr lang="en-US" altLang="ko-KR" sz="1400" dirty="0">
                 <a:solidFill>
                   <a:schemeClr val="tx1"/>
                 </a:solidFill>
@@ -7177,7 +7177,7 @@
               <a:t>Hello.txt</a:t>
             </a:r>
             <a:r>
-              <a:rPr lang="ko-KR" altLang="en-US" dirty="0">
+              <a:rPr lang="ko-KR" altLang="en-US" sz="1400" dirty="0">
                 <a:solidFill>
                   <a:schemeClr val="tx1"/>
                 </a:solidFill>
@@ -7185,7 +7185,7 @@
               <a:t>는 </a:t>
             </a:r>
             <a:r>
-              <a:rPr lang="ko-KR" altLang="en-US" dirty="0" err="1">
+              <a:rPr lang="ko-KR" altLang="en-US" sz="1400" dirty="0" err="1">
                 <a:solidFill>
                   <a:schemeClr val="tx1"/>
                 </a:solidFill>
@@ -7193,7 +7193,7 @@
               <a:t>뭐하니가</a:t>
             </a:r>
             <a:r>
-              <a:rPr lang="ko-KR" altLang="en-US" dirty="0">
+              <a:rPr lang="ko-KR" altLang="en-US" sz="1400" dirty="0">
                 <a:solidFill>
                   <a:schemeClr val="tx1"/>
                 </a:solidFill>
@@ -7201,7 +7201,7 @@
               <a:t> 달라졌음</a:t>
             </a:r>
             <a:r>
-              <a:rPr lang="en-US" altLang="ko-KR" dirty="0">
+              <a:rPr lang="en-US" altLang="ko-KR" sz="1400" dirty="0">
                 <a:solidFill>
                   <a:schemeClr val="tx1"/>
                 </a:solidFill>
@@ -7210,7 +7210,7 @@
             </a:r>
           </a:p>
           <a:p>
-            <a:endParaRPr lang="en-US" altLang="ko-KR" sz="400" dirty="0">
+            <a:endParaRPr lang="en-US" altLang="ko-KR" sz="200" dirty="0">
               <a:solidFill>
                 <a:schemeClr val="tx1"/>
               </a:solidFill>
@@ -7218,7 +7218,7 @@
           </a:p>
           <a:p>
             <a:r>
-              <a:rPr lang="en-US" altLang="ko-KR" dirty="0">
+              <a:rPr lang="en-US" altLang="ko-KR" sz="1400" dirty="0">
                 <a:solidFill>
                   <a:schemeClr val="tx1"/>
                 </a:solidFill>
@@ -7226,7 +7226,7 @@
               <a:t>Olleh.txt </a:t>
             </a:r>
             <a:r>
-              <a:rPr lang="ko-KR" altLang="en-US" dirty="0">
+              <a:rPr lang="ko-KR" altLang="en-US" sz="1400" dirty="0">
                 <a:solidFill>
                   <a:schemeClr val="tx1"/>
                 </a:solidFill>
@@ -7234,7 +7234,7 @@
               <a:t>라는 파일이 새로 생겼음</a:t>
             </a:r>
             <a:r>
-              <a:rPr lang="en-US" altLang="ko-KR" dirty="0">
+              <a:rPr lang="en-US" altLang="ko-KR" sz="1400" dirty="0">
                 <a:solidFill>
                   <a:schemeClr val="tx1"/>
                 </a:solidFill>
@@ -7243,7 +7243,7 @@
             </a:r>
           </a:p>
           <a:p>
-            <a:endParaRPr lang="en-US" altLang="ko-KR" sz="400" dirty="0">
+            <a:endParaRPr lang="en-US" altLang="ko-KR" sz="200" dirty="0">
               <a:solidFill>
                 <a:schemeClr val="tx1"/>
               </a:solidFill>
@@ -7251,7 +7251,7 @@
           </a:p>
           <a:p>
             <a:r>
-              <a:rPr lang="en-US" altLang="ko-KR" dirty="0">
+              <a:rPr lang="en-US" altLang="ko-KR" sz="1400" dirty="0">
                 <a:solidFill>
                   <a:schemeClr val="tx1"/>
                 </a:solidFill>
@@ -7259,7 +7259,7 @@
               <a:t>Olleh.txt</a:t>
             </a:r>
             <a:r>
-              <a:rPr lang="ko-KR" altLang="en-US" dirty="0">
+              <a:rPr lang="ko-KR" altLang="en-US" sz="1400" dirty="0">
                 <a:solidFill>
                   <a:schemeClr val="tx1"/>
                 </a:solidFill>
@@ -7267,7 +7267,7 @@
               <a:t>는 </a:t>
             </a:r>
             <a:r>
-              <a:rPr lang="ko-KR" altLang="en-US" dirty="0" err="1">
+              <a:rPr lang="ko-KR" altLang="en-US" sz="1400" dirty="0" err="1">
                 <a:solidFill>
                   <a:schemeClr val="tx1"/>
                 </a:solidFill>
@@ -7275,7 +7275,7 @@
               <a:t>신난다라고</a:t>
             </a:r>
             <a:r>
-              <a:rPr lang="ko-KR" altLang="en-US" dirty="0">
+              <a:rPr lang="ko-KR" altLang="en-US" sz="1400" dirty="0">
                 <a:solidFill>
                   <a:schemeClr val="tx1"/>
                 </a:solidFill>
@@ -7283,14 +7283,14 @@
               <a:t> 되어 있음</a:t>
             </a:r>
             <a:r>
-              <a:rPr lang="en-US" altLang="ko-KR" dirty="0">
+              <a:rPr lang="en-US" altLang="ko-KR" sz="1400" dirty="0">
                 <a:solidFill>
                   <a:schemeClr val="tx1"/>
                 </a:solidFill>
               </a:rPr>
               <a:t>.</a:t>
             </a:r>
-            <a:endParaRPr lang="ko-KR" altLang="en-US" dirty="0">
+            <a:endParaRPr lang="ko-KR" altLang="en-US" sz="1400" dirty="0">
               <a:solidFill>
                 <a:schemeClr val="tx1"/>
               </a:solidFill>
@@ -7312,8 +7312,8 @@
         </p:nvSpPr>
         <p:spPr>
           <a:xfrm>
-            <a:off x="4418135" y="4123590"/>
-            <a:ext cx="1151792" cy="923191"/>
+            <a:off x="4418135" y="3745520"/>
+            <a:ext cx="1151792" cy="691188"/>
           </a:xfrm>
           <a:prstGeom prst="snip1Rect">
             <a:avLst>
@@ -7344,7 +7344,7 @@
           <a:lstStyle/>
           <a:p>
             <a:pPr algn="ctr"/>
-            <a:endParaRPr lang="ko-KR" altLang="en-US"/>
+            <a:endParaRPr lang="ko-KR" altLang="en-US" sz="1400"/>
           </a:p>
         </p:txBody>
       </p:sp>
@@ -7362,8 +7362,8 @@
         </p:nvSpPr>
         <p:spPr>
           <a:xfrm>
-            <a:off x="4331257" y="5121433"/>
-            <a:ext cx="1053750" cy="369332"/>
+            <a:off x="4331257" y="4479594"/>
+            <a:ext cx="865430" cy="307777"/>
           </a:xfrm>
           <a:prstGeom prst="rect">
             <a:avLst/>
@@ -7377,10 +7377,10 @@
           <a:lstStyle/>
           <a:p>
             <a:r>
-              <a:rPr lang="en-US" altLang="ko-KR" dirty="0"/>
+              <a:rPr lang="en-US" altLang="ko-KR" sz="1400" dirty="0"/>
               <a:t>Olleh.txt</a:t>
             </a:r>
-            <a:endParaRPr lang="ko-KR" altLang="en-US" dirty="0"/>
+            <a:endParaRPr lang="ko-KR" altLang="en-US" sz="1400" dirty="0"/>
           </a:p>
         </p:txBody>
       </p:sp>
@@ -7398,8 +7398,8 @@
         </p:nvSpPr>
         <p:spPr>
           <a:xfrm>
-            <a:off x="4473593" y="4262018"/>
-            <a:ext cx="877163" cy="369332"/>
+            <a:off x="4473593" y="3883947"/>
+            <a:ext cx="723275" cy="307777"/>
           </a:xfrm>
           <a:prstGeom prst="rect">
             <a:avLst/>
@@ -7413,7 +7413,7 @@
           <a:lstStyle/>
           <a:p>
             <a:r>
-              <a:rPr lang="ko-KR" altLang="en-US" dirty="0"/>
+              <a:rPr lang="ko-KR" altLang="en-US" sz="1400" dirty="0"/>
               <a:t>신난다</a:t>
             </a:r>
           </a:p>
@@ -7451,10 +7451,10 @@
       </p:grpSpPr>
       <p:pic>
         <p:nvPicPr>
-          <p:cNvPr id="4" name="그림 3">
-            <a:extLst>
-              <a:ext uri="{FF2B5EF4-FFF2-40B4-BE49-F238E27FC236}">
-                <a16:creationId xmlns:a16="http://schemas.microsoft.com/office/drawing/2014/main" id="{0569464E-7F0C-4C60-9BFA-911920F37B78}"/>
+          <p:cNvPr id="2" name="그림 1">
+            <a:extLst>
+              <a:ext uri="{FF2B5EF4-FFF2-40B4-BE49-F238E27FC236}">
+                <a16:creationId xmlns:a16="http://schemas.microsoft.com/office/drawing/2014/main" id="{8AC67E10-C4A3-4B1F-900E-2A846DEC0C75}"/>
               </a:ext>
             </a:extLst>
           </p:cNvPr>
@@ -7471,8 +7471,8 @@
         </p:blipFill>
         <p:spPr>
           <a:xfrm>
-            <a:off x="1782706" y="1273877"/>
-            <a:ext cx="8626588" cy="4310246"/>
+            <a:off x="1815531" y="1273437"/>
+            <a:ext cx="8596105" cy="3572566"/>
           </a:xfrm>
           <a:prstGeom prst="rect">
             <a:avLst/>

--- a/data/images.pptx
+++ b/data/images.pptx
@@ -4646,7 +4646,7 @@
         </p:nvSpPr>
         <p:spPr>
           <a:xfrm>
-            <a:off x="2452693" y="4367698"/>
+            <a:off x="2382354" y="4798521"/>
             <a:ext cx="1296144" cy="602251"/>
           </a:xfrm>
           <a:prstGeom prst="rect">
@@ -4694,7 +4694,7 @@
         </p:nvCxnSpPr>
         <p:spPr>
           <a:xfrm>
-            <a:off x="3179202" y="2405622"/>
+            <a:off x="3108863" y="2836445"/>
             <a:ext cx="0" cy="916904"/>
           </a:xfrm>
           <a:prstGeom prst="line">
@@ -4738,7 +4738,7 @@
         </p:nvSpPr>
         <p:spPr>
           <a:xfrm>
-            <a:off x="2362846" y="4272780"/>
+            <a:off x="2292507" y="4703603"/>
             <a:ext cx="1368152" cy="792088"/>
           </a:xfrm>
           <a:prstGeom prst="roundRect">
@@ -4792,7 +4792,7 @@
         </p:nvCxnSpPr>
         <p:spPr>
           <a:xfrm>
-            <a:off x="2362846" y="5208884"/>
+            <a:off x="2292507" y="5639707"/>
             <a:ext cx="1368152" cy="0"/>
           </a:xfrm>
           <a:prstGeom prst="line">
@@ -4834,7 +4834,7 @@
         </p:nvSpPr>
         <p:spPr>
           <a:xfrm>
-            <a:off x="2029727" y="730238"/>
+            <a:off x="1959388" y="1161061"/>
             <a:ext cx="2107779" cy="1580466"/>
           </a:xfrm>
           <a:prstGeom prst="cloud">
@@ -4888,7 +4888,7 @@
         </p:nvSpPr>
         <p:spPr>
           <a:xfrm>
-            <a:off x="2262284" y="1129285"/>
+            <a:off x="2191945" y="1560108"/>
             <a:ext cx="1892608" cy="917173"/>
           </a:xfrm>
           <a:prstGeom prst="rect">
@@ -4936,7 +4936,7 @@
         </p:nvSpPr>
         <p:spPr>
           <a:xfrm>
-            <a:off x="2362846" y="5434036"/>
+            <a:off x="2292507" y="5864859"/>
             <a:ext cx="1973441" cy="539048"/>
           </a:xfrm>
           <a:prstGeom prst="rect">
@@ -4991,7 +4991,7 @@
         </p:nvSpPr>
         <p:spPr>
           <a:xfrm>
-            <a:off x="6423436" y="4386714"/>
+            <a:off x="6353097" y="4817537"/>
             <a:ext cx="1296144" cy="602251"/>
           </a:xfrm>
           <a:prstGeom prst="rect">
@@ -5037,7 +5037,7 @@
         </p:nvSpPr>
         <p:spPr>
           <a:xfrm>
-            <a:off x="6226958" y="4272780"/>
+            <a:off x="6156619" y="4703603"/>
             <a:ext cx="1368152" cy="792088"/>
           </a:xfrm>
           <a:prstGeom prst="roundRect">
@@ -5091,7 +5091,7 @@
         </p:nvCxnSpPr>
         <p:spPr>
           <a:xfrm>
-            <a:off x="6226958" y="5208884"/>
+            <a:off x="6156619" y="5639707"/>
             <a:ext cx="1368152" cy="0"/>
           </a:xfrm>
           <a:prstGeom prst="line">
@@ -5133,7 +5133,7 @@
         </p:nvSpPr>
         <p:spPr>
           <a:xfrm>
-            <a:off x="5856164" y="697596"/>
+            <a:off x="5785825" y="1128419"/>
             <a:ext cx="2107779" cy="1580466"/>
           </a:xfrm>
           <a:prstGeom prst="cloud">
@@ -5187,7 +5187,7 @@
         </p:nvSpPr>
         <p:spPr>
           <a:xfrm>
-            <a:off x="6149456" y="1200659"/>
+            <a:off x="6079117" y="1631482"/>
             <a:ext cx="1648426" cy="917173"/>
           </a:xfrm>
           <a:prstGeom prst="rect">
@@ -5235,7 +5235,7 @@
         </p:nvCxnSpPr>
         <p:spPr>
           <a:xfrm>
-            <a:off x="3046922" y="2405622"/>
+            <a:off x="2976583" y="2836445"/>
             <a:ext cx="0" cy="916904"/>
           </a:xfrm>
           <a:prstGeom prst="line">
@@ -5281,7 +5281,7 @@
         </p:nvCxnSpPr>
         <p:spPr>
           <a:xfrm>
-            <a:off x="6982461" y="2417352"/>
+            <a:off x="6912122" y="2848175"/>
             <a:ext cx="0" cy="916904"/>
           </a:xfrm>
           <a:prstGeom prst="line">
@@ -5327,7 +5327,7 @@
         </p:nvCxnSpPr>
         <p:spPr>
           <a:xfrm>
-            <a:off x="6823804" y="2417352"/>
+            <a:off x="6753465" y="2848175"/>
             <a:ext cx="0" cy="916904"/>
           </a:xfrm>
           <a:prstGeom prst="line">
@@ -5373,7 +5373,7 @@
         </p:nvCxnSpPr>
         <p:spPr>
           <a:xfrm flipV="1">
-            <a:off x="3888447" y="2214198"/>
+            <a:off x="3818108" y="2645021"/>
             <a:ext cx="2239712" cy="1324282"/>
           </a:xfrm>
           <a:prstGeom prst="line">
@@ -5419,7 +5419,7 @@
         </p:nvCxnSpPr>
         <p:spPr>
           <a:xfrm flipH="1" flipV="1">
-            <a:off x="4207758" y="1520471"/>
+            <a:off x="4137419" y="1951294"/>
             <a:ext cx="1576398" cy="1856"/>
           </a:xfrm>
           <a:prstGeom prst="line">
@@ -5465,7 +5465,7 @@
         </p:nvCxnSpPr>
         <p:spPr>
           <a:xfrm flipH="1">
-            <a:off x="4209514" y="1378310"/>
+            <a:off x="4139175" y="1809133"/>
             <a:ext cx="1574642" cy="0"/>
           </a:xfrm>
           <a:prstGeom prst="line">
@@ -5509,7 +5509,7 @@
         </p:nvGrpSpPr>
         <p:grpSpPr>
           <a:xfrm>
-            <a:off x="2810393" y="3538480"/>
+            <a:off x="2740054" y="3969303"/>
             <a:ext cx="803525" cy="600975"/>
             <a:chOff x="1409202" y="3335805"/>
             <a:chExt cx="1368152" cy="976786"/>
@@ -5639,7 +5639,7 @@
         </p:nvSpPr>
         <p:spPr>
           <a:xfrm>
-            <a:off x="916503" y="2385267"/>
+            <a:off x="846164" y="2816090"/>
             <a:ext cx="2111872" cy="884049"/>
           </a:xfrm>
           <a:prstGeom prst="rect">
@@ -5714,7 +5714,7 @@
         </p:nvSpPr>
         <p:spPr>
           <a:xfrm>
-            <a:off x="2860556" y="3636106"/>
+            <a:off x="2790217" y="4066929"/>
             <a:ext cx="377867" cy="539048"/>
           </a:xfrm>
           <a:prstGeom prst="rect">
@@ -5762,7 +5762,7 @@
         </p:nvSpPr>
         <p:spPr>
           <a:xfrm>
-            <a:off x="3274241" y="2543218"/>
+            <a:off x="3203902" y="2974041"/>
             <a:ext cx="690574" cy="459357"/>
           </a:xfrm>
           <a:prstGeom prst="rect">
@@ -5806,7 +5806,7 @@
         </p:nvSpPr>
         <p:spPr>
           <a:xfrm>
-            <a:off x="4016287" y="3502665"/>
+            <a:off x="3945948" y="3933488"/>
             <a:ext cx="2111872" cy="884049"/>
           </a:xfrm>
           <a:prstGeom prst="rect">
@@ -5860,11 +5860,18 @@
               </a:lnSpc>
             </a:pPr>
             <a:r>
+              <a:rPr lang="en-US" altLang="ko-KR" sz="1600" b="1" spc="-20" dirty="0">
+                <a:latin typeface="나눔고딕" pitchFamily="50" charset="-127"/>
+                <a:ea typeface="나눔고딕" pitchFamily="50" charset="-127"/>
+              </a:rPr>
+              <a:t>push</a:t>
+            </a:r>
+            <a:r>
               <a:rPr lang="ko-KR" altLang="en-US" sz="1600" b="1" spc="-20" dirty="0">
                 <a:latin typeface="나눔고딕" pitchFamily="50" charset="-127"/>
                 <a:ea typeface="나눔고딕" pitchFamily="50" charset="-127"/>
               </a:rPr>
-              <a:t>반영 </a:t>
+              <a:t> </a:t>
             </a:r>
             <a:r>
               <a:rPr lang="en-US" altLang="ko-KR" sz="1600" b="1" spc="-20" dirty="0">
@@ -5901,7 +5908,7 @@
         </p:nvGrpSpPr>
         <p:grpSpPr>
           <a:xfrm>
-            <a:off x="6485440" y="3516745"/>
+            <a:off x="6415101" y="3947568"/>
             <a:ext cx="803525" cy="600975"/>
             <a:chOff x="1409202" y="3335805"/>
             <a:chExt cx="1368152" cy="976786"/>
@@ -6031,7 +6038,7 @@
         </p:nvSpPr>
         <p:spPr>
           <a:xfrm>
-            <a:off x="6535603" y="3614371"/>
+            <a:off x="6465264" y="4045194"/>
             <a:ext cx="377867" cy="539048"/>
           </a:xfrm>
           <a:prstGeom prst="rect">
@@ -6081,7 +6088,7 @@
         </p:nvSpPr>
         <p:spPr>
           <a:xfrm>
-            <a:off x="8129051" y="4181989"/>
+            <a:off x="8058712" y="4612812"/>
             <a:ext cx="3510500" cy="1575920"/>
           </a:xfrm>
           <a:prstGeom prst="rect">
@@ -6189,7 +6196,7 @@
         </p:nvSpPr>
         <p:spPr>
           <a:xfrm>
-            <a:off x="4631752" y="818914"/>
+            <a:off x="4561413" y="1249737"/>
             <a:ext cx="1296144" cy="602251"/>
           </a:xfrm>
           <a:prstGeom prst="rect">
@@ -6233,7 +6240,7 @@
         </p:nvSpPr>
         <p:spPr>
           <a:xfrm>
-            <a:off x="4172514" y="1389085"/>
+            <a:off x="4102175" y="1819908"/>
             <a:ext cx="2151312" cy="615969"/>
           </a:xfrm>
           <a:prstGeom prst="rect">
@@ -6277,7 +6284,7 @@
         </p:nvCxnSpPr>
         <p:spPr>
           <a:xfrm flipV="1">
-            <a:off x="4040847" y="2366598"/>
+            <a:off x="3970508" y="2797421"/>
             <a:ext cx="2239712" cy="1324282"/>
           </a:xfrm>
           <a:prstGeom prst="line">
@@ -6308,6 +6315,142 @@
           </a:fontRef>
         </p:style>
       </p:cxnSp>
+      <p:sp>
+        <p:nvSpPr>
+          <p:cNvPr id="8" name="타원 7">
+            <a:extLst>
+              <a:ext uri="{FF2B5EF4-FFF2-40B4-BE49-F238E27FC236}">
+                <a16:creationId xmlns:a16="http://schemas.microsoft.com/office/drawing/2014/main" id="{D0E9AE6B-EE1C-4255-B4C2-ED9C2601707C}"/>
+              </a:ext>
+            </a:extLst>
+          </p:cNvPr>
+          <p:cNvSpPr/>
+          <p:nvPr/>
+        </p:nvSpPr>
+        <p:spPr>
+          <a:xfrm>
+            <a:off x="2276859" y="4128016"/>
+            <a:ext cx="379633" cy="379633"/>
+          </a:xfrm>
+          <a:prstGeom prst="ellipse">
+            <a:avLst/>
+          </a:prstGeom>
+          <a:noFill/>
+          <a:ln w="28575"/>
+        </p:spPr>
+        <p:style>
+          <a:lnRef idx="2">
+            <a:schemeClr val="accent1">
+              <a:shade val="50000"/>
+            </a:schemeClr>
+          </a:lnRef>
+          <a:fillRef idx="1">
+            <a:schemeClr val="accent1"/>
+          </a:fillRef>
+          <a:effectRef idx="0">
+            <a:schemeClr val="accent1"/>
+          </a:effectRef>
+          <a:fontRef idx="minor">
+            <a:schemeClr val="lt1"/>
+          </a:fontRef>
+        </p:style>
+        <p:txBody>
+          <a:bodyPr rtlCol="0" anchor="ctr"/>
+          <a:lstStyle/>
+          <a:p>
+            <a:pPr algn="ctr"/>
+            <a:endParaRPr lang="ko-KR" altLang="en-US"/>
+          </a:p>
+        </p:txBody>
+      </p:sp>
+      <p:cxnSp>
+        <p:nvCxnSpPr>
+          <p:cNvPr id="42" name="직선 연결선 41">
+            <a:extLst>
+              <a:ext uri="{FF2B5EF4-FFF2-40B4-BE49-F238E27FC236}">
+                <a16:creationId xmlns:a16="http://schemas.microsoft.com/office/drawing/2014/main" id="{A49E9AFE-B1AA-4E4B-9AAD-38E84E7AA65B}"/>
+              </a:ext>
+            </a:extLst>
+          </p:cNvPr>
+          <p:cNvCxnSpPr>
+            <a:cxnSpLocks/>
+          </p:cNvCxnSpPr>
+          <p:nvPr/>
+        </p:nvCxnSpPr>
+        <p:spPr>
+          <a:xfrm flipV="1">
+            <a:off x="2627246" y="4314718"/>
+            <a:ext cx="30483" cy="95079"/>
+          </a:xfrm>
+          <a:prstGeom prst="line">
+            <a:avLst/>
+          </a:prstGeom>
+          <a:ln w="19050">
+            <a:solidFill>
+              <a:srgbClr val="2F528F"/>
+            </a:solidFill>
+            <a:prstDash val="solid"/>
+            <a:miter lim="800000"/>
+            <a:tailEnd type="triangle" w="lg" len="lg"/>
+          </a:ln>
+        </p:spPr>
+        <p:style>
+          <a:lnRef idx="1">
+            <a:schemeClr val="accent1"/>
+          </a:lnRef>
+          <a:fillRef idx="0">
+            <a:schemeClr val="accent1"/>
+          </a:fillRef>
+          <a:effectRef idx="0">
+            <a:schemeClr val="accent1"/>
+          </a:effectRef>
+          <a:fontRef idx="minor">
+            <a:schemeClr val="tx1"/>
+          </a:fontRef>
+        </p:style>
+      </p:cxnSp>
+      <p:sp>
+        <p:nvSpPr>
+          <p:cNvPr id="52" name="직사각형 51">
+            <a:extLst>
+              <a:ext uri="{FF2B5EF4-FFF2-40B4-BE49-F238E27FC236}">
+                <a16:creationId xmlns:a16="http://schemas.microsoft.com/office/drawing/2014/main" id="{0DDEA0DD-DBF5-4039-B4FE-D0CC75250A78}"/>
+              </a:ext>
+            </a:extLst>
+          </p:cNvPr>
+          <p:cNvSpPr/>
+          <p:nvPr/>
+        </p:nvSpPr>
+        <p:spPr>
+          <a:xfrm>
+            <a:off x="1296291" y="4010362"/>
+            <a:ext cx="980397" cy="459357"/>
+          </a:xfrm>
+          <a:prstGeom prst="rect">
+            <a:avLst/>
+          </a:prstGeom>
+        </p:spPr>
+        <p:txBody>
+          <a:bodyPr wrap="none">
+            <a:spAutoFit/>
+          </a:bodyPr>
+          <a:lstStyle/>
+          <a:p>
+            <a:pPr marL="228600" indent="-228600">
+              <a:lnSpc>
+                <a:spcPct val="150000"/>
+              </a:lnSpc>
+            </a:pPr>
+            <a:r>
+              <a:rPr lang="en-US" altLang="ko-KR" b="1" spc="-20" dirty="0">
+                <a:latin typeface="나눔고딕" pitchFamily="50" charset="-127"/>
+                <a:ea typeface="나눔고딕" pitchFamily="50" charset="-127"/>
+              </a:rPr>
+              <a:t>commit</a:t>
+            </a:r>
+          </a:p>
+        </p:txBody>
+      </p:sp>
     </p:spTree>
     <p:extLst>
       <p:ext uri="{BB962C8B-B14F-4D97-AF65-F5344CB8AC3E}">
@@ -6340,10 +6483,10 @@
       </p:grpSpPr>
       <p:pic>
         <p:nvPicPr>
-          <p:cNvPr id="4" name="그림 3">
-            <a:extLst>
-              <a:ext uri="{FF2B5EF4-FFF2-40B4-BE49-F238E27FC236}">
-                <a16:creationId xmlns:a16="http://schemas.microsoft.com/office/drawing/2014/main" id="{F420B96F-C679-4923-B78D-16555C21E49C}"/>
+          <p:cNvPr id="2" name="그림 1">
+            <a:extLst>
+              <a:ext uri="{FF2B5EF4-FFF2-40B4-BE49-F238E27FC236}">
+                <a16:creationId xmlns:a16="http://schemas.microsoft.com/office/drawing/2014/main" id="{672B656C-1D57-4E37-92DD-C5AFD14C8EBE}"/>
               </a:ext>
             </a:extLst>
           </p:cNvPr>
@@ -6360,8 +6503,8 @@
         </p:blipFill>
         <p:spPr>
           <a:xfrm>
-            <a:off x="718862" y="755672"/>
-            <a:ext cx="10754276" cy="5346655"/>
+            <a:off x="715813" y="755672"/>
+            <a:ext cx="10760373" cy="5346655"/>
           </a:xfrm>
           <a:prstGeom prst="rect">
             <a:avLst/>

--- a/data/images.pptx
+++ b/data/images.pptx
@@ -13,6 +13,8 @@
     <p:sldId id="262" r:id="rId7"/>
     <p:sldId id="263" r:id="rId8"/>
     <p:sldId id="264" r:id="rId9"/>
+    <p:sldId id="265" r:id="rId10"/>
+    <p:sldId id="266" r:id="rId11"/>
   </p:sldIdLst>
   <p:sldSz cx="12192000" cy="6858000"/>
   <p:notesSz cx="6858000" cy="9144000"/>
@@ -3661,6 +3663,66 @@
 </p:sld>
 </file>
 
+<file path=ppt/slides/slide10.xml><?xml version="1.0" encoding="utf-8"?>
+<p:sld xmlns:a="http://schemas.openxmlformats.org/drawingml/2006/main" xmlns:r="http://schemas.openxmlformats.org/officeDocument/2006/relationships" xmlns:p="http://schemas.openxmlformats.org/presentationml/2006/main">
+  <p:cSld>
+    <p:spTree>
+      <p:nvGrpSpPr>
+        <p:cNvPr id="1" name=""/>
+        <p:cNvGrpSpPr/>
+        <p:nvPr/>
+      </p:nvGrpSpPr>
+      <p:grpSpPr>
+        <a:xfrm>
+          <a:off x="0" y="0"/>
+          <a:ext cx="0" cy="0"/>
+          <a:chOff x="0" y="0"/>
+          <a:chExt cx="0" cy="0"/>
+        </a:xfrm>
+      </p:grpSpPr>
+      <p:pic>
+        <p:nvPicPr>
+          <p:cNvPr id="4" name="그림 3">
+            <a:extLst>
+              <a:ext uri="{FF2B5EF4-FFF2-40B4-BE49-F238E27FC236}">
+                <a16:creationId xmlns:a16="http://schemas.microsoft.com/office/drawing/2014/main" id="{0861BE88-991A-4055-B16D-B8FA02183B21}"/>
+              </a:ext>
+            </a:extLst>
+          </p:cNvPr>
+          <p:cNvPicPr>
+            <a:picLocks noChangeAspect="1"/>
+          </p:cNvPicPr>
+          <p:nvPr/>
+        </p:nvPicPr>
+        <p:blipFill>
+          <a:blip r:embed="rId2"/>
+          <a:stretch>
+            <a:fillRect/>
+          </a:stretch>
+        </p:blipFill>
+        <p:spPr>
+          <a:xfrm>
+            <a:off x="1389480" y="2063377"/>
+            <a:ext cx="9413040" cy="2731245"/>
+          </a:xfrm>
+          <a:prstGeom prst="rect">
+            <a:avLst/>
+          </a:prstGeom>
+        </p:spPr>
+      </p:pic>
+    </p:spTree>
+    <p:extLst>
+      <p:ext uri="{BB962C8B-B14F-4D97-AF65-F5344CB8AC3E}">
+        <p14:creationId xmlns:p14="http://schemas.microsoft.com/office/powerpoint/2010/main" val="2339007011"/>
+      </p:ext>
+    </p:extLst>
+  </p:cSld>
+  <p:clrMapOvr>
+    <a:masterClrMapping/>
+  </p:clrMapOvr>
+</p:sld>
+</file>
+
 <file path=ppt/slides/slide2.xml><?xml version="1.0" encoding="utf-8"?>
 <p:sld xmlns:a="http://schemas.openxmlformats.org/drawingml/2006/main" xmlns:r="http://schemas.openxmlformats.org/officeDocument/2006/relationships" xmlns:p="http://schemas.openxmlformats.org/presentationml/2006/main">
   <p:cSld>
@@ -7626,6 +7688,1093 @@
     <p:extLst>
       <p:ext uri="{BB962C8B-B14F-4D97-AF65-F5344CB8AC3E}">
         <p14:creationId xmlns:p14="http://schemas.microsoft.com/office/powerpoint/2010/main" val="1529762586"/>
+      </p:ext>
+    </p:extLst>
+  </p:cSld>
+  <p:clrMapOvr>
+    <a:masterClrMapping/>
+  </p:clrMapOvr>
+</p:sld>
+</file>
+
+<file path=ppt/slides/slide9.xml><?xml version="1.0" encoding="utf-8"?>
+<p:sld xmlns:a="http://schemas.openxmlformats.org/drawingml/2006/main" xmlns:r="http://schemas.openxmlformats.org/officeDocument/2006/relationships" xmlns:p="http://schemas.openxmlformats.org/presentationml/2006/main">
+  <p:cSld>
+    <p:spTree>
+      <p:nvGrpSpPr>
+        <p:cNvPr id="1" name=""/>
+        <p:cNvGrpSpPr/>
+        <p:nvPr/>
+      </p:nvGrpSpPr>
+      <p:grpSpPr>
+        <a:xfrm>
+          <a:off x="0" y="0"/>
+          <a:ext cx="0" cy="0"/>
+          <a:chOff x="0" y="0"/>
+          <a:chExt cx="0" cy="0"/>
+        </a:xfrm>
+      </p:grpSpPr>
+      <p:sp>
+        <p:nvSpPr>
+          <p:cNvPr id="4" name="타원 3">
+            <a:extLst>
+              <a:ext uri="{FF2B5EF4-FFF2-40B4-BE49-F238E27FC236}">
+                <a16:creationId xmlns:a16="http://schemas.microsoft.com/office/drawing/2014/main" id="{789904B7-6B11-4ECF-AC3F-189D37080E8D}"/>
+              </a:ext>
+            </a:extLst>
+          </p:cNvPr>
+          <p:cNvSpPr/>
+          <p:nvPr/>
+        </p:nvSpPr>
+        <p:spPr>
+          <a:xfrm>
+            <a:off x="1239716" y="2127739"/>
+            <a:ext cx="237392" cy="237392"/>
+          </a:xfrm>
+          <a:prstGeom prst="ellipse">
+            <a:avLst/>
+          </a:prstGeom>
+          <a:noFill/>
+          <a:ln w="57150"/>
+        </p:spPr>
+        <p:style>
+          <a:lnRef idx="2">
+            <a:schemeClr val="accent1">
+              <a:shade val="50000"/>
+            </a:schemeClr>
+          </a:lnRef>
+          <a:fillRef idx="1">
+            <a:schemeClr val="accent1"/>
+          </a:fillRef>
+          <a:effectRef idx="0">
+            <a:schemeClr val="accent1"/>
+          </a:effectRef>
+          <a:fontRef idx="minor">
+            <a:schemeClr val="lt1"/>
+          </a:fontRef>
+        </p:style>
+        <p:txBody>
+          <a:bodyPr rtlCol="0" anchor="ctr"/>
+          <a:lstStyle/>
+          <a:p>
+            <a:pPr algn="ctr"/>
+            <a:endParaRPr lang="ko-KR" altLang="en-US"/>
+          </a:p>
+        </p:txBody>
+      </p:sp>
+      <p:sp>
+        <p:nvSpPr>
+          <p:cNvPr id="5" name="타원 4">
+            <a:extLst>
+              <a:ext uri="{FF2B5EF4-FFF2-40B4-BE49-F238E27FC236}">
+                <a16:creationId xmlns:a16="http://schemas.microsoft.com/office/drawing/2014/main" id="{B93F6E44-4948-47BF-B94C-2FA2F8A5E025}"/>
+              </a:ext>
+            </a:extLst>
+          </p:cNvPr>
+          <p:cNvSpPr/>
+          <p:nvPr/>
+        </p:nvSpPr>
+        <p:spPr>
+          <a:xfrm>
+            <a:off x="3831981" y="2127739"/>
+            <a:ext cx="237392" cy="237392"/>
+          </a:xfrm>
+          <a:prstGeom prst="ellipse">
+            <a:avLst/>
+          </a:prstGeom>
+          <a:noFill/>
+          <a:ln w="57150"/>
+        </p:spPr>
+        <p:style>
+          <a:lnRef idx="2">
+            <a:schemeClr val="accent1">
+              <a:shade val="50000"/>
+            </a:schemeClr>
+          </a:lnRef>
+          <a:fillRef idx="1">
+            <a:schemeClr val="accent1"/>
+          </a:fillRef>
+          <a:effectRef idx="0">
+            <a:schemeClr val="accent1"/>
+          </a:effectRef>
+          <a:fontRef idx="minor">
+            <a:schemeClr val="lt1"/>
+          </a:fontRef>
+        </p:style>
+        <p:txBody>
+          <a:bodyPr rtlCol="0" anchor="ctr"/>
+          <a:lstStyle/>
+          <a:p>
+            <a:pPr algn="ctr"/>
+            <a:endParaRPr lang="ko-KR" altLang="en-US"/>
+          </a:p>
+        </p:txBody>
+      </p:sp>
+      <p:sp>
+        <p:nvSpPr>
+          <p:cNvPr id="6" name="타원 5">
+            <a:extLst>
+              <a:ext uri="{FF2B5EF4-FFF2-40B4-BE49-F238E27FC236}">
+                <a16:creationId xmlns:a16="http://schemas.microsoft.com/office/drawing/2014/main" id="{7FD3F2AD-F3DF-4D94-90B7-D5D211D9B1BA}"/>
+              </a:ext>
+            </a:extLst>
+          </p:cNvPr>
+          <p:cNvSpPr/>
+          <p:nvPr/>
+        </p:nvSpPr>
+        <p:spPr>
+          <a:xfrm>
+            <a:off x="6573716" y="2127739"/>
+            <a:ext cx="237392" cy="237392"/>
+          </a:xfrm>
+          <a:prstGeom prst="ellipse">
+            <a:avLst/>
+          </a:prstGeom>
+          <a:noFill/>
+          <a:ln w="57150"/>
+        </p:spPr>
+        <p:style>
+          <a:lnRef idx="2">
+            <a:schemeClr val="accent1">
+              <a:shade val="50000"/>
+            </a:schemeClr>
+          </a:lnRef>
+          <a:fillRef idx="1">
+            <a:schemeClr val="accent1"/>
+          </a:fillRef>
+          <a:effectRef idx="0">
+            <a:schemeClr val="accent1"/>
+          </a:effectRef>
+          <a:fontRef idx="minor">
+            <a:schemeClr val="lt1"/>
+          </a:fontRef>
+        </p:style>
+        <p:txBody>
+          <a:bodyPr rtlCol="0" anchor="ctr"/>
+          <a:lstStyle/>
+          <a:p>
+            <a:pPr algn="ctr"/>
+            <a:endParaRPr lang="ko-KR" altLang="en-US"/>
+          </a:p>
+        </p:txBody>
+      </p:sp>
+      <p:sp>
+        <p:nvSpPr>
+          <p:cNvPr id="7" name="TextBox 6">
+            <a:extLst>
+              <a:ext uri="{FF2B5EF4-FFF2-40B4-BE49-F238E27FC236}">
+                <a16:creationId xmlns:a16="http://schemas.microsoft.com/office/drawing/2014/main" id="{359839BC-BDAF-4969-816C-C384C1DBD8C6}"/>
+              </a:ext>
+            </a:extLst>
+          </p:cNvPr>
+          <p:cNvSpPr txBox="1"/>
+          <p:nvPr/>
+        </p:nvSpPr>
+        <p:spPr>
+          <a:xfrm>
+            <a:off x="703385" y="1428707"/>
+            <a:ext cx="1310054" cy="646331"/>
+          </a:xfrm>
+          <a:prstGeom prst="rect">
+            <a:avLst/>
+          </a:prstGeom>
+          <a:noFill/>
+        </p:spPr>
+        <p:txBody>
+          <a:bodyPr wrap="square" rtlCol="0">
+            <a:spAutoFit/>
+          </a:bodyPr>
+          <a:lstStyle/>
+          <a:p>
+            <a:pPr algn="ctr"/>
+            <a:r>
+              <a:rPr lang="ko-KR" altLang="en-US" dirty="0"/>
+              <a:t>최초 </a:t>
+            </a:r>
+            <a:r>
+              <a:rPr lang="en-US" altLang="ko-KR" dirty="0"/>
+              <a:t>commit</a:t>
+            </a:r>
+            <a:endParaRPr lang="ko-KR" altLang="en-US" dirty="0"/>
+          </a:p>
+        </p:txBody>
+      </p:sp>
+      <p:sp>
+        <p:nvSpPr>
+          <p:cNvPr id="8" name="TextBox 7">
+            <a:extLst>
+              <a:ext uri="{FF2B5EF4-FFF2-40B4-BE49-F238E27FC236}">
+                <a16:creationId xmlns:a16="http://schemas.microsoft.com/office/drawing/2014/main" id="{83F55D79-F461-4CB2-AE65-46CB4073CB2B}"/>
+              </a:ext>
+            </a:extLst>
+          </p:cNvPr>
+          <p:cNvSpPr txBox="1"/>
+          <p:nvPr/>
+        </p:nvSpPr>
+        <p:spPr>
+          <a:xfrm>
+            <a:off x="3295650" y="1428707"/>
+            <a:ext cx="1310054" cy="646331"/>
+          </a:xfrm>
+          <a:prstGeom prst="rect">
+            <a:avLst/>
+          </a:prstGeom>
+          <a:noFill/>
+        </p:spPr>
+        <p:txBody>
+          <a:bodyPr wrap="square" rtlCol="0">
+            <a:spAutoFit/>
+          </a:bodyPr>
+          <a:lstStyle/>
+          <a:p>
+            <a:pPr algn="ctr"/>
+            <a:r>
+              <a:rPr lang="ko-KR" altLang="en-US" dirty="0"/>
+              <a:t>다음 </a:t>
+            </a:r>
+            <a:r>
+              <a:rPr lang="en-US" altLang="ko-KR" dirty="0"/>
+              <a:t>commit</a:t>
+            </a:r>
+            <a:endParaRPr lang="ko-KR" altLang="en-US" dirty="0"/>
+          </a:p>
+        </p:txBody>
+      </p:sp>
+      <p:sp>
+        <p:nvSpPr>
+          <p:cNvPr id="9" name="TextBox 8">
+            <a:extLst>
+              <a:ext uri="{FF2B5EF4-FFF2-40B4-BE49-F238E27FC236}">
+                <a16:creationId xmlns:a16="http://schemas.microsoft.com/office/drawing/2014/main" id="{5DBB64CD-6DB9-4F25-8717-686481E6BFAD}"/>
+              </a:ext>
+            </a:extLst>
+          </p:cNvPr>
+          <p:cNvSpPr txBox="1"/>
+          <p:nvPr/>
+        </p:nvSpPr>
+        <p:spPr>
+          <a:xfrm>
+            <a:off x="5895243" y="1454982"/>
+            <a:ext cx="1594338" cy="646331"/>
+          </a:xfrm>
+          <a:prstGeom prst="rect">
+            <a:avLst/>
+          </a:prstGeom>
+          <a:noFill/>
+        </p:spPr>
+        <p:txBody>
+          <a:bodyPr wrap="square" rtlCol="0">
+            <a:spAutoFit/>
+          </a:bodyPr>
+          <a:lstStyle/>
+          <a:p>
+            <a:pPr algn="ctr"/>
+            <a:r>
+              <a:rPr lang="ko-KR" altLang="en-US" dirty="0"/>
+              <a:t>그 다음 </a:t>
+            </a:r>
+            <a:r>
+              <a:rPr lang="en-US" altLang="ko-KR" dirty="0"/>
+              <a:t>commit</a:t>
+            </a:r>
+            <a:endParaRPr lang="ko-KR" altLang="en-US" dirty="0"/>
+          </a:p>
+        </p:txBody>
+      </p:sp>
+      <p:cxnSp>
+        <p:nvCxnSpPr>
+          <p:cNvPr id="11" name="직선 화살표 연결선 10">
+            <a:extLst>
+              <a:ext uri="{FF2B5EF4-FFF2-40B4-BE49-F238E27FC236}">
+                <a16:creationId xmlns:a16="http://schemas.microsoft.com/office/drawing/2014/main" id="{C147898D-2F15-491A-B25E-C701FC2CE991}"/>
+              </a:ext>
+            </a:extLst>
+          </p:cNvPr>
+          <p:cNvCxnSpPr>
+            <a:stCxn id="4" idx="6"/>
+            <a:endCxn id="5" idx="2"/>
+          </p:cNvCxnSpPr>
+          <p:nvPr/>
+        </p:nvCxnSpPr>
+        <p:spPr>
+          <a:xfrm>
+            <a:off x="1477108" y="2246435"/>
+            <a:ext cx="2354873" cy="0"/>
+          </a:xfrm>
+          <a:prstGeom prst="straightConnector1">
+            <a:avLst/>
+          </a:prstGeom>
+          <a:ln w="57150">
+            <a:solidFill>
+              <a:srgbClr val="2F528F"/>
+            </a:solidFill>
+            <a:tailEnd type="triangle"/>
+          </a:ln>
+        </p:spPr>
+        <p:style>
+          <a:lnRef idx="1">
+            <a:schemeClr val="accent1"/>
+          </a:lnRef>
+          <a:fillRef idx="0">
+            <a:schemeClr val="accent1"/>
+          </a:fillRef>
+          <a:effectRef idx="0">
+            <a:schemeClr val="accent1"/>
+          </a:effectRef>
+          <a:fontRef idx="minor">
+            <a:schemeClr val="tx1"/>
+          </a:fontRef>
+        </p:style>
+      </p:cxnSp>
+      <p:cxnSp>
+        <p:nvCxnSpPr>
+          <p:cNvPr id="12" name="직선 화살표 연결선 11">
+            <a:extLst>
+              <a:ext uri="{FF2B5EF4-FFF2-40B4-BE49-F238E27FC236}">
+                <a16:creationId xmlns:a16="http://schemas.microsoft.com/office/drawing/2014/main" id="{630918F4-B5E8-41D5-82D3-69A551C8EA8A}"/>
+              </a:ext>
+            </a:extLst>
+          </p:cNvPr>
+          <p:cNvCxnSpPr>
+            <a:cxnSpLocks/>
+            <a:stCxn id="5" idx="6"/>
+            <a:endCxn id="6" idx="2"/>
+          </p:cNvCxnSpPr>
+          <p:nvPr/>
+        </p:nvCxnSpPr>
+        <p:spPr>
+          <a:xfrm>
+            <a:off x="4069373" y="2246435"/>
+            <a:ext cx="2504343" cy="0"/>
+          </a:xfrm>
+          <a:prstGeom prst="straightConnector1">
+            <a:avLst/>
+          </a:prstGeom>
+          <a:ln w="57150">
+            <a:solidFill>
+              <a:srgbClr val="2F528F"/>
+            </a:solidFill>
+            <a:tailEnd type="triangle"/>
+          </a:ln>
+        </p:spPr>
+        <p:style>
+          <a:lnRef idx="1">
+            <a:schemeClr val="accent1"/>
+          </a:lnRef>
+          <a:fillRef idx="0">
+            <a:schemeClr val="accent1"/>
+          </a:fillRef>
+          <a:effectRef idx="0">
+            <a:schemeClr val="accent1"/>
+          </a:effectRef>
+          <a:fontRef idx="minor">
+            <a:schemeClr val="tx1"/>
+          </a:fontRef>
+        </p:style>
+      </p:cxnSp>
+      <p:sp>
+        <p:nvSpPr>
+          <p:cNvPr id="25" name="타원 24">
+            <a:extLst>
+              <a:ext uri="{FF2B5EF4-FFF2-40B4-BE49-F238E27FC236}">
+                <a16:creationId xmlns:a16="http://schemas.microsoft.com/office/drawing/2014/main" id="{227447B4-59C2-4AD6-96C0-DA7F62413967}"/>
+              </a:ext>
+            </a:extLst>
+          </p:cNvPr>
+          <p:cNvSpPr/>
+          <p:nvPr/>
+        </p:nvSpPr>
+        <p:spPr>
+          <a:xfrm>
+            <a:off x="9196755" y="2127739"/>
+            <a:ext cx="237392" cy="237392"/>
+          </a:xfrm>
+          <a:prstGeom prst="ellipse">
+            <a:avLst/>
+          </a:prstGeom>
+          <a:noFill/>
+          <a:ln w="57150">
+            <a:solidFill>
+              <a:srgbClr val="7030A0"/>
+            </a:solidFill>
+          </a:ln>
+        </p:spPr>
+        <p:style>
+          <a:lnRef idx="2">
+            <a:schemeClr val="accent1">
+              <a:shade val="50000"/>
+            </a:schemeClr>
+          </a:lnRef>
+          <a:fillRef idx="1">
+            <a:schemeClr val="accent1"/>
+          </a:fillRef>
+          <a:effectRef idx="0">
+            <a:schemeClr val="accent1"/>
+          </a:effectRef>
+          <a:fontRef idx="minor">
+            <a:schemeClr val="lt1"/>
+          </a:fontRef>
+        </p:style>
+        <p:txBody>
+          <a:bodyPr rtlCol="0" anchor="ctr"/>
+          <a:lstStyle/>
+          <a:p>
+            <a:pPr algn="ctr"/>
+            <a:endParaRPr lang="ko-KR" altLang="en-US"/>
+          </a:p>
+        </p:txBody>
+      </p:sp>
+      <p:sp>
+        <p:nvSpPr>
+          <p:cNvPr id="26" name="TextBox 25">
+            <a:extLst>
+              <a:ext uri="{FF2B5EF4-FFF2-40B4-BE49-F238E27FC236}">
+                <a16:creationId xmlns:a16="http://schemas.microsoft.com/office/drawing/2014/main" id="{0FB4962A-D870-415A-BAE5-6B1351DA5374}"/>
+              </a:ext>
+            </a:extLst>
+          </p:cNvPr>
+          <p:cNvSpPr txBox="1"/>
+          <p:nvPr/>
+        </p:nvSpPr>
+        <p:spPr>
+          <a:xfrm>
+            <a:off x="8518282" y="1454982"/>
+            <a:ext cx="1594338" cy="646331"/>
+          </a:xfrm>
+          <a:prstGeom prst="rect">
+            <a:avLst/>
+          </a:prstGeom>
+          <a:noFill/>
+        </p:spPr>
+        <p:txBody>
+          <a:bodyPr wrap="square" rtlCol="0">
+            <a:spAutoFit/>
+          </a:bodyPr>
+          <a:lstStyle/>
+          <a:p>
+            <a:pPr algn="ctr"/>
+            <a:r>
+              <a:rPr lang="ko-KR" altLang="en-US" dirty="0"/>
+              <a:t>합침</a:t>
+            </a:r>
+            <a:endParaRPr lang="en-US" altLang="ko-KR" dirty="0"/>
+          </a:p>
+          <a:p>
+            <a:pPr algn="ctr"/>
+            <a:r>
+              <a:rPr lang="en-US" altLang="ko-KR" dirty="0"/>
+              <a:t>merge</a:t>
+            </a:r>
+            <a:endParaRPr lang="ko-KR" altLang="en-US" dirty="0"/>
+          </a:p>
+        </p:txBody>
+      </p:sp>
+      <p:cxnSp>
+        <p:nvCxnSpPr>
+          <p:cNvPr id="31" name="직선 화살표 연결선 30">
+            <a:extLst>
+              <a:ext uri="{FF2B5EF4-FFF2-40B4-BE49-F238E27FC236}">
+                <a16:creationId xmlns:a16="http://schemas.microsoft.com/office/drawing/2014/main" id="{7FC2CA79-4A49-4F71-A80A-84057FC0E7B7}"/>
+              </a:ext>
+            </a:extLst>
+          </p:cNvPr>
+          <p:cNvCxnSpPr>
+            <a:cxnSpLocks/>
+            <a:stCxn id="6" idx="6"/>
+            <a:endCxn id="25" idx="2"/>
+          </p:cNvCxnSpPr>
+          <p:nvPr/>
+        </p:nvCxnSpPr>
+        <p:spPr>
+          <a:xfrm>
+            <a:off x="6811108" y="2246435"/>
+            <a:ext cx="2385647" cy="0"/>
+          </a:xfrm>
+          <a:prstGeom prst="straightConnector1">
+            <a:avLst/>
+          </a:prstGeom>
+          <a:ln w="57150">
+            <a:solidFill>
+              <a:srgbClr val="2F528F"/>
+            </a:solidFill>
+            <a:tailEnd type="triangle"/>
+          </a:ln>
+        </p:spPr>
+        <p:style>
+          <a:lnRef idx="1">
+            <a:schemeClr val="accent1"/>
+          </a:lnRef>
+          <a:fillRef idx="0">
+            <a:schemeClr val="accent1"/>
+          </a:fillRef>
+          <a:effectRef idx="0">
+            <a:schemeClr val="accent1"/>
+          </a:effectRef>
+          <a:fontRef idx="minor">
+            <a:schemeClr val="tx1"/>
+          </a:fontRef>
+        </p:style>
+      </p:cxnSp>
+      <p:sp>
+        <p:nvSpPr>
+          <p:cNvPr id="33" name="타원 32">
+            <a:extLst>
+              <a:ext uri="{FF2B5EF4-FFF2-40B4-BE49-F238E27FC236}">
+                <a16:creationId xmlns:a16="http://schemas.microsoft.com/office/drawing/2014/main" id="{87A76F12-18EF-4BD2-9F78-6A36F4119D64}"/>
+              </a:ext>
+            </a:extLst>
+          </p:cNvPr>
+          <p:cNvSpPr/>
+          <p:nvPr/>
+        </p:nvSpPr>
+        <p:spPr>
+          <a:xfrm>
+            <a:off x="7252189" y="3030415"/>
+            <a:ext cx="237392" cy="237392"/>
+          </a:xfrm>
+          <a:prstGeom prst="ellipse">
+            <a:avLst/>
+          </a:prstGeom>
+          <a:noFill/>
+          <a:ln w="57150">
+            <a:solidFill>
+              <a:schemeClr val="accent2"/>
+            </a:solidFill>
+          </a:ln>
+        </p:spPr>
+        <p:style>
+          <a:lnRef idx="2">
+            <a:schemeClr val="accent1">
+              <a:shade val="50000"/>
+            </a:schemeClr>
+          </a:lnRef>
+          <a:fillRef idx="1">
+            <a:schemeClr val="accent1"/>
+          </a:fillRef>
+          <a:effectRef idx="0">
+            <a:schemeClr val="accent1"/>
+          </a:effectRef>
+          <a:fontRef idx="minor">
+            <a:schemeClr val="lt1"/>
+          </a:fontRef>
+        </p:style>
+        <p:txBody>
+          <a:bodyPr rtlCol="0" anchor="ctr"/>
+          <a:lstStyle/>
+          <a:p>
+            <a:pPr algn="ctr"/>
+            <a:endParaRPr lang="ko-KR" altLang="en-US"/>
+          </a:p>
+        </p:txBody>
+      </p:sp>
+      <p:sp>
+        <p:nvSpPr>
+          <p:cNvPr id="34" name="타원 33">
+            <a:extLst>
+              <a:ext uri="{FF2B5EF4-FFF2-40B4-BE49-F238E27FC236}">
+                <a16:creationId xmlns:a16="http://schemas.microsoft.com/office/drawing/2014/main" id="{CFE22E11-01B7-4A1A-ADF8-9371DE79B1C0}"/>
+              </a:ext>
+            </a:extLst>
+          </p:cNvPr>
+          <p:cNvSpPr/>
+          <p:nvPr/>
+        </p:nvSpPr>
+        <p:spPr>
+          <a:xfrm>
+            <a:off x="5083420" y="3030415"/>
+            <a:ext cx="237392" cy="237392"/>
+          </a:xfrm>
+          <a:prstGeom prst="ellipse">
+            <a:avLst/>
+          </a:prstGeom>
+          <a:noFill/>
+          <a:ln w="57150">
+            <a:solidFill>
+              <a:schemeClr val="accent2"/>
+            </a:solidFill>
+          </a:ln>
+        </p:spPr>
+        <p:style>
+          <a:lnRef idx="2">
+            <a:schemeClr val="accent1">
+              <a:shade val="50000"/>
+            </a:schemeClr>
+          </a:lnRef>
+          <a:fillRef idx="1">
+            <a:schemeClr val="accent1"/>
+          </a:fillRef>
+          <a:effectRef idx="0">
+            <a:schemeClr val="accent1"/>
+          </a:effectRef>
+          <a:fontRef idx="minor">
+            <a:schemeClr val="lt1"/>
+          </a:fontRef>
+        </p:style>
+        <p:txBody>
+          <a:bodyPr rtlCol="0" anchor="ctr"/>
+          <a:lstStyle/>
+          <a:p>
+            <a:pPr algn="ctr"/>
+            <a:endParaRPr lang="ko-KR" altLang="en-US"/>
+          </a:p>
+        </p:txBody>
+      </p:sp>
+      <p:cxnSp>
+        <p:nvCxnSpPr>
+          <p:cNvPr id="38" name="직선 화살표 연결선 37">
+            <a:extLst>
+              <a:ext uri="{FF2B5EF4-FFF2-40B4-BE49-F238E27FC236}">
+                <a16:creationId xmlns:a16="http://schemas.microsoft.com/office/drawing/2014/main" id="{9EC76527-608B-4E8A-B42B-C37074D62FB5}"/>
+              </a:ext>
+            </a:extLst>
+          </p:cNvPr>
+          <p:cNvCxnSpPr>
+            <a:cxnSpLocks/>
+            <a:stCxn id="34" idx="6"/>
+            <a:endCxn id="33" idx="2"/>
+          </p:cNvCxnSpPr>
+          <p:nvPr/>
+        </p:nvCxnSpPr>
+        <p:spPr>
+          <a:xfrm>
+            <a:off x="5320812" y="3149111"/>
+            <a:ext cx="1931377" cy="0"/>
+          </a:xfrm>
+          <a:prstGeom prst="straightConnector1">
+            <a:avLst/>
+          </a:prstGeom>
+          <a:ln w="57150">
+            <a:solidFill>
+              <a:schemeClr val="accent2"/>
+            </a:solidFill>
+            <a:tailEnd type="triangle"/>
+          </a:ln>
+        </p:spPr>
+        <p:style>
+          <a:lnRef idx="1">
+            <a:schemeClr val="accent1"/>
+          </a:lnRef>
+          <a:fillRef idx="0">
+            <a:schemeClr val="accent1"/>
+          </a:fillRef>
+          <a:effectRef idx="0">
+            <a:schemeClr val="accent1"/>
+          </a:effectRef>
+          <a:fontRef idx="minor">
+            <a:schemeClr val="tx1"/>
+          </a:fontRef>
+        </p:style>
+      </p:cxnSp>
+      <p:cxnSp>
+        <p:nvCxnSpPr>
+          <p:cNvPr id="39" name="직선 화살표 연결선 38">
+            <a:extLst>
+              <a:ext uri="{FF2B5EF4-FFF2-40B4-BE49-F238E27FC236}">
+                <a16:creationId xmlns:a16="http://schemas.microsoft.com/office/drawing/2014/main" id="{0119C1E6-63AA-42D5-91AD-94EB4668A351}"/>
+              </a:ext>
+            </a:extLst>
+          </p:cNvPr>
+          <p:cNvCxnSpPr>
+            <a:cxnSpLocks/>
+            <a:stCxn id="5" idx="5"/>
+            <a:endCxn id="34" idx="1"/>
+          </p:cNvCxnSpPr>
+          <p:nvPr/>
+        </p:nvCxnSpPr>
+        <p:spPr>
+          <a:xfrm>
+            <a:off x="4034608" y="2330366"/>
+            <a:ext cx="1083577" cy="734814"/>
+          </a:xfrm>
+          <a:prstGeom prst="straightConnector1">
+            <a:avLst/>
+          </a:prstGeom>
+          <a:ln w="57150">
+            <a:solidFill>
+              <a:schemeClr val="accent2"/>
+            </a:solidFill>
+            <a:tailEnd type="triangle"/>
+          </a:ln>
+        </p:spPr>
+        <p:style>
+          <a:lnRef idx="1">
+            <a:schemeClr val="accent1"/>
+          </a:lnRef>
+          <a:fillRef idx="0">
+            <a:schemeClr val="accent1"/>
+          </a:fillRef>
+          <a:effectRef idx="0">
+            <a:schemeClr val="accent1"/>
+          </a:effectRef>
+          <a:fontRef idx="minor">
+            <a:schemeClr val="tx1"/>
+          </a:fontRef>
+        </p:style>
+      </p:cxnSp>
+      <p:cxnSp>
+        <p:nvCxnSpPr>
+          <p:cNvPr id="40" name="직선 화살표 연결선 39">
+            <a:extLst>
+              <a:ext uri="{FF2B5EF4-FFF2-40B4-BE49-F238E27FC236}">
+                <a16:creationId xmlns:a16="http://schemas.microsoft.com/office/drawing/2014/main" id="{51E71424-C531-478C-B4C5-BFE20AF5C6D1}"/>
+              </a:ext>
+            </a:extLst>
+          </p:cNvPr>
+          <p:cNvCxnSpPr>
+            <a:cxnSpLocks/>
+            <a:stCxn id="33" idx="7"/>
+            <a:endCxn id="25" idx="3"/>
+          </p:cNvCxnSpPr>
+          <p:nvPr/>
+        </p:nvCxnSpPr>
+        <p:spPr>
+          <a:xfrm flipV="1">
+            <a:off x="7454816" y="2330366"/>
+            <a:ext cx="1776704" cy="734814"/>
+          </a:xfrm>
+          <a:prstGeom prst="straightConnector1">
+            <a:avLst/>
+          </a:prstGeom>
+          <a:ln w="57150">
+            <a:solidFill>
+              <a:schemeClr val="accent2"/>
+            </a:solidFill>
+            <a:tailEnd type="triangle"/>
+          </a:ln>
+        </p:spPr>
+        <p:style>
+          <a:lnRef idx="1">
+            <a:schemeClr val="accent1"/>
+          </a:lnRef>
+          <a:fillRef idx="0">
+            <a:schemeClr val="accent1"/>
+          </a:fillRef>
+          <a:effectRef idx="0">
+            <a:schemeClr val="accent1"/>
+          </a:effectRef>
+          <a:fontRef idx="minor">
+            <a:schemeClr val="tx1"/>
+          </a:fontRef>
+        </p:style>
+      </p:cxnSp>
+      <p:sp>
+        <p:nvSpPr>
+          <p:cNvPr id="21" name="TextBox 20">
+            <a:extLst>
+              <a:ext uri="{FF2B5EF4-FFF2-40B4-BE49-F238E27FC236}">
+                <a16:creationId xmlns:a16="http://schemas.microsoft.com/office/drawing/2014/main" id="{C36A4414-0C3D-4805-A1D7-9A55ED48B5E6}"/>
+              </a:ext>
+            </a:extLst>
+          </p:cNvPr>
+          <p:cNvSpPr txBox="1"/>
+          <p:nvPr/>
+        </p:nvSpPr>
+        <p:spPr>
+          <a:xfrm>
+            <a:off x="849988" y="2621476"/>
+            <a:ext cx="1695977" cy="646331"/>
+          </a:xfrm>
+          <a:prstGeom prst="rect">
+            <a:avLst/>
+          </a:prstGeom>
+          <a:noFill/>
+        </p:spPr>
+        <p:txBody>
+          <a:bodyPr wrap="none" rtlCol="0">
+            <a:spAutoFit/>
+          </a:bodyPr>
+          <a:lstStyle/>
+          <a:p>
+            <a:r>
+              <a:rPr lang="en-US" altLang="ko-KR" dirty="0"/>
+              <a:t>Master branch</a:t>
+            </a:r>
+          </a:p>
+          <a:p>
+            <a:r>
+              <a:rPr lang="en-US" altLang="ko-KR" dirty="0"/>
+              <a:t>New branch</a:t>
+            </a:r>
+            <a:endParaRPr lang="ko-KR" altLang="en-US" dirty="0"/>
+          </a:p>
+        </p:txBody>
+      </p:sp>
+      <p:sp>
+        <p:nvSpPr>
+          <p:cNvPr id="42" name="TextBox 41">
+            <a:extLst>
+              <a:ext uri="{FF2B5EF4-FFF2-40B4-BE49-F238E27FC236}">
+                <a16:creationId xmlns:a16="http://schemas.microsoft.com/office/drawing/2014/main" id="{F5C03E47-8C54-4024-BA44-25E75A8AB2E0}"/>
+              </a:ext>
+            </a:extLst>
+          </p:cNvPr>
+          <p:cNvSpPr txBox="1"/>
+          <p:nvPr/>
+        </p:nvSpPr>
+        <p:spPr>
+          <a:xfrm>
+            <a:off x="4547089" y="3386503"/>
+            <a:ext cx="1310054" cy="646331"/>
+          </a:xfrm>
+          <a:prstGeom prst="rect">
+            <a:avLst/>
+          </a:prstGeom>
+          <a:noFill/>
+        </p:spPr>
+        <p:txBody>
+          <a:bodyPr wrap="square" rtlCol="0">
+            <a:spAutoFit/>
+          </a:bodyPr>
+          <a:lstStyle/>
+          <a:p>
+            <a:pPr algn="ctr"/>
+            <a:r>
+              <a:rPr lang="ko-KR" altLang="en-US"/>
+              <a:t>새로운 </a:t>
+            </a:r>
+            <a:r>
+              <a:rPr lang="en-US" altLang="ko-KR" dirty="0"/>
+              <a:t>commit</a:t>
+            </a:r>
+            <a:endParaRPr lang="ko-KR" altLang="en-US" dirty="0"/>
+          </a:p>
+        </p:txBody>
+      </p:sp>
+      <p:sp>
+        <p:nvSpPr>
+          <p:cNvPr id="46" name="TextBox 45">
+            <a:extLst>
+              <a:ext uri="{FF2B5EF4-FFF2-40B4-BE49-F238E27FC236}">
+                <a16:creationId xmlns:a16="http://schemas.microsoft.com/office/drawing/2014/main" id="{6B9C865F-4B17-40CF-8BCF-C073278FEC93}"/>
+              </a:ext>
+            </a:extLst>
+          </p:cNvPr>
+          <p:cNvSpPr txBox="1"/>
+          <p:nvPr/>
+        </p:nvSpPr>
+        <p:spPr>
+          <a:xfrm>
+            <a:off x="6641856" y="3386502"/>
+            <a:ext cx="1458057" cy="646331"/>
+          </a:xfrm>
+          <a:prstGeom prst="rect">
+            <a:avLst/>
+          </a:prstGeom>
+          <a:noFill/>
+        </p:spPr>
+        <p:txBody>
+          <a:bodyPr wrap="square" rtlCol="0">
+            <a:spAutoFit/>
+          </a:bodyPr>
+          <a:lstStyle/>
+          <a:p>
+            <a:pPr algn="ctr"/>
+            <a:r>
+              <a:rPr lang="ko-KR" altLang="en-US"/>
+              <a:t>새로운 다음 </a:t>
+            </a:r>
+            <a:r>
+              <a:rPr lang="en-US" altLang="ko-KR" dirty="0"/>
+              <a:t>commit</a:t>
+            </a:r>
+            <a:endParaRPr lang="ko-KR" altLang="en-US" dirty="0"/>
+          </a:p>
+        </p:txBody>
+      </p:sp>
+      <p:cxnSp>
+        <p:nvCxnSpPr>
+          <p:cNvPr id="47" name="직선 화살표 연결선 46">
+            <a:extLst>
+              <a:ext uri="{FF2B5EF4-FFF2-40B4-BE49-F238E27FC236}">
+                <a16:creationId xmlns:a16="http://schemas.microsoft.com/office/drawing/2014/main" id="{FB09B5FF-72EC-4081-B9A2-5DED5AD02496}"/>
+              </a:ext>
+            </a:extLst>
+          </p:cNvPr>
+          <p:cNvCxnSpPr>
+            <a:cxnSpLocks/>
+            <a:endCxn id="49" idx="2"/>
+          </p:cNvCxnSpPr>
+          <p:nvPr/>
+        </p:nvCxnSpPr>
+        <p:spPr>
+          <a:xfrm>
+            <a:off x="2625970" y="2829658"/>
+            <a:ext cx="522550" cy="0"/>
+          </a:xfrm>
+          <a:prstGeom prst="straightConnector1">
+            <a:avLst/>
+          </a:prstGeom>
+          <a:ln w="57150">
+            <a:solidFill>
+              <a:srgbClr val="2F528F"/>
+            </a:solidFill>
+            <a:tailEnd type="triangle"/>
+          </a:ln>
+        </p:spPr>
+        <p:style>
+          <a:lnRef idx="1">
+            <a:schemeClr val="accent1"/>
+          </a:lnRef>
+          <a:fillRef idx="0">
+            <a:schemeClr val="accent1"/>
+          </a:fillRef>
+          <a:effectRef idx="0">
+            <a:schemeClr val="accent1"/>
+          </a:effectRef>
+          <a:fontRef idx="minor">
+            <a:schemeClr val="tx1"/>
+          </a:fontRef>
+        </p:style>
+      </p:cxnSp>
+      <p:sp>
+        <p:nvSpPr>
+          <p:cNvPr id="49" name="타원 48">
+            <a:extLst>
+              <a:ext uri="{FF2B5EF4-FFF2-40B4-BE49-F238E27FC236}">
+                <a16:creationId xmlns:a16="http://schemas.microsoft.com/office/drawing/2014/main" id="{514C2587-8047-4A46-954A-8762335C511F}"/>
+              </a:ext>
+            </a:extLst>
+          </p:cNvPr>
+          <p:cNvSpPr/>
+          <p:nvPr/>
+        </p:nvSpPr>
+        <p:spPr>
+          <a:xfrm>
+            <a:off x="3148520" y="2710962"/>
+            <a:ext cx="237392" cy="237392"/>
+          </a:xfrm>
+          <a:prstGeom prst="ellipse">
+            <a:avLst/>
+          </a:prstGeom>
+          <a:noFill/>
+          <a:ln w="57150"/>
+        </p:spPr>
+        <p:style>
+          <a:lnRef idx="2">
+            <a:schemeClr val="accent1">
+              <a:shade val="50000"/>
+            </a:schemeClr>
+          </a:lnRef>
+          <a:fillRef idx="1">
+            <a:schemeClr val="accent1"/>
+          </a:fillRef>
+          <a:effectRef idx="0">
+            <a:schemeClr val="accent1"/>
+          </a:effectRef>
+          <a:fontRef idx="minor">
+            <a:schemeClr val="lt1"/>
+          </a:fontRef>
+        </p:style>
+        <p:txBody>
+          <a:bodyPr rtlCol="0" anchor="ctr"/>
+          <a:lstStyle/>
+          <a:p>
+            <a:pPr algn="ctr"/>
+            <a:endParaRPr lang="ko-KR" altLang="en-US"/>
+          </a:p>
+        </p:txBody>
+      </p:sp>
+      <p:cxnSp>
+        <p:nvCxnSpPr>
+          <p:cNvPr id="51" name="직선 화살표 연결선 50">
+            <a:extLst>
+              <a:ext uri="{FF2B5EF4-FFF2-40B4-BE49-F238E27FC236}">
+                <a16:creationId xmlns:a16="http://schemas.microsoft.com/office/drawing/2014/main" id="{9B4C7F23-1EF0-4665-9CF8-CF73DA35E04E}"/>
+              </a:ext>
+            </a:extLst>
+          </p:cNvPr>
+          <p:cNvCxnSpPr>
+            <a:cxnSpLocks/>
+            <a:endCxn id="52" idx="2"/>
+          </p:cNvCxnSpPr>
+          <p:nvPr/>
+        </p:nvCxnSpPr>
+        <p:spPr>
+          <a:xfrm>
+            <a:off x="2633015" y="3149111"/>
+            <a:ext cx="522550" cy="0"/>
+          </a:xfrm>
+          <a:prstGeom prst="straightConnector1">
+            <a:avLst/>
+          </a:prstGeom>
+          <a:ln w="57150">
+            <a:solidFill>
+              <a:schemeClr val="accent2"/>
+            </a:solidFill>
+            <a:tailEnd type="triangle"/>
+          </a:ln>
+        </p:spPr>
+        <p:style>
+          <a:lnRef idx="1">
+            <a:schemeClr val="accent1"/>
+          </a:lnRef>
+          <a:fillRef idx="0">
+            <a:schemeClr val="accent1"/>
+          </a:fillRef>
+          <a:effectRef idx="0">
+            <a:schemeClr val="accent1"/>
+          </a:effectRef>
+          <a:fontRef idx="minor">
+            <a:schemeClr val="tx1"/>
+          </a:fontRef>
+        </p:style>
+      </p:cxnSp>
+      <p:sp>
+        <p:nvSpPr>
+          <p:cNvPr id="52" name="타원 51">
+            <a:extLst>
+              <a:ext uri="{FF2B5EF4-FFF2-40B4-BE49-F238E27FC236}">
+                <a16:creationId xmlns:a16="http://schemas.microsoft.com/office/drawing/2014/main" id="{211ADE2B-A904-47C7-9EF5-BA6E05944567}"/>
+              </a:ext>
+            </a:extLst>
+          </p:cNvPr>
+          <p:cNvSpPr/>
+          <p:nvPr/>
+        </p:nvSpPr>
+        <p:spPr>
+          <a:xfrm>
+            <a:off x="3155565" y="3030415"/>
+            <a:ext cx="237392" cy="237392"/>
+          </a:xfrm>
+          <a:prstGeom prst="ellipse">
+            <a:avLst/>
+          </a:prstGeom>
+          <a:noFill/>
+          <a:ln w="57150">
+            <a:solidFill>
+              <a:schemeClr val="accent2"/>
+            </a:solidFill>
+          </a:ln>
+        </p:spPr>
+        <p:style>
+          <a:lnRef idx="2">
+            <a:schemeClr val="accent1">
+              <a:shade val="50000"/>
+            </a:schemeClr>
+          </a:lnRef>
+          <a:fillRef idx="1">
+            <a:schemeClr val="accent1"/>
+          </a:fillRef>
+          <a:effectRef idx="0">
+            <a:schemeClr val="accent1"/>
+          </a:effectRef>
+          <a:fontRef idx="minor">
+            <a:schemeClr val="lt1"/>
+          </a:fontRef>
+        </p:style>
+        <p:txBody>
+          <a:bodyPr rtlCol="0" anchor="ctr"/>
+          <a:lstStyle/>
+          <a:p>
+            <a:pPr algn="ctr"/>
+            <a:endParaRPr lang="ko-KR" altLang="en-US"/>
+          </a:p>
+        </p:txBody>
+      </p:sp>
+    </p:spTree>
+    <p:extLst>
+      <p:ext uri="{BB962C8B-B14F-4D97-AF65-F5344CB8AC3E}">
+        <p14:creationId xmlns:p14="http://schemas.microsoft.com/office/powerpoint/2010/main" val="4130773254"/>
       </p:ext>
     </p:extLst>
   </p:cSld>
